--- a/ppt/java_ppt/12장-기본클래스 및 내부클래스.pptx
+++ b/ppt/java_ppt/12장-기본클래스 및 내부클래스.pptx
@@ -5,7 +5,7 @@
     <p:sldMasterId id="2147483648" r:id="rId1"/>
   </p:sldMasterIdLst>
   <p:notesMasterIdLst>
-    <p:notesMasterId r:id="rId61"/>
+    <p:notesMasterId r:id="rId62"/>
   </p:notesMasterIdLst>
   <p:sldIdLst>
     <p:sldId id="256" r:id="rId2"/>
@@ -33,40 +33,41 @@
     <p:sldId id="408" r:id="rId24"/>
     <p:sldId id="419" r:id="rId25"/>
     <p:sldId id="420" r:id="rId26"/>
-    <p:sldId id="382" r:id="rId27"/>
-    <p:sldId id="400" r:id="rId28"/>
-    <p:sldId id="421" r:id="rId29"/>
-    <p:sldId id="422" r:id="rId30"/>
-    <p:sldId id="423" r:id="rId31"/>
-    <p:sldId id="386" r:id="rId32"/>
-    <p:sldId id="409" r:id="rId33"/>
-    <p:sldId id="387" r:id="rId34"/>
-    <p:sldId id="388" r:id="rId35"/>
-    <p:sldId id="381" r:id="rId36"/>
-    <p:sldId id="391" r:id="rId37"/>
-    <p:sldId id="383" r:id="rId38"/>
-    <p:sldId id="413" r:id="rId39"/>
-    <p:sldId id="385" r:id="rId40"/>
-    <p:sldId id="410" r:id="rId41"/>
-    <p:sldId id="412" r:id="rId42"/>
-    <p:sldId id="411" r:id="rId43"/>
-    <p:sldId id="425" r:id="rId44"/>
-    <p:sldId id="426" r:id="rId45"/>
-    <p:sldId id="427" r:id="rId46"/>
-    <p:sldId id="428" r:id="rId47"/>
-    <p:sldId id="429" r:id="rId48"/>
-    <p:sldId id="430" r:id="rId49"/>
-    <p:sldId id="431" r:id="rId50"/>
-    <p:sldId id="432" r:id="rId51"/>
-    <p:sldId id="433" r:id="rId52"/>
-    <p:sldId id="434" r:id="rId53"/>
-    <p:sldId id="435" r:id="rId54"/>
-    <p:sldId id="436" r:id="rId55"/>
-    <p:sldId id="437" r:id="rId56"/>
-    <p:sldId id="438" r:id="rId57"/>
-    <p:sldId id="439" r:id="rId58"/>
-    <p:sldId id="440" r:id="rId59"/>
-    <p:sldId id="441" r:id="rId60"/>
+    <p:sldId id="442" r:id="rId27"/>
+    <p:sldId id="382" r:id="rId28"/>
+    <p:sldId id="400" r:id="rId29"/>
+    <p:sldId id="421" r:id="rId30"/>
+    <p:sldId id="422" r:id="rId31"/>
+    <p:sldId id="423" r:id="rId32"/>
+    <p:sldId id="386" r:id="rId33"/>
+    <p:sldId id="409" r:id="rId34"/>
+    <p:sldId id="387" r:id="rId35"/>
+    <p:sldId id="388" r:id="rId36"/>
+    <p:sldId id="381" r:id="rId37"/>
+    <p:sldId id="391" r:id="rId38"/>
+    <p:sldId id="383" r:id="rId39"/>
+    <p:sldId id="413" r:id="rId40"/>
+    <p:sldId id="385" r:id="rId41"/>
+    <p:sldId id="410" r:id="rId42"/>
+    <p:sldId id="412" r:id="rId43"/>
+    <p:sldId id="411" r:id="rId44"/>
+    <p:sldId id="425" r:id="rId45"/>
+    <p:sldId id="426" r:id="rId46"/>
+    <p:sldId id="427" r:id="rId47"/>
+    <p:sldId id="428" r:id="rId48"/>
+    <p:sldId id="429" r:id="rId49"/>
+    <p:sldId id="430" r:id="rId50"/>
+    <p:sldId id="431" r:id="rId51"/>
+    <p:sldId id="432" r:id="rId52"/>
+    <p:sldId id="433" r:id="rId53"/>
+    <p:sldId id="434" r:id="rId54"/>
+    <p:sldId id="435" r:id="rId55"/>
+    <p:sldId id="436" r:id="rId56"/>
+    <p:sldId id="437" r:id="rId57"/>
+    <p:sldId id="438" r:id="rId58"/>
+    <p:sldId id="439" r:id="rId59"/>
+    <p:sldId id="440" r:id="rId60"/>
+    <p:sldId id="441" r:id="rId61"/>
   </p:sldIdLst>
   <p:sldSz cx="9906000" cy="6858000" type="A4"/>
   <p:notesSz cx="6858000" cy="9144000"/>
@@ -266,7 +267,7 @@
           <a:p>
             <a:fld id="{7665CDAC-D627-4E87-877A-1B781DD4CADC}" type="datetimeFigureOut">
               <a:rPr lang="ko-KR" altLang="en-US" smtClean="0"/>
-              <a:t>2023-05-22</a:t>
+              <a:t>2023-06-06</a:t>
             </a:fld>
             <a:endParaRPr lang="ko-KR" altLang="en-US"/>
           </a:p>
@@ -1019,7 +1020,7 @@
           <a:p>
             <a:fld id="{0FADDD8A-FD4C-4C63-90D4-202AFE8080B2}" type="slidenum">
               <a:rPr lang="ko-KR" altLang="en-US" smtClean="0"/>
-              <a:t>26</a:t>
+              <a:t>27</a:t>
             </a:fld>
             <a:endParaRPr lang="ko-KR" altLang="en-US"/>
           </a:p>
@@ -1103,7 +1104,7 @@
           <a:p>
             <a:fld id="{0FADDD8A-FD4C-4C63-90D4-202AFE8080B2}" type="slidenum">
               <a:rPr lang="ko-KR" altLang="en-US" smtClean="0"/>
-              <a:t>27</a:t>
+              <a:t>28</a:t>
             </a:fld>
             <a:endParaRPr lang="ko-KR" altLang="en-US"/>
           </a:p>
@@ -1308,7 +1309,7 @@
           <a:p>
             <a:fld id="{F4AC81B4-D91A-4578-85B3-829E63FCFE17}" type="datetime1">
               <a:rPr lang="ko-KR" altLang="en-US" smtClean="0"/>
-              <a:t>2023-05-22</a:t>
+              <a:t>2023-06-06</a:t>
             </a:fld>
             <a:endParaRPr lang="ko-KR" altLang="en-US"/>
           </a:p>
@@ -1683,7 +1684,7 @@
           <a:p>
             <a:fld id="{F5B77542-37E5-48F2-BAE7-80CC6B0EB6A3}" type="datetime1">
               <a:rPr lang="ko-KR" altLang="en-US" smtClean="0"/>
-              <a:t>2023-05-22</a:t>
+              <a:t>2023-06-06</a:t>
             </a:fld>
             <a:endParaRPr lang="ko-KR" altLang="en-US"/>
           </a:p>
@@ -1863,7 +1864,7 @@
           <a:p>
             <a:fld id="{227CF174-B5AC-4A98-B673-0BE8126D3F27}" type="datetime1">
               <a:rPr lang="ko-KR" altLang="en-US" smtClean="0"/>
-              <a:t>2023-05-22</a:t>
+              <a:t>2023-06-06</a:t>
             </a:fld>
             <a:endParaRPr lang="ko-KR" altLang="en-US"/>
           </a:p>
@@ -2037,7 +2038,7 @@
           <a:p>
             <a:fld id="{E20FDEC8-1339-42E8-9704-2977280C2FD3}" type="datetime1">
               <a:rPr lang="ko-KR" altLang="en-US" smtClean="0"/>
-              <a:t>2023-05-22</a:t>
+              <a:t>2023-06-06</a:t>
             </a:fld>
             <a:endParaRPr lang="ko-KR" altLang="en-US"/>
           </a:p>
@@ -2283,7 +2284,7 @@
           <a:p>
             <a:fld id="{4D18DC76-A282-4817-B790-197F054E1215}" type="datetime1">
               <a:rPr lang="ko-KR" altLang="en-US" smtClean="0"/>
-              <a:t>2023-05-22</a:t>
+              <a:t>2023-06-06</a:t>
             </a:fld>
             <a:endParaRPr lang="ko-KR" altLang="en-US"/>
           </a:p>
@@ -2571,7 +2572,7 @@
           <a:p>
             <a:fld id="{6680AA6C-13D8-43E4-90F0-E6C88A2B9F16}" type="datetime1">
               <a:rPr lang="ko-KR" altLang="en-US" smtClean="0"/>
-              <a:t>2023-05-22</a:t>
+              <a:t>2023-06-06</a:t>
             </a:fld>
             <a:endParaRPr lang="ko-KR" altLang="en-US"/>
           </a:p>
@@ -2993,7 +2994,7 @@
           <a:p>
             <a:fld id="{3EF5B03B-20CC-436E-8601-C933C6C1F4A6}" type="datetime1">
               <a:rPr lang="ko-KR" altLang="en-US" smtClean="0"/>
-              <a:t>2023-05-22</a:t>
+              <a:t>2023-06-06</a:t>
             </a:fld>
             <a:endParaRPr lang="ko-KR" altLang="en-US"/>
           </a:p>
@@ -3111,7 +3112,7 @@
           <a:p>
             <a:fld id="{87B5A15D-8B08-482F-AB47-E416EC355EB6}" type="datetime1">
               <a:rPr lang="ko-KR" altLang="en-US" smtClean="0"/>
-              <a:t>2023-05-22</a:t>
+              <a:t>2023-06-06</a:t>
             </a:fld>
             <a:endParaRPr lang="ko-KR" altLang="en-US"/>
           </a:p>
@@ -3206,7 +3207,7 @@
           <a:p>
             <a:fld id="{A877D7F8-7B64-44F8-A411-CBD22F28CBFF}" type="datetime1">
               <a:rPr lang="ko-KR" altLang="en-US" smtClean="0"/>
-              <a:t>2023-05-22</a:t>
+              <a:t>2023-06-06</a:t>
             </a:fld>
             <a:endParaRPr lang="ko-KR" altLang="en-US"/>
           </a:p>
@@ -3483,7 +3484,7 @@
           <a:p>
             <a:fld id="{E12DBD9B-2BB6-4D1F-BCB4-1E48829C93C3}" type="datetime1">
               <a:rPr lang="ko-KR" altLang="en-US" smtClean="0"/>
-              <a:t>2023-05-22</a:t>
+              <a:t>2023-06-06</a:t>
             </a:fld>
             <a:endParaRPr lang="ko-KR" altLang="en-US"/>
           </a:p>
@@ -3736,7 +3737,7 @@
           <a:p>
             <a:fld id="{17564C48-0CD7-40EB-BE64-BBF4DB8C56AF}" type="datetime1">
               <a:rPr lang="ko-KR" altLang="en-US" smtClean="0"/>
-              <a:t>2023-05-22</a:t>
+              <a:t>2023-06-06</a:t>
             </a:fld>
             <a:endParaRPr lang="ko-KR" altLang="en-US"/>
           </a:p>
@@ -3916,7 +3917,7 @@
           <a:p>
             <a:fld id="{C116BCB4-B68B-4638-8167-F4BDC0A30DA1}" type="datetime1">
               <a:rPr lang="ko-KR" altLang="en-US" smtClean="0"/>
-              <a:t>2023-05-22</a:t>
+              <a:t>2023-06-06</a:t>
             </a:fld>
             <a:endParaRPr lang="ko-KR" altLang="en-US"/>
           </a:p>
@@ -11910,7 +11911,7 @@
       </p:sp>
       <p:pic>
         <p:nvPicPr>
-          <p:cNvPr id="2" name="그림 1"/>
+          <p:cNvPr id="3" name="그림 2"/>
           <p:cNvPicPr>
             <a:picLocks noChangeAspect="1"/>
           </p:cNvPicPr>
@@ -11930,8 +11931,45 @@
         </p:blipFill>
         <p:spPr>
           <a:xfrm>
-            <a:off x="1208584" y="1916832"/>
-            <a:ext cx="6965284" cy="3718883"/>
+            <a:off x="732057" y="1700808"/>
+            <a:ext cx="8428450" cy="4168501"/>
+          </a:xfrm>
+          <a:prstGeom prst="rect">
+            <a:avLst/>
+          </a:prstGeom>
+          <a:ln>
+            <a:solidFill>
+              <a:schemeClr val="bg1">
+                <a:lumMod val="85000"/>
+              </a:schemeClr>
+            </a:solidFill>
+          </a:ln>
+        </p:spPr>
+      </p:pic>
+      <p:pic>
+        <p:nvPicPr>
+          <p:cNvPr id="4" name="그림 3"/>
+          <p:cNvPicPr>
+            <a:picLocks noChangeAspect="1"/>
+          </p:cNvPicPr>
+          <p:nvPr/>
+        </p:nvPicPr>
+        <p:blipFill>
+          <a:blip r:embed="rId3">
+            <a:extLst>
+              <a:ext uri="{28A0092B-C50C-407E-A947-70E740481C1C}">
+                <a14:useLocalDpi xmlns:a14="http://schemas.microsoft.com/office/drawing/2010/main" val="0"/>
+              </a:ext>
+            </a:extLst>
+          </a:blip>
+          <a:stretch>
+            <a:fillRect/>
+          </a:stretch>
+        </p:blipFill>
+        <p:spPr>
+          <a:xfrm>
+            <a:off x="6609184" y="3773699"/>
+            <a:ext cx="2949196" cy="518205"/>
           </a:xfrm>
           <a:prstGeom prst="rect">
             <a:avLst/>
@@ -11958,7 +11996,132 @@
   <p:timing>
     <p:tnLst>
       <p:par>
-        <p:cTn id="1" dur="indefinite" restart="never" nodeType="tmRoot"/>
+        <p:cTn id="1" dur="indefinite" restart="never" nodeType="tmRoot">
+          <p:childTnLst>
+            <p:seq concurrent="1" nextAc="seek">
+              <p:cTn id="2" dur="indefinite" nodeType="mainSeq">
+                <p:childTnLst>
+                  <p:par>
+                    <p:cTn id="3" fill="hold">
+                      <p:stCondLst>
+                        <p:cond delay="indefinite"/>
+                      </p:stCondLst>
+                      <p:childTnLst>
+                        <p:par>
+                          <p:cTn id="4" fill="hold">
+                            <p:stCondLst>
+                              <p:cond delay="0"/>
+                            </p:stCondLst>
+                            <p:childTnLst>
+                              <p:par>
+                                <p:cTn id="5" presetID="32" presetClass="emph" presetSubtype="0" fill="hold" nodeType="clickEffect">
+                                  <p:stCondLst>
+                                    <p:cond delay="0"/>
+                                  </p:stCondLst>
+                                  <p:childTnLst>
+                                    <p:animRot by="120000">
+                                      <p:cBhvr>
+                                        <p:cTn id="6" dur="100" fill="hold">
+                                          <p:stCondLst>
+                                            <p:cond delay="0"/>
+                                          </p:stCondLst>
+                                        </p:cTn>
+                                        <p:tgtEl>
+                                          <p:spTgt spid="4"/>
+                                        </p:tgtEl>
+                                        <p:attrNameLst>
+                                          <p:attrName>r</p:attrName>
+                                        </p:attrNameLst>
+                                      </p:cBhvr>
+                                    </p:animRot>
+                                    <p:animRot by="-240000">
+                                      <p:cBhvr>
+                                        <p:cTn id="7" dur="200" fill="hold">
+                                          <p:stCondLst>
+                                            <p:cond delay="200"/>
+                                          </p:stCondLst>
+                                        </p:cTn>
+                                        <p:tgtEl>
+                                          <p:spTgt spid="4"/>
+                                        </p:tgtEl>
+                                        <p:attrNameLst>
+                                          <p:attrName>r</p:attrName>
+                                        </p:attrNameLst>
+                                      </p:cBhvr>
+                                    </p:animRot>
+                                    <p:animRot by="240000">
+                                      <p:cBhvr>
+                                        <p:cTn id="8" dur="200" fill="hold">
+                                          <p:stCondLst>
+                                            <p:cond delay="400"/>
+                                          </p:stCondLst>
+                                        </p:cTn>
+                                        <p:tgtEl>
+                                          <p:spTgt spid="4"/>
+                                        </p:tgtEl>
+                                        <p:attrNameLst>
+                                          <p:attrName>r</p:attrName>
+                                        </p:attrNameLst>
+                                      </p:cBhvr>
+                                    </p:animRot>
+                                    <p:animRot by="-240000">
+                                      <p:cBhvr>
+                                        <p:cTn id="9" dur="200" fill="hold">
+                                          <p:stCondLst>
+                                            <p:cond delay="600"/>
+                                          </p:stCondLst>
+                                        </p:cTn>
+                                        <p:tgtEl>
+                                          <p:spTgt spid="4"/>
+                                        </p:tgtEl>
+                                        <p:attrNameLst>
+                                          <p:attrName>r</p:attrName>
+                                        </p:attrNameLst>
+                                      </p:cBhvr>
+                                    </p:animRot>
+                                    <p:animRot by="120000">
+                                      <p:cBhvr>
+                                        <p:cTn id="10" dur="200" fill="hold">
+                                          <p:stCondLst>
+                                            <p:cond delay="800"/>
+                                          </p:stCondLst>
+                                        </p:cTn>
+                                        <p:tgtEl>
+                                          <p:spTgt spid="4"/>
+                                        </p:tgtEl>
+                                        <p:attrNameLst>
+                                          <p:attrName>r</p:attrName>
+                                        </p:attrNameLst>
+                                      </p:cBhvr>
+                                    </p:animRot>
+                                  </p:childTnLst>
+                                </p:cTn>
+                              </p:par>
+                            </p:childTnLst>
+                          </p:cTn>
+                        </p:par>
+                      </p:childTnLst>
+                    </p:cTn>
+                  </p:par>
+                </p:childTnLst>
+              </p:cTn>
+              <p:prevCondLst>
+                <p:cond evt="onPrev" delay="0">
+                  <p:tgtEl>
+                    <p:sldTgt/>
+                  </p:tgtEl>
+                </p:cond>
+              </p:prevCondLst>
+              <p:nextCondLst>
+                <p:cond evt="onNext" delay="0">
+                  <p:tgtEl>
+                    <p:sldTgt/>
+                  </p:tgtEl>
+                </p:cond>
+              </p:nextCondLst>
+            </p:seq>
+          </p:childTnLst>
+        </p:cTn>
       </p:par>
     </p:tnLst>
   </p:timing>
@@ -11999,7 +12162,7 @@
           <a:p>
             <a:r>
               <a:rPr lang="en-US" altLang="ko-KR" dirty="0" smtClean="0"/>
-              <a:t> String </a:t>
+              <a:t>  System </a:t>
             </a:r>
             <a:r>
               <a:rPr lang="ko-KR" altLang="en-US" dirty="0" smtClean="0"/>
@@ -12032,6 +12195,550 @@
             <a:fld id="{1BDE3FE7-3AEA-4B05-AC5A-802D1816ACF0}" type="slidenum">
               <a:rPr lang="ko-KR" altLang="en-US" smtClean="0"/>
               <a:t>26</a:t>
+            </a:fld>
+            <a:endParaRPr lang="ko-KR" altLang="en-US"/>
+          </a:p>
+        </p:txBody>
+      </p:sp>
+      <p:sp>
+        <p:nvSpPr>
+          <p:cNvPr id="10" name="내용 개체 틀 2">
+            <a:extLst>
+              <a:ext uri="{FF2B5EF4-FFF2-40B4-BE49-F238E27FC236}">
+                <a16:creationId xmlns:a16="http://schemas.microsoft.com/office/drawing/2014/main" id="{98AF3A4E-7D90-4241-89FE-799D6F9D5A94}"/>
+              </a:ext>
+            </a:extLst>
+          </p:cNvPr>
+          <p:cNvSpPr txBox="1">
+            <a:spLocks/>
+          </p:cNvSpPr>
+          <p:nvPr/>
+        </p:nvSpPr>
+        <p:spPr>
+          <a:xfrm>
+            <a:off x="732057" y="1052736"/>
+            <a:ext cx="7101263" cy="648072"/>
+          </a:xfrm>
+          <a:prstGeom prst="rect">
+            <a:avLst/>
+          </a:prstGeom>
+        </p:spPr>
+        <p:txBody>
+          <a:bodyPr/>
+          <a:lstStyle>
+            <a:lvl1pPr marL="228600" indent="-228600" algn="l" defTabSz="914400" rtl="0" eaLnBrk="1" latinLnBrk="1" hangingPunct="1">
+              <a:lnSpc>
+                <a:spcPct val="90000"/>
+              </a:lnSpc>
+              <a:spcBef>
+                <a:spcPts val="1000"/>
+              </a:spcBef>
+              <a:buFont typeface="Arial" panose="020B0604020202020204" pitchFamily="34" charset="0"/>
+              <a:buChar char="•"/>
+              <a:defRPr sz="2800" kern="1200">
+                <a:solidFill>
+                  <a:schemeClr val="tx1"/>
+                </a:solidFill>
+                <a:latin typeface="+mn-lt"/>
+                <a:ea typeface="+mn-ea"/>
+                <a:cs typeface="+mn-cs"/>
+              </a:defRPr>
+            </a:lvl1pPr>
+            <a:lvl2pPr marL="685800" indent="-228600" algn="l" defTabSz="914400" rtl="0" eaLnBrk="1" latinLnBrk="1" hangingPunct="1">
+              <a:lnSpc>
+                <a:spcPct val="90000"/>
+              </a:lnSpc>
+              <a:spcBef>
+                <a:spcPts val="500"/>
+              </a:spcBef>
+              <a:buFont typeface="Arial" panose="020B0604020202020204" pitchFamily="34" charset="0"/>
+              <a:buChar char="•"/>
+              <a:defRPr sz="2400" kern="1200">
+                <a:solidFill>
+                  <a:schemeClr val="tx1"/>
+                </a:solidFill>
+                <a:latin typeface="+mn-lt"/>
+                <a:ea typeface="+mn-ea"/>
+                <a:cs typeface="+mn-cs"/>
+              </a:defRPr>
+            </a:lvl2pPr>
+            <a:lvl3pPr marL="1143000" indent="-228600" algn="l" defTabSz="914400" rtl="0" eaLnBrk="1" latinLnBrk="1" hangingPunct="1">
+              <a:lnSpc>
+                <a:spcPct val="90000"/>
+              </a:lnSpc>
+              <a:spcBef>
+                <a:spcPts val="500"/>
+              </a:spcBef>
+              <a:buFont typeface="Arial" panose="020B0604020202020204" pitchFamily="34" charset="0"/>
+              <a:buChar char="•"/>
+              <a:defRPr sz="2000" kern="1200">
+                <a:solidFill>
+                  <a:schemeClr val="tx1"/>
+                </a:solidFill>
+                <a:latin typeface="+mn-lt"/>
+                <a:ea typeface="+mn-ea"/>
+                <a:cs typeface="+mn-cs"/>
+              </a:defRPr>
+            </a:lvl3pPr>
+            <a:lvl4pPr marL="1600200" indent="-228600" algn="l" defTabSz="914400" rtl="0" eaLnBrk="1" latinLnBrk="1" hangingPunct="1">
+              <a:lnSpc>
+                <a:spcPct val="90000"/>
+              </a:lnSpc>
+              <a:spcBef>
+                <a:spcPts val="500"/>
+              </a:spcBef>
+              <a:buFont typeface="Arial" panose="020B0604020202020204" pitchFamily="34" charset="0"/>
+              <a:buChar char="•"/>
+              <a:defRPr sz="1800" kern="1200">
+                <a:solidFill>
+                  <a:schemeClr val="tx1"/>
+                </a:solidFill>
+                <a:latin typeface="+mn-lt"/>
+                <a:ea typeface="+mn-ea"/>
+                <a:cs typeface="+mn-cs"/>
+              </a:defRPr>
+            </a:lvl4pPr>
+            <a:lvl5pPr marL="2057400" indent="-228600" algn="l" defTabSz="914400" rtl="0" eaLnBrk="1" latinLnBrk="1" hangingPunct="1">
+              <a:lnSpc>
+                <a:spcPct val="90000"/>
+              </a:lnSpc>
+              <a:spcBef>
+                <a:spcPts val="500"/>
+              </a:spcBef>
+              <a:buFont typeface="Arial" panose="020B0604020202020204" pitchFamily="34" charset="0"/>
+              <a:buChar char="•"/>
+              <a:defRPr sz="1800" kern="1200">
+                <a:solidFill>
+                  <a:schemeClr val="tx1"/>
+                </a:solidFill>
+                <a:latin typeface="+mn-lt"/>
+                <a:ea typeface="+mn-ea"/>
+                <a:cs typeface="+mn-cs"/>
+              </a:defRPr>
+            </a:lvl5pPr>
+            <a:lvl6pPr marL="2514600" indent="-228600" algn="l" defTabSz="914400" rtl="0" eaLnBrk="1" latinLnBrk="1" hangingPunct="1">
+              <a:lnSpc>
+                <a:spcPct val="90000"/>
+              </a:lnSpc>
+              <a:spcBef>
+                <a:spcPts val="500"/>
+              </a:spcBef>
+              <a:buFont typeface="Arial" panose="020B0604020202020204" pitchFamily="34" charset="0"/>
+              <a:buChar char="•"/>
+              <a:defRPr sz="1800" kern="1200">
+                <a:solidFill>
+                  <a:schemeClr val="tx1"/>
+                </a:solidFill>
+                <a:latin typeface="+mn-lt"/>
+                <a:ea typeface="+mn-ea"/>
+                <a:cs typeface="+mn-cs"/>
+              </a:defRPr>
+            </a:lvl6pPr>
+            <a:lvl7pPr marL="2971800" indent="-228600" algn="l" defTabSz="914400" rtl="0" eaLnBrk="1" latinLnBrk="1" hangingPunct="1">
+              <a:lnSpc>
+                <a:spcPct val="90000"/>
+              </a:lnSpc>
+              <a:spcBef>
+                <a:spcPts val="500"/>
+              </a:spcBef>
+              <a:buFont typeface="Arial" panose="020B0604020202020204" pitchFamily="34" charset="0"/>
+              <a:buChar char="•"/>
+              <a:defRPr sz="1800" kern="1200">
+                <a:solidFill>
+                  <a:schemeClr val="tx1"/>
+                </a:solidFill>
+                <a:latin typeface="+mn-lt"/>
+                <a:ea typeface="+mn-ea"/>
+                <a:cs typeface="+mn-cs"/>
+              </a:defRPr>
+            </a:lvl7pPr>
+            <a:lvl8pPr marL="3429000" indent="-228600" algn="l" defTabSz="914400" rtl="0" eaLnBrk="1" latinLnBrk="1" hangingPunct="1">
+              <a:lnSpc>
+                <a:spcPct val="90000"/>
+              </a:lnSpc>
+              <a:spcBef>
+                <a:spcPts val="500"/>
+              </a:spcBef>
+              <a:buFont typeface="Arial" panose="020B0604020202020204" pitchFamily="34" charset="0"/>
+              <a:buChar char="•"/>
+              <a:defRPr sz="1800" kern="1200">
+                <a:solidFill>
+                  <a:schemeClr val="tx1"/>
+                </a:solidFill>
+                <a:latin typeface="+mn-lt"/>
+                <a:ea typeface="+mn-ea"/>
+                <a:cs typeface="+mn-cs"/>
+              </a:defRPr>
+            </a:lvl8pPr>
+            <a:lvl9pPr marL="3886200" indent="-228600" algn="l" defTabSz="914400" rtl="0" eaLnBrk="1" latinLnBrk="1" hangingPunct="1">
+              <a:lnSpc>
+                <a:spcPct val="90000"/>
+              </a:lnSpc>
+              <a:spcBef>
+                <a:spcPts val="500"/>
+              </a:spcBef>
+              <a:buFont typeface="Arial" panose="020B0604020202020204" pitchFamily="34" charset="0"/>
+              <a:buChar char="•"/>
+              <a:defRPr sz="1800" kern="1200">
+                <a:solidFill>
+                  <a:schemeClr val="tx1"/>
+                </a:solidFill>
+                <a:latin typeface="+mn-lt"/>
+                <a:ea typeface="+mn-ea"/>
+                <a:cs typeface="+mn-cs"/>
+              </a:defRPr>
+            </a:lvl9pPr>
+          </a:lstStyle>
+          <a:p>
+            <a:pPr>
+              <a:lnSpc>
+                <a:spcPct val="150000"/>
+              </a:lnSpc>
+              <a:buFont typeface="Wingdings" panose="05000000000000000000" pitchFamily="2" charset="2"/>
+              <a:buChar char="l"/>
+            </a:pPr>
+            <a:r>
+              <a:rPr lang="en-US" altLang="ko-KR" sz="2200" b="1" dirty="0" smtClean="0">
+                <a:solidFill>
+                  <a:srgbClr val="C00000"/>
+                </a:solidFill>
+              </a:rPr>
+              <a:t> </a:t>
+            </a:r>
+            <a:r>
+              <a:rPr lang="en-US" altLang="ko-KR" sz="2200" b="1" dirty="0" err="1" smtClean="0">
+                <a:solidFill>
+                  <a:srgbClr val="C00000"/>
+                </a:solidFill>
+              </a:rPr>
+              <a:t>currentTimeMills</a:t>
+            </a:r>
+            <a:r>
+              <a:rPr lang="en-US" altLang="ko-KR" sz="2200" b="1" dirty="0" smtClean="0">
+                <a:solidFill>
+                  <a:srgbClr val="C00000"/>
+                </a:solidFill>
+              </a:rPr>
+              <a:t>(), </a:t>
+            </a:r>
+            <a:r>
+              <a:rPr lang="en-US" altLang="ko-KR" sz="2200" b="1" dirty="0" err="1" smtClean="0">
+                <a:solidFill>
+                  <a:srgbClr val="C00000"/>
+                </a:solidFill>
+              </a:rPr>
+              <a:t>nonoTime</a:t>
+            </a:r>
+            <a:r>
+              <a:rPr lang="en-US" altLang="ko-KR" sz="2200" b="1" dirty="0" smtClean="0">
+                <a:solidFill>
+                  <a:srgbClr val="C00000"/>
+                </a:solidFill>
+              </a:rPr>
+              <a:t>() – </a:t>
+            </a:r>
+            <a:r>
+              <a:rPr lang="ko-KR" altLang="en-US" sz="2200" b="1" dirty="0" smtClean="0">
+                <a:solidFill>
+                  <a:srgbClr val="C00000"/>
+                </a:solidFill>
+              </a:rPr>
+              <a:t>현재시간 읽기</a:t>
+            </a:r>
+            <a:endParaRPr lang="en-US" altLang="ko-KR" sz="2200" b="1" dirty="0" smtClean="0">
+              <a:solidFill>
+                <a:srgbClr val="C00000"/>
+              </a:solidFill>
+            </a:endParaRPr>
+          </a:p>
+        </p:txBody>
+      </p:sp>
+      <p:pic>
+        <p:nvPicPr>
+          <p:cNvPr id="3" name="그림 2"/>
+          <p:cNvPicPr>
+            <a:picLocks noChangeAspect="1"/>
+          </p:cNvPicPr>
+          <p:nvPr/>
+        </p:nvPicPr>
+        <p:blipFill>
+          <a:blip r:embed="rId2">
+            <a:extLst>
+              <a:ext uri="{28A0092B-C50C-407E-A947-70E740481C1C}">
+                <a14:useLocalDpi xmlns:a14="http://schemas.microsoft.com/office/drawing/2010/main" val="0"/>
+              </a:ext>
+            </a:extLst>
+          </a:blip>
+          <a:stretch>
+            <a:fillRect/>
+          </a:stretch>
+        </p:blipFill>
+        <p:spPr>
+          <a:xfrm>
+            <a:off x="633474" y="1700808"/>
+            <a:ext cx="8777226" cy="4248472"/>
+          </a:xfrm>
+          <a:prstGeom prst="rect">
+            <a:avLst/>
+          </a:prstGeom>
+          <a:ln>
+            <a:solidFill>
+              <a:schemeClr val="bg1">
+                <a:lumMod val="85000"/>
+              </a:schemeClr>
+            </a:solidFill>
+          </a:ln>
+        </p:spPr>
+      </p:pic>
+      <p:pic>
+        <p:nvPicPr>
+          <p:cNvPr id="4" name="그림 3"/>
+          <p:cNvPicPr>
+            <a:picLocks noChangeAspect="1"/>
+          </p:cNvPicPr>
+          <p:nvPr/>
+        </p:nvPicPr>
+        <p:blipFill>
+          <a:blip r:embed="rId3">
+            <a:extLst>
+              <a:ext uri="{28A0092B-C50C-407E-A947-70E740481C1C}">
+                <a14:useLocalDpi xmlns:a14="http://schemas.microsoft.com/office/drawing/2010/main" val="0"/>
+              </a:ext>
+            </a:extLst>
+          </a:blip>
+          <a:stretch>
+            <a:fillRect/>
+          </a:stretch>
+        </p:blipFill>
+        <p:spPr>
+          <a:xfrm>
+            <a:off x="5673080" y="3402097"/>
+            <a:ext cx="3894157" cy="845893"/>
+          </a:xfrm>
+          <a:prstGeom prst="rect">
+            <a:avLst/>
+          </a:prstGeom>
+          <a:ln>
+            <a:solidFill>
+              <a:schemeClr val="bg1">
+                <a:lumMod val="85000"/>
+              </a:schemeClr>
+            </a:solidFill>
+          </a:ln>
+        </p:spPr>
+      </p:pic>
+    </p:spTree>
+    <p:extLst>
+      <p:ext uri="{BB962C8B-B14F-4D97-AF65-F5344CB8AC3E}">
+        <p14:creationId xmlns:p14="http://schemas.microsoft.com/office/powerpoint/2010/main" val="2820764652"/>
+      </p:ext>
+    </p:extLst>
+  </p:cSld>
+  <p:clrMapOvr>
+    <a:masterClrMapping/>
+  </p:clrMapOvr>
+  <p:timing>
+    <p:tnLst>
+      <p:par>
+        <p:cTn id="1" dur="indefinite" restart="never" nodeType="tmRoot">
+          <p:childTnLst>
+            <p:seq concurrent="1" nextAc="seek">
+              <p:cTn id="2" dur="indefinite" nodeType="mainSeq">
+                <p:childTnLst>
+                  <p:par>
+                    <p:cTn id="3" fill="hold">
+                      <p:stCondLst>
+                        <p:cond delay="indefinite"/>
+                      </p:stCondLst>
+                      <p:childTnLst>
+                        <p:par>
+                          <p:cTn id="4" fill="hold">
+                            <p:stCondLst>
+                              <p:cond delay="0"/>
+                            </p:stCondLst>
+                            <p:childTnLst>
+                              <p:par>
+                                <p:cTn id="5" presetID="32" presetClass="emph" presetSubtype="0" fill="hold" nodeType="clickEffect">
+                                  <p:stCondLst>
+                                    <p:cond delay="0"/>
+                                  </p:stCondLst>
+                                  <p:childTnLst>
+                                    <p:animRot by="120000">
+                                      <p:cBhvr>
+                                        <p:cTn id="6" dur="100" fill="hold">
+                                          <p:stCondLst>
+                                            <p:cond delay="0"/>
+                                          </p:stCondLst>
+                                        </p:cTn>
+                                        <p:tgtEl>
+                                          <p:spTgt spid="4"/>
+                                        </p:tgtEl>
+                                        <p:attrNameLst>
+                                          <p:attrName>r</p:attrName>
+                                        </p:attrNameLst>
+                                      </p:cBhvr>
+                                    </p:animRot>
+                                    <p:animRot by="-240000">
+                                      <p:cBhvr>
+                                        <p:cTn id="7" dur="200" fill="hold">
+                                          <p:stCondLst>
+                                            <p:cond delay="200"/>
+                                          </p:stCondLst>
+                                        </p:cTn>
+                                        <p:tgtEl>
+                                          <p:spTgt spid="4"/>
+                                        </p:tgtEl>
+                                        <p:attrNameLst>
+                                          <p:attrName>r</p:attrName>
+                                        </p:attrNameLst>
+                                      </p:cBhvr>
+                                    </p:animRot>
+                                    <p:animRot by="240000">
+                                      <p:cBhvr>
+                                        <p:cTn id="8" dur="200" fill="hold">
+                                          <p:stCondLst>
+                                            <p:cond delay="400"/>
+                                          </p:stCondLst>
+                                        </p:cTn>
+                                        <p:tgtEl>
+                                          <p:spTgt spid="4"/>
+                                        </p:tgtEl>
+                                        <p:attrNameLst>
+                                          <p:attrName>r</p:attrName>
+                                        </p:attrNameLst>
+                                      </p:cBhvr>
+                                    </p:animRot>
+                                    <p:animRot by="-240000">
+                                      <p:cBhvr>
+                                        <p:cTn id="9" dur="200" fill="hold">
+                                          <p:stCondLst>
+                                            <p:cond delay="600"/>
+                                          </p:stCondLst>
+                                        </p:cTn>
+                                        <p:tgtEl>
+                                          <p:spTgt spid="4"/>
+                                        </p:tgtEl>
+                                        <p:attrNameLst>
+                                          <p:attrName>r</p:attrName>
+                                        </p:attrNameLst>
+                                      </p:cBhvr>
+                                    </p:animRot>
+                                    <p:animRot by="120000">
+                                      <p:cBhvr>
+                                        <p:cTn id="10" dur="200" fill="hold">
+                                          <p:stCondLst>
+                                            <p:cond delay="800"/>
+                                          </p:stCondLst>
+                                        </p:cTn>
+                                        <p:tgtEl>
+                                          <p:spTgt spid="4"/>
+                                        </p:tgtEl>
+                                        <p:attrNameLst>
+                                          <p:attrName>r</p:attrName>
+                                        </p:attrNameLst>
+                                      </p:cBhvr>
+                                    </p:animRot>
+                                  </p:childTnLst>
+                                </p:cTn>
+                              </p:par>
+                            </p:childTnLst>
+                          </p:cTn>
+                        </p:par>
+                      </p:childTnLst>
+                    </p:cTn>
+                  </p:par>
+                </p:childTnLst>
+              </p:cTn>
+              <p:prevCondLst>
+                <p:cond evt="onPrev" delay="0">
+                  <p:tgtEl>
+                    <p:sldTgt/>
+                  </p:tgtEl>
+                </p:cond>
+              </p:prevCondLst>
+              <p:nextCondLst>
+                <p:cond evt="onNext" delay="0">
+                  <p:tgtEl>
+                    <p:sldTgt/>
+                  </p:tgtEl>
+                </p:cond>
+              </p:nextCondLst>
+            </p:seq>
+          </p:childTnLst>
+        </p:cTn>
+      </p:par>
+    </p:tnLst>
+  </p:timing>
+</p:sld>
+</file>
+
+<file path=ppt/slides/slide27.xml><?xml version="1.0" encoding="utf-8"?>
+<p:sld xmlns:a="http://schemas.openxmlformats.org/drawingml/2006/main" xmlns:r="http://schemas.openxmlformats.org/officeDocument/2006/relationships" xmlns:p="http://schemas.openxmlformats.org/presentationml/2006/main">
+  <p:cSld>
+    <p:spTree>
+      <p:nvGrpSpPr>
+        <p:cNvPr id="1" name=""/>
+        <p:cNvGrpSpPr/>
+        <p:nvPr/>
+      </p:nvGrpSpPr>
+      <p:grpSpPr>
+        <a:xfrm>
+          <a:off x="0" y="0"/>
+          <a:ext cx="0" cy="0"/>
+          <a:chOff x="0" y="0"/>
+          <a:chExt cx="0" cy="0"/>
+        </a:xfrm>
+      </p:grpSpPr>
+      <p:sp>
+        <p:nvSpPr>
+          <p:cNvPr id="6" name="제목 5"/>
+          <p:cNvSpPr>
+            <a:spLocks noGrp="1"/>
+          </p:cNvSpPr>
+          <p:nvPr>
+            <p:ph type="title"/>
+          </p:nvPr>
+        </p:nvSpPr>
+        <p:spPr/>
+        <p:txBody>
+          <a:bodyPr/>
+          <a:lstStyle/>
+          <a:p>
+            <a:r>
+              <a:rPr lang="en-US" altLang="ko-KR" dirty="0" smtClean="0"/>
+              <a:t> String </a:t>
+            </a:r>
+            <a:r>
+              <a:rPr lang="ko-KR" altLang="en-US" dirty="0" smtClean="0"/>
+              <a:t>클래스</a:t>
+            </a:r>
+            <a:endParaRPr lang="ko-KR" altLang="en-US" dirty="0"/>
+          </a:p>
+        </p:txBody>
+      </p:sp>
+      <p:sp>
+        <p:nvSpPr>
+          <p:cNvPr id="5" name="슬라이드 번호 개체 틀 4"/>
+          <p:cNvSpPr>
+            <a:spLocks noGrp="1"/>
+          </p:cNvSpPr>
+          <p:nvPr>
+            <p:ph type="sldNum" sz="quarter" idx="12"/>
+          </p:nvPr>
+        </p:nvSpPr>
+        <p:spPr>
+          <a:xfrm>
+            <a:off x="8853433" y="7312347"/>
+            <a:ext cx="557267" cy="365125"/>
+          </a:xfrm>
+        </p:spPr>
+        <p:txBody>
+          <a:bodyPr/>
+          <a:lstStyle/>
+          <a:p>
+            <a:fld id="{1BDE3FE7-3AEA-4B05-AC5A-802D1816ACF0}" type="slidenum">
+              <a:rPr lang="ko-KR" altLang="en-US" smtClean="0"/>
+              <a:t>27</a:t>
             </a:fld>
             <a:endParaRPr lang="ko-KR" altLang="en-US"/>
           </a:p>
@@ -12896,7 +13603,7 @@
 </p:sld>
 </file>
 
-<file path=ppt/slides/slide27.xml><?xml version="1.0" encoding="utf-8"?>
+<file path=ppt/slides/slide28.xml><?xml version="1.0" encoding="utf-8"?>
 <p:sld xmlns:a="http://schemas.openxmlformats.org/drawingml/2006/main" xmlns:r="http://schemas.openxmlformats.org/officeDocument/2006/relationships" xmlns:p="http://schemas.openxmlformats.org/presentationml/2006/main">
   <p:cSld>
     <p:spTree>
@@ -12962,7 +13669,7 @@
           <a:p>
             <a:fld id="{1BDE3FE7-3AEA-4B05-AC5A-802D1816ACF0}" type="slidenum">
               <a:rPr lang="ko-KR" altLang="en-US" smtClean="0"/>
-              <a:t>27</a:t>
+              <a:t>28</a:t>
             </a:fld>
             <a:endParaRPr lang="ko-KR" altLang="en-US"/>
           </a:p>
@@ -13062,7 +13769,7 @@
 </p:sld>
 </file>
 
-<file path=ppt/slides/slide28.xml><?xml version="1.0" encoding="utf-8"?>
+<file path=ppt/slides/slide29.xml><?xml version="1.0" encoding="utf-8"?>
 <p:sld xmlns:a="http://schemas.openxmlformats.org/drawingml/2006/main" xmlns:r="http://schemas.openxmlformats.org/officeDocument/2006/relationships" xmlns:p="http://schemas.openxmlformats.org/presentationml/2006/main">
   <p:cSld>
     <p:spTree>
@@ -13128,7 +13835,7 @@
           <a:p>
             <a:fld id="{1BDE3FE7-3AEA-4B05-AC5A-802D1816ACF0}" type="slidenum">
               <a:rPr lang="ko-KR" altLang="en-US" smtClean="0"/>
-              <a:t>28</a:t>
+              <a:t>29</a:t>
             </a:fld>
             <a:endParaRPr lang="ko-KR" altLang="en-US"/>
           </a:p>
@@ -13432,7 +14139,7 @@
         </p:nvSpPr>
         <p:spPr>
           <a:xfrm>
-            <a:off x="1038846" y="1772816"/>
+            <a:off x="1136576" y="1700808"/>
             <a:ext cx="2863284" cy="830997"/>
           </a:xfrm>
           <a:prstGeom prst="rect">
@@ -13483,434 +14190,6 @@
     <p:extLst>
       <p:ext uri="{BB962C8B-B14F-4D97-AF65-F5344CB8AC3E}">
         <p14:creationId xmlns:p14="http://schemas.microsoft.com/office/powerpoint/2010/main" val="2899962969"/>
-      </p:ext>
-    </p:extLst>
-  </p:cSld>
-  <p:clrMapOvr>
-    <a:masterClrMapping/>
-  </p:clrMapOvr>
-  <p:timing>
-    <p:tnLst>
-      <p:par>
-        <p:cTn id="1" dur="indefinite" restart="never" nodeType="tmRoot"/>
-      </p:par>
-    </p:tnLst>
-  </p:timing>
-</p:sld>
-</file>
-
-<file path=ppt/slides/slide29.xml><?xml version="1.0" encoding="utf-8"?>
-<p:sld xmlns:a="http://schemas.openxmlformats.org/drawingml/2006/main" xmlns:r="http://schemas.openxmlformats.org/officeDocument/2006/relationships" xmlns:p="http://schemas.openxmlformats.org/presentationml/2006/main">
-  <p:cSld>
-    <p:spTree>
-      <p:nvGrpSpPr>
-        <p:cNvPr id="1" name=""/>
-        <p:cNvGrpSpPr/>
-        <p:nvPr/>
-      </p:nvGrpSpPr>
-      <p:grpSpPr>
-        <a:xfrm>
-          <a:off x="0" y="0"/>
-          <a:ext cx="0" cy="0"/>
-          <a:chOff x="0" y="0"/>
-          <a:chExt cx="0" cy="0"/>
-        </a:xfrm>
-      </p:grpSpPr>
-      <p:sp>
-        <p:nvSpPr>
-          <p:cNvPr id="6" name="제목 5"/>
-          <p:cNvSpPr>
-            <a:spLocks noGrp="1"/>
-          </p:cNvSpPr>
-          <p:nvPr>
-            <p:ph type="title"/>
-          </p:nvPr>
-        </p:nvSpPr>
-        <p:spPr/>
-        <p:txBody>
-          <a:bodyPr/>
-          <a:lstStyle/>
-          <a:p>
-            <a:r>
-              <a:rPr lang="en-US" altLang="ko-KR" dirty="0" smtClean="0"/>
-              <a:t> String </a:t>
-            </a:r>
-            <a:r>
-              <a:rPr lang="ko-KR" altLang="en-US" dirty="0" smtClean="0"/>
-              <a:t>클래스</a:t>
-            </a:r>
-            <a:endParaRPr lang="ko-KR" altLang="en-US" dirty="0"/>
-          </a:p>
-        </p:txBody>
-      </p:sp>
-      <p:sp>
-        <p:nvSpPr>
-          <p:cNvPr id="5" name="슬라이드 번호 개체 틀 4"/>
-          <p:cNvSpPr>
-            <a:spLocks noGrp="1"/>
-          </p:cNvSpPr>
-          <p:nvPr>
-            <p:ph type="sldNum" sz="quarter" idx="12"/>
-          </p:nvPr>
-        </p:nvSpPr>
-        <p:spPr>
-          <a:xfrm>
-            <a:off x="8853433" y="7312347"/>
-            <a:ext cx="557267" cy="365125"/>
-          </a:xfrm>
-        </p:spPr>
-        <p:txBody>
-          <a:bodyPr/>
-          <a:lstStyle/>
-          <a:p>
-            <a:fld id="{1BDE3FE7-3AEA-4B05-AC5A-802D1816ACF0}" type="slidenum">
-              <a:rPr lang="ko-KR" altLang="en-US" smtClean="0"/>
-              <a:t>29</a:t>
-            </a:fld>
-            <a:endParaRPr lang="ko-KR" altLang="en-US"/>
-          </a:p>
-        </p:txBody>
-      </p:sp>
-      <p:sp>
-        <p:nvSpPr>
-          <p:cNvPr id="10" name="내용 개체 틀 2">
-            <a:extLst>
-              <a:ext uri="{FF2B5EF4-FFF2-40B4-BE49-F238E27FC236}">
-                <a16:creationId xmlns:a16="http://schemas.microsoft.com/office/drawing/2014/main" id="{98AF3A4E-7D90-4241-89FE-799D6F9D5A94}"/>
-              </a:ext>
-            </a:extLst>
-          </p:cNvPr>
-          <p:cNvSpPr txBox="1">
-            <a:spLocks/>
-          </p:cNvSpPr>
-          <p:nvPr/>
-        </p:nvSpPr>
-        <p:spPr>
-          <a:xfrm>
-            <a:off x="833315" y="1052736"/>
-            <a:ext cx="3543621" cy="576064"/>
-          </a:xfrm>
-          <a:prstGeom prst="rect">
-            <a:avLst/>
-          </a:prstGeom>
-        </p:spPr>
-        <p:txBody>
-          <a:bodyPr/>
-          <a:lstStyle>
-            <a:lvl1pPr marL="228600" indent="-228600" algn="l" defTabSz="914400" rtl="0" eaLnBrk="1" latinLnBrk="1" hangingPunct="1">
-              <a:lnSpc>
-                <a:spcPct val="90000"/>
-              </a:lnSpc>
-              <a:spcBef>
-                <a:spcPts val="1000"/>
-              </a:spcBef>
-              <a:buFont typeface="Arial" panose="020B0604020202020204" pitchFamily="34" charset="0"/>
-              <a:buChar char="•"/>
-              <a:defRPr sz="2800" kern="1200">
-                <a:solidFill>
-                  <a:schemeClr val="tx1"/>
-                </a:solidFill>
-                <a:latin typeface="+mn-lt"/>
-                <a:ea typeface="+mn-ea"/>
-                <a:cs typeface="+mn-cs"/>
-              </a:defRPr>
-            </a:lvl1pPr>
-            <a:lvl2pPr marL="685800" indent="-228600" algn="l" defTabSz="914400" rtl="0" eaLnBrk="1" latinLnBrk="1" hangingPunct="1">
-              <a:lnSpc>
-                <a:spcPct val="90000"/>
-              </a:lnSpc>
-              <a:spcBef>
-                <a:spcPts val="500"/>
-              </a:spcBef>
-              <a:buFont typeface="Arial" panose="020B0604020202020204" pitchFamily="34" charset="0"/>
-              <a:buChar char="•"/>
-              <a:defRPr sz="2400" kern="1200">
-                <a:solidFill>
-                  <a:schemeClr val="tx1"/>
-                </a:solidFill>
-                <a:latin typeface="+mn-lt"/>
-                <a:ea typeface="+mn-ea"/>
-                <a:cs typeface="+mn-cs"/>
-              </a:defRPr>
-            </a:lvl2pPr>
-            <a:lvl3pPr marL="1143000" indent="-228600" algn="l" defTabSz="914400" rtl="0" eaLnBrk="1" latinLnBrk="1" hangingPunct="1">
-              <a:lnSpc>
-                <a:spcPct val="90000"/>
-              </a:lnSpc>
-              <a:spcBef>
-                <a:spcPts val="500"/>
-              </a:spcBef>
-              <a:buFont typeface="Arial" panose="020B0604020202020204" pitchFamily="34" charset="0"/>
-              <a:buChar char="•"/>
-              <a:defRPr sz="2000" kern="1200">
-                <a:solidFill>
-                  <a:schemeClr val="tx1"/>
-                </a:solidFill>
-                <a:latin typeface="+mn-lt"/>
-                <a:ea typeface="+mn-ea"/>
-                <a:cs typeface="+mn-cs"/>
-              </a:defRPr>
-            </a:lvl3pPr>
-            <a:lvl4pPr marL="1600200" indent="-228600" algn="l" defTabSz="914400" rtl="0" eaLnBrk="1" latinLnBrk="1" hangingPunct="1">
-              <a:lnSpc>
-                <a:spcPct val="90000"/>
-              </a:lnSpc>
-              <a:spcBef>
-                <a:spcPts val="500"/>
-              </a:spcBef>
-              <a:buFont typeface="Arial" panose="020B0604020202020204" pitchFamily="34" charset="0"/>
-              <a:buChar char="•"/>
-              <a:defRPr sz="1800" kern="1200">
-                <a:solidFill>
-                  <a:schemeClr val="tx1"/>
-                </a:solidFill>
-                <a:latin typeface="+mn-lt"/>
-                <a:ea typeface="+mn-ea"/>
-                <a:cs typeface="+mn-cs"/>
-              </a:defRPr>
-            </a:lvl4pPr>
-            <a:lvl5pPr marL="2057400" indent="-228600" algn="l" defTabSz="914400" rtl="0" eaLnBrk="1" latinLnBrk="1" hangingPunct="1">
-              <a:lnSpc>
-                <a:spcPct val="90000"/>
-              </a:lnSpc>
-              <a:spcBef>
-                <a:spcPts val="500"/>
-              </a:spcBef>
-              <a:buFont typeface="Arial" panose="020B0604020202020204" pitchFamily="34" charset="0"/>
-              <a:buChar char="•"/>
-              <a:defRPr sz="1800" kern="1200">
-                <a:solidFill>
-                  <a:schemeClr val="tx1"/>
-                </a:solidFill>
-                <a:latin typeface="+mn-lt"/>
-                <a:ea typeface="+mn-ea"/>
-                <a:cs typeface="+mn-cs"/>
-              </a:defRPr>
-            </a:lvl5pPr>
-            <a:lvl6pPr marL="2514600" indent="-228600" algn="l" defTabSz="914400" rtl="0" eaLnBrk="1" latinLnBrk="1" hangingPunct="1">
-              <a:lnSpc>
-                <a:spcPct val="90000"/>
-              </a:lnSpc>
-              <a:spcBef>
-                <a:spcPts val="500"/>
-              </a:spcBef>
-              <a:buFont typeface="Arial" panose="020B0604020202020204" pitchFamily="34" charset="0"/>
-              <a:buChar char="•"/>
-              <a:defRPr sz="1800" kern="1200">
-                <a:solidFill>
-                  <a:schemeClr val="tx1"/>
-                </a:solidFill>
-                <a:latin typeface="+mn-lt"/>
-                <a:ea typeface="+mn-ea"/>
-                <a:cs typeface="+mn-cs"/>
-              </a:defRPr>
-            </a:lvl6pPr>
-            <a:lvl7pPr marL="2971800" indent="-228600" algn="l" defTabSz="914400" rtl="0" eaLnBrk="1" latinLnBrk="1" hangingPunct="1">
-              <a:lnSpc>
-                <a:spcPct val="90000"/>
-              </a:lnSpc>
-              <a:spcBef>
-                <a:spcPts val="500"/>
-              </a:spcBef>
-              <a:buFont typeface="Arial" panose="020B0604020202020204" pitchFamily="34" charset="0"/>
-              <a:buChar char="•"/>
-              <a:defRPr sz="1800" kern="1200">
-                <a:solidFill>
-                  <a:schemeClr val="tx1"/>
-                </a:solidFill>
-                <a:latin typeface="+mn-lt"/>
-                <a:ea typeface="+mn-ea"/>
-                <a:cs typeface="+mn-cs"/>
-              </a:defRPr>
-            </a:lvl7pPr>
-            <a:lvl8pPr marL="3429000" indent="-228600" algn="l" defTabSz="914400" rtl="0" eaLnBrk="1" latinLnBrk="1" hangingPunct="1">
-              <a:lnSpc>
-                <a:spcPct val="90000"/>
-              </a:lnSpc>
-              <a:spcBef>
-                <a:spcPts val="500"/>
-              </a:spcBef>
-              <a:buFont typeface="Arial" panose="020B0604020202020204" pitchFamily="34" charset="0"/>
-              <a:buChar char="•"/>
-              <a:defRPr sz="1800" kern="1200">
-                <a:solidFill>
-                  <a:schemeClr val="tx1"/>
-                </a:solidFill>
-                <a:latin typeface="+mn-lt"/>
-                <a:ea typeface="+mn-ea"/>
-                <a:cs typeface="+mn-cs"/>
-              </a:defRPr>
-            </a:lvl8pPr>
-            <a:lvl9pPr marL="3886200" indent="-228600" algn="l" defTabSz="914400" rtl="0" eaLnBrk="1" latinLnBrk="1" hangingPunct="1">
-              <a:lnSpc>
-                <a:spcPct val="90000"/>
-              </a:lnSpc>
-              <a:spcBef>
-                <a:spcPts val="500"/>
-              </a:spcBef>
-              <a:buFont typeface="Arial" panose="020B0604020202020204" pitchFamily="34" charset="0"/>
-              <a:buChar char="•"/>
-              <a:defRPr sz="1800" kern="1200">
-                <a:solidFill>
-                  <a:schemeClr val="tx1"/>
-                </a:solidFill>
-                <a:latin typeface="+mn-lt"/>
-                <a:ea typeface="+mn-ea"/>
-                <a:cs typeface="+mn-cs"/>
-              </a:defRPr>
-            </a:lvl9pPr>
-          </a:lstStyle>
-          <a:p>
-            <a:pPr>
-              <a:lnSpc>
-                <a:spcPct val="150000"/>
-              </a:lnSpc>
-              <a:buFont typeface="Wingdings" panose="05000000000000000000" pitchFamily="2" charset="2"/>
-              <a:buChar char="l"/>
-            </a:pPr>
-            <a:r>
-              <a:rPr lang="en-US" altLang="ko-KR" sz="2000" b="1" dirty="0" smtClean="0">
-                <a:solidFill>
-                  <a:srgbClr val="C00000"/>
-                </a:solidFill>
-              </a:rPr>
-              <a:t> </a:t>
-            </a:r>
-            <a:r>
-              <a:rPr lang="en-US" altLang="ko-KR" sz="2000" b="1" dirty="0" err="1" smtClean="0">
-                <a:solidFill>
-                  <a:srgbClr val="C00000"/>
-                </a:solidFill>
-              </a:rPr>
-              <a:t>indexOf</a:t>
-            </a:r>
-            <a:r>
-              <a:rPr lang="en-US" altLang="ko-KR" sz="2000" b="1" dirty="0" smtClean="0">
-                <a:solidFill>
-                  <a:srgbClr val="C00000"/>
-                </a:solidFill>
-              </a:rPr>
-              <a:t>() – </a:t>
-            </a:r>
-            <a:r>
-              <a:rPr lang="ko-KR" altLang="en-US" sz="2000" b="1" dirty="0" smtClean="0">
-                <a:solidFill>
-                  <a:srgbClr val="C00000"/>
-                </a:solidFill>
-              </a:rPr>
-              <a:t>문자열 찾기</a:t>
-            </a:r>
-            <a:endParaRPr lang="en-US" altLang="ko-KR" sz="1800" dirty="0" smtClean="0"/>
-          </a:p>
-          <a:p>
-            <a:pPr lvl="1">
-              <a:lnSpc>
-                <a:spcPct val="100000"/>
-              </a:lnSpc>
-              <a:buFont typeface="Wingdings" panose="05000000000000000000" pitchFamily="2" charset="2"/>
-              <a:buChar char="§"/>
-            </a:pPr>
-            <a:endParaRPr lang="en-US" altLang="ko-KR" sz="1800" dirty="0"/>
-          </a:p>
-          <a:p>
-            <a:pPr lvl="1">
-              <a:lnSpc>
-                <a:spcPct val="100000"/>
-              </a:lnSpc>
-              <a:buFont typeface="Wingdings" panose="05000000000000000000" pitchFamily="2" charset="2"/>
-              <a:buChar char="§"/>
-            </a:pPr>
-            <a:endParaRPr lang="en-US" altLang="ko-KR" sz="1800" dirty="0" smtClean="0"/>
-          </a:p>
-        </p:txBody>
-      </p:sp>
-      <p:sp>
-        <p:nvSpPr>
-          <p:cNvPr id="7" name="TextBox 6"/>
-          <p:cNvSpPr txBox="1"/>
-          <p:nvPr/>
-        </p:nvSpPr>
-        <p:spPr>
-          <a:xfrm>
-            <a:off x="920553" y="1772816"/>
-            <a:ext cx="3312368" cy="830997"/>
-          </a:xfrm>
-          <a:prstGeom prst="rect">
-            <a:avLst/>
-          </a:prstGeom>
-          <a:noFill/>
-        </p:spPr>
-        <p:txBody>
-          <a:bodyPr wrap="square" rtlCol="0">
-            <a:spAutoFit/>
-          </a:bodyPr>
-          <a:lstStyle/>
-          <a:p>
-            <a:pPr>
-              <a:lnSpc>
-                <a:spcPct val="150000"/>
-              </a:lnSpc>
-            </a:pPr>
-            <a:r>
-              <a:rPr lang="ko-KR" altLang="en-US" sz="1600" dirty="0" err="1" smtClean="0"/>
-              <a:t>매개값으로</a:t>
-            </a:r>
-            <a:r>
-              <a:rPr lang="ko-KR" altLang="en-US" sz="1600" dirty="0" smtClean="0"/>
-              <a:t> 주어진 문자열이 시작되는 인덱스를 </a:t>
-            </a:r>
-            <a:r>
-              <a:rPr lang="ko-KR" altLang="en-US" sz="1600" dirty="0" err="1" smtClean="0"/>
-              <a:t>리턴합니다</a:t>
-            </a:r>
-            <a:r>
-              <a:rPr lang="en-US" altLang="ko-KR" sz="1600" dirty="0" smtClean="0"/>
-              <a:t>.</a:t>
-            </a:r>
-          </a:p>
-        </p:txBody>
-      </p:sp>
-      <p:pic>
-        <p:nvPicPr>
-          <p:cNvPr id="3" name="그림 2"/>
-          <p:cNvPicPr>
-            <a:picLocks noChangeAspect="1"/>
-          </p:cNvPicPr>
-          <p:nvPr/>
-        </p:nvPicPr>
-        <p:blipFill>
-          <a:blip r:embed="rId2">
-            <a:extLst>
-              <a:ext uri="{28A0092B-C50C-407E-A947-70E740481C1C}">
-                <a14:useLocalDpi xmlns:a14="http://schemas.microsoft.com/office/drawing/2010/main" val="0"/>
-              </a:ext>
-            </a:extLst>
-          </a:blip>
-          <a:stretch>
-            <a:fillRect/>
-          </a:stretch>
-        </p:blipFill>
-        <p:spPr>
-          <a:xfrm>
-            <a:off x="3656856" y="2276872"/>
-            <a:ext cx="5687860" cy="3816424"/>
-          </a:xfrm>
-          <a:prstGeom prst="rect">
-            <a:avLst/>
-          </a:prstGeom>
-          <a:ln>
-            <a:solidFill>
-              <a:schemeClr val="bg1">
-                <a:lumMod val="85000"/>
-              </a:schemeClr>
-            </a:solidFill>
-          </a:ln>
-        </p:spPr>
-      </p:pic>
-    </p:spTree>
-    <p:extLst>
-      <p:ext uri="{BB962C8B-B14F-4D97-AF65-F5344CB8AC3E}">
-        <p14:creationId xmlns:p14="http://schemas.microsoft.com/office/powerpoint/2010/main" val="2731040767"/>
       </p:ext>
     </p:extLst>
   </p:cSld>
@@ -14881,7 +15160,7 @@
         <p:spPr>
           <a:xfrm>
             <a:off x="833315" y="1052736"/>
-            <a:ext cx="5667471" cy="576064"/>
+            <a:ext cx="3543621" cy="576064"/>
           </a:xfrm>
           <a:prstGeom prst="rect">
             <a:avLst/>
@@ -15070,20 +15349,12 @@
               <a:t> </a:t>
             </a:r>
             <a:r>
-              <a:rPr lang="en-US" altLang="ko-KR" sz="2000" b="1" dirty="0" err="1">
+              <a:rPr lang="en-US" altLang="ko-KR" sz="2000" b="1" dirty="0" err="1" smtClean="0">
                 <a:solidFill>
                   <a:srgbClr val="C00000"/>
                 </a:solidFill>
               </a:rPr>
-              <a:t>s</a:t>
-            </a:r>
-            <a:r>
-              <a:rPr lang="en-US" altLang="ko-KR" sz="2000" b="1" dirty="0" err="1" smtClean="0">
-                <a:solidFill>
-                  <a:srgbClr val="C00000"/>
-                </a:solidFill>
-              </a:rPr>
-              <a:t>ubString</a:t>
+              <a:t>indexOf</a:t>
             </a:r>
             <a:r>
               <a:rPr lang="en-US" altLang="ko-KR" sz="2000" b="1" dirty="0" smtClean="0">
@@ -15099,7 +15370,7 @@
                   <a:srgbClr val="C00000"/>
                 </a:solidFill>
               </a:rPr>
-              <a:t>문자열 잘라내기</a:t>
+              <a:t>문자열 찾기</a:t>
             </a:r>
             <a:endParaRPr lang="en-US" altLang="ko-KR" sz="1800" dirty="0" smtClean="0"/>
           </a:p>
@@ -15133,8 +15404,8 @@
         </p:nvSpPr>
         <p:spPr>
           <a:xfrm>
-            <a:off x="1064568" y="1772816"/>
-            <a:ext cx="3312368" cy="783356"/>
+            <a:off x="1136576" y="1628800"/>
+            <a:ext cx="7200799" cy="461665"/>
           </a:xfrm>
           <a:prstGeom prst="rect">
             <a:avLst/>
@@ -15153,23 +15424,48 @@
               </a:lnSpc>
             </a:pPr>
             <a:r>
-              <a:rPr lang="ko-KR" altLang="en-US" sz="1600" dirty="0"/>
-              <a:t> </a:t>
+              <a:rPr lang="ko-KR" altLang="en-US" sz="1600" dirty="0" err="1" smtClean="0"/>
+              <a:t>매개값으로</a:t>
             </a:r>
             <a:r>
               <a:rPr lang="ko-KR" altLang="en-US" sz="1600" dirty="0" smtClean="0"/>
-              <a:t>주어진 인덱스에서 문자열 추출합니다</a:t>
+              <a:t> 주어진 문자열이 시작되는 </a:t>
+            </a:r>
+            <a:r>
+              <a:rPr lang="ko-KR" altLang="en-US" sz="1600" dirty="0" smtClean="0"/>
+              <a:t>인덱스</a:t>
+            </a:r>
+            <a:r>
+              <a:rPr lang="en-US" altLang="ko-KR" sz="1600" dirty="0" smtClean="0"/>
+              <a:t>(</a:t>
+            </a:r>
+            <a:r>
+              <a:rPr lang="ko-KR" altLang="en-US" sz="1600" dirty="0" smtClean="0"/>
+              <a:t>위치</a:t>
+            </a:r>
+            <a:r>
+              <a:rPr lang="en-US" altLang="ko-KR" sz="1600" dirty="0" smtClean="0"/>
+              <a:t>)</a:t>
+            </a:r>
+            <a:r>
+              <a:rPr lang="ko-KR" altLang="en-US" sz="1600" dirty="0" smtClean="0"/>
+              <a:t>를 </a:t>
+            </a:r>
+            <a:r>
+              <a:rPr lang="ko-KR" altLang="en-US" sz="1600" dirty="0" err="1" smtClean="0"/>
+              <a:t>리턴함</a:t>
             </a:r>
             <a:r>
               <a:rPr lang="en-US" altLang="ko-KR" sz="1600" dirty="0" smtClean="0"/>
               <a:t>.</a:t>
             </a:r>
+            <a:endParaRPr lang="en-US" altLang="ko-KR" sz="1600" dirty="0" smtClean="0"/>
           </a:p>
         </p:txBody>
       </p:sp>
       <p:pic>
         <p:nvPicPr>
-          <p:cNvPr id="2" name="그림 1"/>
+          <p:cNvPr id="4" name="그림 3"/>
           <p:cNvPicPr>
             <a:picLocks noChangeAspect="1"/>
           </p:cNvPicPr>
@@ -15189,8 +15485,45 @@
         </p:blipFill>
         <p:spPr>
           <a:xfrm>
-            <a:off x="2751955" y="2428875"/>
-            <a:ext cx="5030507" cy="2909720"/>
+            <a:off x="1568624" y="2090465"/>
+            <a:ext cx="5883492" cy="4235326"/>
+          </a:xfrm>
+          <a:prstGeom prst="rect">
+            <a:avLst/>
+          </a:prstGeom>
+          <a:ln>
+            <a:solidFill>
+              <a:schemeClr val="bg1">
+                <a:lumMod val="85000"/>
+              </a:schemeClr>
+            </a:solidFill>
+          </a:ln>
+        </p:spPr>
+      </p:pic>
+      <p:pic>
+        <p:nvPicPr>
+          <p:cNvPr id="8" name="그림 7"/>
+          <p:cNvPicPr>
+            <a:picLocks noChangeAspect="1"/>
+          </p:cNvPicPr>
+          <p:nvPr/>
+        </p:nvPicPr>
+        <p:blipFill>
+          <a:blip r:embed="rId3">
+            <a:extLst>
+              <a:ext uri="{28A0092B-C50C-407E-A947-70E740481C1C}">
+                <a14:useLocalDpi xmlns:a14="http://schemas.microsoft.com/office/drawing/2010/main" val="0"/>
+              </a:ext>
+            </a:extLst>
+          </a:blip>
+          <a:stretch>
+            <a:fillRect/>
+          </a:stretch>
+        </p:blipFill>
+        <p:spPr>
+          <a:xfrm>
+            <a:off x="6749591" y="5085184"/>
+            <a:ext cx="2629128" cy="701101"/>
           </a:xfrm>
           <a:prstGeom prst="rect">
             <a:avLst/>
@@ -15207,7 +15540,7 @@
     </p:spTree>
     <p:extLst>
       <p:ext uri="{BB962C8B-B14F-4D97-AF65-F5344CB8AC3E}">
-        <p14:creationId xmlns:p14="http://schemas.microsoft.com/office/powerpoint/2010/main" val="266065475"/>
+        <p14:creationId xmlns:p14="http://schemas.microsoft.com/office/powerpoint/2010/main" val="2731040767"/>
       </p:ext>
     </p:extLst>
   </p:cSld>
@@ -15312,6 +15645,480 @@
         </p:nvSpPr>
         <p:spPr>
           <a:xfrm>
+            <a:off x="833315" y="1052736"/>
+            <a:ext cx="5667471" cy="576064"/>
+          </a:xfrm>
+          <a:prstGeom prst="rect">
+            <a:avLst/>
+          </a:prstGeom>
+        </p:spPr>
+        <p:txBody>
+          <a:bodyPr/>
+          <a:lstStyle>
+            <a:lvl1pPr marL="228600" indent="-228600" algn="l" defTabSz="914400" rtl="0" eaLnBrk="1" latinLnBrk="1" hangingPunct="1">
+              <a:lnSpc>
+                <a:spcPct val="90000"/>
+              </a:lnSpc>
+              <a:spcBef>
+                <a:spcPts val="1000"/>
+              </a:spcBef>
+              <a:buFont typeface="Arial" panose="020B0604020202020204" pitchFamily="34" charset="0"/>
+              <a:buChar char="•"/>
+              <a:defRPr sz="2800" kern="1200">
+                <a:solidFill>
+                  <a:schemeClr val="tx1"/>
+                </a:solidFill>
+                <a:latin typeface="+mn-lt"/>
+                <a:ea typeface="+mn-ea"/>
+                <a:cs typeface="+mn-cs"/>
+              </a:defRPr>
+            </a:lvl1pPr>
+            <a:lvl2pPr marL="685800" indent="-228600" algn="l" defTabSz="914400" rtl="0" eaLnBrk="1" latinLnBrk="1" hangingPunct="1">
+              <a:lnSpc>
+                <a:spcPct val="90000"/>
+              </a:lnSpc>
+              <a:spcBef>
+                <a:spcPts val="500"/>
+              </a:spcBef>
+              <a:buFont typeface="Arial" panose="020B0604020202020204" pitchFamily="34" charset="0"/>
+              <a:buChar char="•"/>
+              <a:defRPr sz="2400" kern="1200">
+                <a:solidFill>
+                  <a:schemeClr val="tx1"/>
+                </a:solidFill>
+                <a:latin typeface="+mn-lt"/>
+                <a:ea typeface="+mn-ea"/>
+                <a:cs typeface="+mn-cs"/>
+              </a:defRPr>
+            </a:lvl2pPr>
+            <a:lvl3pPr marL="1143000" indent="-228600" algn="l" defTabSz="914400" rtl="0" eaLnBrk="1" latinLnBrk="1" hangingPunct="1">
+              <a:lnSpc>
+                <a:spcPct val="90000"/>
+              </a:lnSpc>
+              <a:spcBef>
+                <a:spcPts val="500"/>
+              </a:spcBef>
+              <a:buFont typeface="Arial" panose="020B0604020202020204" pitchFamily="34" charset="0"/>
+              <a:buChar char="•"/>
+              <a:defRPr sz="2000" kern="1200">
+                <a:solidFill>
+                  <a:schemeClr val="tx1"/>
+                </a:solidFill>
+                <a:latin typeface="+mn-lt"/>
+                <a:ea typeface="+mn-ea"/>
+                <a:cs typeface="+mn-cs"/>
+              </a:defRPr>
+            </a:lvl3pPr>
+            <a:lvl4pPr marL="1600200" indent="-228600" algn="l" defTabSz="914400" rtl="0" eaLnBrk="1" latinLnBrk="1" hangingPunct="1">
+              <a:lnSpc>
+                <a:spcPct val="90000"/>
+              </a:lnSpc>
+              <a:spcBef>
+                <a:spcPts val="500"/>
+              </a:spcBef>
+              <a:buFont typeface="Arial" panose="020B0604020202020204" pitchFamily="34" charset="0"/>
+              <a:buChar char="•"/>
+              <a:defRPr sz="1800" kern="1200">
+                <a:solidFill>
+                  <a:schemeClr val="tx1"/>
+                </a:solidFill>
+                <a:latin typeface="+mn-lt"/>
+                <a:ea typeface="+mn-ea"/>
+                <a:cs typeface="+mn-cs"/>
+              </a:defRPr>
+            </a:lvl4pPr>
+            <a:lvl5pPr marL="2057400" indent="-228600" algn="l" defTabSz="914400" rtl="0" eaLnBrk="1" latinLnBrk="1" hangingPunct="1">
+              <a:lnSpc>
+                <a:spcPct val="90000"/>
+              </a:lnSpc>
+              <a:spcBef>
+                <a:spcPts val="500"/>
+              </a:spcBef>
+              <a:buFont typeface="Arial" panose="020B0604020202020204" pitchFamily="34" charset="0"/>
+              <a:buChar char="•"/>
+              <a:defRPr sz="1800" kern="1200">
+                <a:solidFill>
+                  <a:schemeClr val="tx1"/>
+                </a:solidFill>
+                <a:latin typeface="+mn-lt"/>
+                <a:ea typeface="+mn-ea"/>
+                <a:cs typeface="+mn-cs"/>
+              </a:defRPr>
+            </a:lvl5pPr>
+            <a:lvl6pPr marL="2514600" indent="-228600" algn="l" defTabSz="914400" rtl="0" eaLnBrk="1" latinLnBrk="1" hangingPunct="1">
+              <a:lnSpc>
+                <a:spcPct val="90000"/>
+              </a:lnSpc>
+              <a:spcBef>
+                <a:spcPts val="500"/>
+              </a:spcBef>
+              <a:buFont typeface="Arial" panose="020B0604020202020204" pitchFamily="34" charset="0"/>
+              <a:buChar char="•"/>
+              <a:defRPr sz="1800" kern="1200">
+                <a:solidFill>
+                  <a:schemeClr val="tx1"/>
+                </a:solidFill>
+                <a:latin typeface="+mn-lt"/>
+                <a:ea typeface="+mn-ea"/>
+                <a:cs typeface="+mn-cs"/>
+              </a:defRPr>
+            </a:lvl6pPr>
+            <a:lvl7pPr marL="2971800" indent="-228600" algn="l" defTabSz="914400" rtl="0" eaLnBrk="1" latinLnBrk="1" hangingPunct="1">
+              <a:lnSpc>
+                <a:spcPct val="90000"/>
+              </a:lnSpc>
+              <a:spcBef>
+                <a:spcPts val="500"/>
+              </a:spcBef>
+              <a:buFont typeface="Arial" panose="020B0604020202020204" pitchFamily="34" charset="0"/>
+              <a:buChar char="•"/>
+              <a:defRPr sz="1800" kern="1200">
+                <a:solidFill>
+                  <a:schemeClr val="tx1"/>
+                </a:solidFill>
+                <a:latin typeface="+mn-lt"/>
+                <a:ea typeface="+mn-ea"/>
+                <a:cs typeface="+mn-cs"/>
+              </a:defRPr>
+            </a:lvl7pPr>
+            <a:lvl8pPr marL="3429000" indent="-228600" algn="l" defTabSz="914400" rtl="0" eaLnBrk="1" latinLnBrk="1" hangingPunct="1">
+              <a:lnSpc>
+                <a:spcPct val="90000"/>
+              </a:lnSpc>
+              <a:spcBef>
+                <a:spcPts val="500"/>
+              </a:spcBef>
+              <a:buFont typeface="Arial" panose="020B0604020202020204" pitchFamily="34" charset="0"/>
+              <a:buChar char="•"/>
+              <a:defRPr sz="1800" kern="1200">
+                <a:solidFill>
+                  <a:schemeClr val="tx1"/>
+                </a:solidFill>
+                <a:latin typeface="+mn-lt"/>
+                <a:ea typeface="+mn-ea"/>
+                <a:cs typeface="+mn-cs"/>
+              </a:defRPr>
+            </a:lvl8pPr>
+            <a:lvl9pPr marL="3886200" indent="-228600" algn="l" defTabSz="914400" rtl="0" eaLnBrk="1" latinLnBrk="1" hangingPunct="1">
+              <a:lnSpc>
+                <a:spcPct val="90000"/>
+              </a:lnSpc>
+              <a:spcBef>
+                <a:spcPts val="500"/>
+              </a:spcBef>
+              <a:buFont typeface="Arial" panose="020B0604020202020204" pitchFamily="34" charset="0"/>
+              <a:buChar char="•"/>
+              <a:defRPr sz="1800" kern="1200">
+                <a:solidFill>
+                  <a:schemeClr val="tx1"/>
+                </a:solidFill>
+                <a:latin typeface="+mn-lt"/>
+                <a:ea typeface="+mn-ea"/>
+                <a:cs typeface="+mn-cs"/>
+              </a:defRPr>
+            </a:lvl9pPr>
+          </a:lstStyle>
+          <a:p>
+            <a:pPr>
+              <a:lnSpc>
+                <a:spcPct val="150000"/>
+              </a:lnSpc>
+              <a:buFont typeface="Wingdings" panose="05000000000000000000" pitchFamily="2" charset="2"/>
+              <a:buChar char="l"/>
+            </a:pPr>
+            <a:r>
+              <a:rPr lang="en-US" altLang="ko-KR" sz="2000" b="1" dirty="0" smtClean="0">
+                <a:solidFill>
+                  <a:srgbClr val="C00000"/>
+                </a:solidFill>
+              </a:rPr>
+              <a:t> </a:t>
+            </a:r>
+            <a:r>
+              <a:rPr lang="en-US" altLang="ko-KR" sz="2000" b="1" dirty="0" err="1">
+                <a:solidFill>
+                  <a:srgbClr val="C00000"/>
+                </a:solidFill>
+              </a:rPr>
+              <a:t>s</a:t>
+            </a:r>
+            <a:r>
+              <a:rPr lang="en-US" altLang="ko-KR" sz="2000" b="1" dirty="0" err="1" smtClean="0">
+                <a:solidFill>
+                  <a:srgbClr val="C00000"/>
+                </a:solidFill>
+              </a:rPr>
+              <a:t>ubString</a:t>
+            </a:r>
+            <a:r>
+              <a:rPr lang="en-US" altLang="ko-KR" sz="2000" b="1" dirty="0" smtClean="0">
+                <a:solidFill>
+                  <a:srgbClr val="C00000"/>
+                </a:solidFill>
+              </a:rPr>
+              <a:t>() – </a:t>
+            </a:r>
+            <a:r>
+              <a:rPr lang="ko-KR" altLang="en-US" sz="2000" b="1" dirty="0" smtClean="0">
+                <a:solidFill>
+                  <a:srgbClr val="C00000"/>
+                </a:solidFill>
+              </a:rPr>
+              <a:t>문자열 잘라내기</a:t>
+            </a:r>
+            <a:endParaRPr lang="en-US" altLang="ko-KR" sz="1800" dirty="0" smtClean="0"/>
+          </a:p>
+          <a:p>
+            <a:pPr lvl="1">
+              <a:lnSpc>
+                <a:spcPct val="100000"/>
+              </a:lnSpc>
+              <a:buFont typeface="Wingdings" panose="05000000000000000000" pitchFamily="2" charset="2"/>
+              <a:buChar char="§"/>
+            </a:pPr>
+            <a:endParaRPr lang="en-US" altLang="ko-KR" sz="1800" dirty="0"/>
+          </a:p>
+          <a:p>
+            <a:pPr lvl="1">
+              <a:lnSpc>
+                <a:spcPct val="100000"/>
+              </a:lnSpc>
+              <a:buFont typeface="Wingdings" panose="05000000000000000000" pitchFamily="2" charset="2"/>
+              <a:buChar char="§"/>
+            </a:pPr>
+            <a:endParaRPr lang="en-US" altLang="ko-KR" sz="1800" dirty="0" smtClean="0"/>
+          </a:p>
+        </p:txBody>
+      </p:sp>
+      <p:sp>
+        <p:nvSpPr>
+          <p:cNvPr id="7" name="TextBox 6"/>
+          <p:cNvSpPr txBox="1"/>
+          <p:nvPr/>
+        </p:nvSpPr>
+        <p:spPr>
+          <a:xfrm>
+            <a:off x="1136576" y="1628800"/>
+            <a:ext cx="3888432" cy="461665"/>
+          </a:xfrm>
+          <a:prstGeom prst="rect">
+            <a:avLst/>
+          </a:prstGeom>
+          <a:noFill/>
+        </p:spPr>
+        <p:txBody>
+          <a:bodyPr wrap="square" rtlCol="0">
+            <a:spAutoFit/>
+          </a:bodyPr>
+          <a:lstStyle/>
+          <a:p>
+            <a:pPr>
+              <a:lnSpc>
+                <a:spcPct val="150000"/>
+              </a:lnSpc>
+            </a:pPr>
+            <a:r>
+              <a:rPr lang="ko-KR" altLang="en-US" sz="1600" dirty="0"/>
+              <a:t> </a:t>
+            </a:r>
+            <a:r>
+              <a:rPr lang="ko-KR" altLang="en-US" sz="1600" dirty="0" smtClean="0"/>
+              <a:t>주어진 </a:t>
+            </a:r>
+            <a:r>
+              <a:rPr lang="ko-KR" altLang="en-US" sz="1600" smtClean="0"/>
+              <a:t>인덱스에서 </a:t>
+            </a:r>
+            <a:r>
+              <a:rPr lang="ko-KR" altLang="en-US" sz="1600" smtClean="0"/>
+              <a:t>문자열을 추출함</a:t>
+            </a:r>
+            <a:endParaRPr lang="en-US" altLang="ko-KR" sz="1600" dirty="0" smtClean="0"/>
+          </a:p>
+        </p:txBody>
+      </p:sp>
+      <p:pic>
+        <p:nvPicPr>
+          <p:cNvPr id="3" name="그림 2"/>
+          <p:cNvPicPr>
+            <a:picLocks noChangeAspect="1"/>
+          </p:cNvPicPr>
+          <p:nvPr/>
+        </p:nvPicPr>
+        <p:blipFill>
+          <a:blip r:embed="rId2">
+            <a:extLst>
+              <a:ext uri="{28A0092B-C50C-407E-A947-70E740481C1C}">
+                <a14:useLocalDpi xmlns:a14="http://schemas.microsoft.com/office/drawing/2010/main" val="0"/>
+              </a:ext>
+            </a:extLst>
+          </a:blip>
+          <a:stretch>
+            <a:fillRect/>
+          </a:stretch>
+        </p:blipFill>
+        <p:spPr>
+          <a:xfrm>
+            <a:off x="1352600" y="2123528"/>
+            <a:ext cx="7139064" cy="3825752"/>
+          </a:xfrm>
+          <a:prstGeom prst="rect">
+            <a:avLst/>
+          </a:prstGeom>
+          <a:ln>
+            <a:solidFill>
+              <a:schemeClr val="bg1">
+                <a:lumMod val="85000"/>
+              </a:schemeClr>
+            </a:solidFill>
+          </a:ln>
+        </p:spPr>
+      </p:pic>
+      <p:pic>
+        <p:nvPicPr>
+          <p:cNvPr id="4" name="그림 3"/>
+          <p:cNvPicPr>
+            <a:picLocks noChangeAspect="1"/>
+          </p:cNvPicPr>
+          <p:nvPr/>
+        </p:nvPicPr>
+        <p:blipFill>
+          <a:blip r:embed="rId3">
+            <a:extLst>
+              <a:ext uri="{28A0092B-C50C-407E-A947-70E740481C1C}">
+                <a14:useLocalDpi xmlns:a14="http://schemas.microsoft.com/office/drawing/2010/main" val="0"/>
+              </a:ext>
+            </a:extLst>
+          </a:blip>
+          <a:stretch>
+            <a:fillRect/>
+          </a:stretch>
+        </p:blipFill>
+        <p:spPr>
+          <a:xfrm>
+            <a:off x="7473280" y="2348880"/>
+            <a:ext cx="1806097" cy="739204"/>
+          </a:xfrm>
+          <a:prstGeom prst="rect">
+            <a:avLst/>
+          </a:prstGeom>
+          <a:ln>
+            <a:solidFill>
+              <a:schemeClr val="bg1">
+                <a:lumMod val="85000"/>
+              </a:schemeClr>
+            </a:solidFill>
+          </a:ln>
+        </p:spPr>
+      </p:pic>
+    </p:spTree>
+    <p:extLst>
+      <p:ext uri="{BB962C8B-B14F-4D97-AF65-F5344CB8AC3E}">
+        <p14:creationId xmlns:p14="http://schemas.microsoft.com/office/powerpoint/2010/main" val="266065475"/>
+      </p:ext>
+    </p:extLst>
+  </p:cSld>
+  <p:clrMapOvr>
+    <a:masterClrMapping/>
+  </p:clrMapOvr>
+  <p:timing>
+    <p:tnLst>
+      <p:par>
+        <p:cTn id="1" dur="indefinite" restart="never" nodeType="tmRoot"/>
+      </p:par>
+    </p:tnLst>
+  </p:timing>
+</p:sld>
+</file>
+
+<file path=ppt/slides/slide32.xml><?xml version="1.0" encoding="utf-8"?>
+<p:sld xmlns:a="http://schemas.openxmlformats.org/drawingml/2006/main" xmlns:r="http://schemas.openxmlformats.org/officeDocument/2006/relationships" xmlns:p="http://schemas.openxmlformats.org/presentationml/2006/main">
+  <p:cSld>
+    <p:spTree>
+      <p:nvGrpSpPr>
+        <p:cNvPr id="1" name=""/>
+        <p:cNvGrpSpPr/>
+        <p:nvPr/>
+      </p:nvGrpSpPr>
+      <p:grpSpPr>
+        <a:xfrm>
+          <a:off x="0" y="0"/>
+          <a:ext cx="0" cy="0"/>
+          <a:chOff x="0" y="0"/>
+          <a:chExt cx="0" cy="0"/>
+        </a:xfrm>
+      </p:grpSpPr>
+      <p:sp>
+        <p:nvSpPr>
+          <p:cNvPr id="6" name="제목 5"/>
+          <p:cNvSpPr>
+            <a:spLocks noGrp="1"/>
+          </p:cNvSpPr>
+          <p:nvPr>
+            <p:ph type="title"/>
+          </p:nvPr>
+        </p:nvSpPr>
+        <p:spPr/>
+        <p:txBody>
+          <a:bodyPr/>
+          <a:lstStyle/>
+          <a:p>
+            <a:r>
+              <a:rPr lang="en-US" altLang="ko-KR" dirty="0" smtClean="0"/>
+              <a:t> String </a:t>
+            </a:r>
+            <a:r>
+              <a:rPr lang="ko-KR" altLang="en-US" dirty="0" smtClean="0"/>
+              <a:t>클래스</a:t>
+            </a:r>
+            <a:endParaRPr lang="ko-KR" altLang="en-US" dirty="0"/>
+          </a:p>
+        </p:txBody>
+      </p:sp>
+      <p:sp>
+        <p:nvSpPr>
+          <p:cNvPr id="5" name="슬라이드 번호 개체 틀 4"/>
+          <p:cNvSpPr>
+            <a:spLocks noGrp="1"/>
+          </p:cNvSpPr>
+          <p:nvPr>
+            <p:ph type="sldNum" sz="quarter" idx="12"/>
+          </p:nvPr>
+        </p:nvSpPr>
+        <p:spPr>
+          <a:xfrm>
+            <a:off x="8853433" y="7312347"/>
+            <a:ext cx="557267" cy="365125"/>
+          </a:xfrm>
+        </p:spPr>
+        <p:txBody>
+          <a:bodyPr/>
+          <a:lstStyle/>
+          <a:p>
+            <a:fld id="{1BDE3FE7-3AEA-4B05-AC5A-802D1816ACF0}" type="slidenum">
+              <a:rPr lang="ko-KR" altLang="en-US" smtClean="0"/>
+              <a:t>32</a:t>
+            </a:fld>
+            <a:endParaRPr lang="ko-KR" altLang="en-US"/>
+          </a:p>
+        </p:txBody>
+      </p:sp>
+      <p:sp>
+        <p:nvSpPr>
+          <p:cNvPr id="10" name="내용 개체 틀 2">
+            <a:extLst>
+              <a:ext uri="{FF2B5EF4-FFF2-40B4-BE49-F238E27FC236}">
+                <a16:creationId xmlns:a16="http://schemas.microsoft.com/office/drawing/2014/main" id="{98AF3A4E-7D90-4241-89FE-799D6F9D5A94}"/>
+              </a:ext>
+            </a:extLst>
+          </p:cNvPr>
+          <p:cNvSpPr txBox="1">
+            <a:spLocks/>
+          </p:cNvSpPr>
+          <p:nvPr/>
+        </p:nvSpPr>
+        <p:spPr>
+          <a:xfrm>
             <a:off x="848544" y="980728"/>
             <a:ext cx="8397407" cy="1872208"/>
           </a:xfrm>
@@ -15507,7 +16314,39 @@
                   <a:srgbClr val="C00000"/>
                 </a:solidFill>
               </a:rPr>
-              <a:t> 클래스</a:t>
+              <a:t> </a:t>
+            </a:r>
+            <a:r>
+              <a:rPr lang="ko-KR" altLang="en-US" sz="2200" b="1" dirty="0" smtClean="0">
+                <a:solidFill>
+                  <a:srgbClr val="C00000"/>
+                </a:solidFill>
+              </a:rPr>
+              <a:t>클래스 </a:t>
+            </a:r>
+            <a:r>
+              <a:rPr lang="en-US" altLang="ko-KR" sz="2200" b="1" dirty="0" smtClean="0">
+                <a:solidFill>
+                  <a:srgbClr val="C00000"/>
+                </a:solidFill>
+              </a:rPr>
+              <a:t>– </a:t>
+            </a:r>
+            <a:r>
+              <a:rPr lang="en-US" altLang="ko-KR" sz="2200" b="1" dirty="0" err="1" smtClean="0">
+                <a:solidFill>
+                  <a:srgbClr val="C00000"/>
+                </a:solidFill>
+              </a:rPr>
+              <a:t>concat</a:t>
+            </a:r>
+            <a:r>
+              <a:rPr lang="en-US" altLang="ko-KR" sz="2200" b="1" dirty="0" smtClean="0">
+                <a:solidFill>
+                  <a:srgbClr val="C00000"/>
+                </a:solidFill>
+              </a:rPr>
+              <a:t>()</a:t>
             </a:r>
             <a:endParaRPr lang="en-US" altLang="ko-KR" sz="2200" b="1" dirty="0" smtClean="0">
               <a:solidFill>
@@ -16224,7 +17063,7 @@
 </p:sld>
 </file>
 
-<file path=ppt/slides/slide32.xml><?xml version="1.0" encoding="utf-8"?>
+<file path=ppt/slides/slide33.xml><?xml version="1.0" encoding="utf-8"?>
 <p:sld xmlns:a="http://schemas.openxmlformats.org/drawingml/2006/main" xmlns:r="http://schemas.openxmlformats.org/officeDocument/2006/relationships" xmlns:p="http://schemas.openxmlformats.org/presentationml/2006/main">
   <p:cSld>
     <p:spTree>
@@ -16290,7 +17129,7 @@
           <a:p>
             <a:fld id="{1BDE3FE7-3AEA-4B05-AC5A-802D1816ACF0}" type="slidenum">
               <a:rPr lang="ko-KR" altLang="en-US" smtClean="0"/>
-              <a:t>32</a:t>
+              <a:t>33</a:t>
             </a:fld>
             <a:endParaRPr lang="ko-KR" altLang="en-US"/>
           </a:p>
@@ -16390,7 +17229,7 @@
 </p:sld>
 </file>
 
-<file path=ppt/slides/slide33.xml><?xml version="1.0" encoding="utf-8"?>
+<file path=ppt/slides/slide34.xml><?xml version="1.0" encoding="utf-8"?>
 <p:sld xmlns:a="http://schemas.openxmlformats.org/drawingml/2006/main" xmlns:r="http://schemas.openxmlformats.org/officeDocument/2006/relationships" xmlns:p="http://schemas.openxmlformats.org/presentationml/2006/main">
   <p:cSld>
     <p:spTree>
@@ -16463,7 +17302,7 @@
           <a:p>
             <a:fld id="{1BDE3FE7-3AEA-4B05-AC5A-802D1816ACF0}" type="slidenum">
               <a:rPr lang="ko-KR" altLang="en-US" smtClean="0"/>
-              <a:t>33</a:t>
+              <a:t>34</a:t>
             </a:fld>
             <a:endParaRPr lang="ko-KR" altLang="en-US"/>
           </a:p>
@@ -17432,7 +18271,7 @@
 </p:sld>
 </file>
 
-<file path=ppt/slides/slide34.xml><?xml version="1.0" encoding="utf-8"?>
+<file path=ppt/slides/slide35.xml><?xml version="1.0" encoding="utf-8"?>
 <p:sld xmlns:a="http://schemas.openxmlformats.org/drawingml/2006/main" xmlns:r="http://schemas.openxmlformats.org/officeDocument/2006/relationships" xmlns:p="http://schemas.openxmlformats.org/presentationml/2006/main">
   <p:cSld>
     <p:spTree>
@@ -17508,7 +18347,7 @@
           <a:p>
             <a:fld id="{1BDE3FE7-3AEA-4B05-AC5A-802D1816ACF0}" type="slidenum">
               <a:rPr lang="ko-KR" altLang="en-US" smtClean="0"/>
-              <a:t>34</a:t>
+              <a:t>35</a:t>
             </a:fld>
             <a:endParaRPr lang="ko-KR" altLang="en-US"/>
           </a:p>
@@ -18032,7 +18871,7 @@
 </p:sld>
 </file>
 
-<file path=ppt/slides/slide35.xml><?xml version="1.0" encoding="utf-8"?>
+<file path=ppt/slides/slide36.xml><?xml version="1.0" encoding="utf-8"?>
 <p:sld xmlns:a="http://schemas.openxmlformats.org/drawingml/2006/main" xmlns:r="http://schemas.openxmlformats.org/officeDocument/2006/relationships" xmlns:p="http://schemas.openxmlformats.org/presentationml/2006/main">
   <p:cSld>
     <p:spTree>
@@ -18098,7 +18937,7 @@
           <a:p>
             <a:fld id="{1BDE3FE7-3AEA-4B05-AC5A-802D1816ACF0}" type="slidenum">
               <a:rPr lang="ko-KR" altLang="en-US" smtClean="0"/>
-              <a:t>35</a:t>
+              <a:t>36</a:t>
             </a:fld>
             <a:endParaRPr lang="ko-KR" altLang="en-US"/>
           </a:p>
@@ -18991,7 +19830,7 @@
 </p:sld>
 </file>
 
-<file path=ppt/slides/slide36.xml><?xml version="1.0" encoding="utf-8"?>
+<file path=ppt/slides/slide37.xml><?xml version="1.0" encoding="utf-8"?>
 <p:sld xmlns:a="http://schemas.openxmlformats.org/drawingml/2006/main" xmlns:r="http://schemas.openxmlformats.org/officeDocument/2006/relationships" xmlns:p="http://schemas.openxmlformats.org/presentationml/2006/main">
   <p:cSld>
     <p:spTree>
@@ -19057,7 +19896,7 @@
           <a:p>
             <a:fld id="{1BDE3FE7-3AEA-4B05-AC5A-802D1816ACF0}" type="slidenum">
               <a:rPr lang="ko-KR" altLang="en-US" smtClean="0"/>
-              <a:t>36</a:t>
+              <a:t>37</a:t>
             </a:fld>
             <a:endParaRPr lang="ko-KR" altLang="en-US"/>
           </a:p>
@@ -19338,7 +20177,7 @@
 </p:sld>
 </file>
 
-<file path=ppt/slides/slide37.xml><?xml version="1.0" encoding="utf-8"?>
+<file path=ppt/slides/slide38.xml><?xml version="1.0" encoding="utf-8"?>
 <p:sld xmlns:a="http://schemas.openxmlformats.org/drawingml/2006/main" xmlns:r="http://schemas.openxmlformats.org/officeDocument/2006/relationships" xmlns:p="http://schemas.openxmlformats.org/presentationml/2006/main">
   <p:cSld>
     <p:spTree>
@@ -19404,7 +20243,7 @@
           <a:p>
             <a:fld id="{1BDE3FE7-3AEA-4B05-AC5A-802D1816ACF0}" type="slidenum">
               <a:rPr lang="ko-KR" altLang="en-US" smtClean="0"/>
-              <a:t>37</a:t>
+              <a:t>38</a:t>
             </a:fld>
             <a:endParaRPr lang="ko-KR" altLang="en-US"/>
           </a:p>
@@ -20130,380 +20969,6 @@
     <p:extLst>
       <p:ext uri="{BB962C8B-B14F-4D97-AF65-F5344CB8AC3E}">
         <p14:creationId xmlns:p14="http://schemas.microsoft.com/office/powerpoint/2010/main" val="3257816918"/>
-      </p:ext>
-    </p:extLst>
-  </p:cSld>
-  <p:clrMapOvr>
-    <a:masterClrMapping/>
-  </p:clrMapOvr>
-  <p:timing>
-    <p:tnLst>
-      <p:par>
-        <p:cTn id="1" dur="indefinite" restart="never" nodeType="tmRoot"/>
-      </p:par>
-    </p:tnLst>
-  </p:timing>
-</p:sld>
-</file>
-
-<file path=ppt/slides/slide38.xml><?xml version="1.0" encoding="utf-8"?>
-<p:sld xmlns:a="http://schemas.openxmlformats.org/drawingml/2006/main" xmlns:r="http://schemas.openxmlformats.org/officeDocument/2006/relationships" xmlns:p="http://schemas.openxmlformats.org/presentationml/2006/main">
-  <p:cSld>
-    <p:spTree>
-      <p:nvGrpSpPr>
-        <p:cNvPr id="1" name=""/>
-        <p:cNvGrpSpPr/>
-        <p:nvPr/>
-      </p:nvGrpSpPr>
-      <p:grpSpPr>
-        <a:xfrm>
-          <a:off x="0" y="0"/>
-          <a:ext cx="0" cy="0"/>
-          <a:chOff x="0" y="0"/>
-          <a:chExt cx="0" cy="0"/>
-        </a:xfrm>
-      </p:grpSpPr>
-      <p:sp>
-        <p:nvSpPr>
-          <p:cNvPr id="6" name="제목 5"/>
-          <p:cNvSpPr>
-            <a:spLocks noGrp="1"/>
-          </p:cNvSpPr>
-          <p:nvPr>
-            <p:ph type="title"/>
-          </p:nvPr>
-        </p:nvSpPr>
-        <p:spPr/>
-        <p:txBody>
-          <a:bodyPr/>
-          <a:lstStyle/>
-          <a:p>
-            <a:r>
-              <a:rPr lang="en-US" altLang="ko-KR" dirty="0" smtClean="0"/>
-              <a:t> Class </a:t>
-            </a:r>
-            <a:r>
-              <a:rPr lang="ko-KR" altLang="en-US" dirty="0" smtClean="0"/>
-              <a:t>클래스</a:t>
-            </a:r>
-            <a:endParaRPr lang="ko-KR" altLang="en-US" dirty="0"/>
-          </a:p>
-        </p:txBody>
-      </p:sp>
-      <p:sp>
-        <p:nvSpPr>
-          <p:cNvPr id="5" name="슬라이드 번호 개체 틀 4"/>
-          <p:cNvSpPr>
-            <a:spLocks noGrp="1"/>
-          </p:cNvSpPr>
-          <p:nvPr>
-            <p:ph type="sldNum" sz="quarter" idx="12"/>
-          </p:nvPr>
-        </p:nvSpPr>
-        <p:spPr>
-          <a:xfrm>
-            <a:off x="8853433" y="7312347"/>
-            <a:ext cx="557267" cy="365125"/>
-          </a:xfrm>
-        </p:spPr>
-        <p:txBody>
-          <a:bodyPr/>
-          <a:lstStyle/>
-          <a:p>
-            <a:fld id="{1BDE3FE7-3AEA-4B05-AC5A-802D1816ACF0}" type="slidenum">
-              <a:rPr lang="ko-KR" altLang="en-US" smtClean="0"/>
-              <a:t>38</a:t>
-            </a:fld>
-            <a:endParaRPr lang="ko-KR" altLang="en-US"/>
-          </a:p>
-        </p:txBody>
-      </p:sp>
-      <p:sp>
-        <p:nvSpPr>
-          <p:cNvPr id="10" name="내용 개체 틀 2">
-            <a:extLst>
-              <a:ext uri="{FF2B5EF4-FFF2-40B4-BE49-F238E27FC236}">
-                <a16:creationId xmlns:a16="http://schemas.microsoft.com/office/drawing/2014/main" id="{98AF3A4E-7D90-4241-89FE-799D6F9D5A94}"/>
-              </a:ext>
-            </a:extLst>
-          </p:cNvPr>
-          <p:cNvSpPr txBox="1">
-            <a:spLocks/>
-          </p:cNvSpPr>
-          <p:nvPr/>
-        </p:nvSpPr>
-        <p:spPr>
-          <a:xfrm>
-            <a:off x="488504" y="1412776"/>
-            <a:ext cx="2016224" cy="792088"/>
-          </a:xfrm>
-          <a:prstGeom prst="rect">
-            <a:avLst/>
-          </a:prstGeom>
-        </p:spPr>
-        <p:txBody>
-          <a:bodyPr/>
-          <a:lstStyle>
-            <a:lvl1pPr marL="228600" indent="-228600" algn="l" defTabSz="914400" rtl="0" eaLnBrk="1" latinLnBrk="1" hangingPunct="1">
-              <a:lnSpc>
-                <a:spcPct val="90000"/>
-              </a:lnSpc>
-              <a:spcBef>
-                <a:spcPts val="1000"/>
-              </a:spcBef>
-              <a:buFont typeface="Arial" panose="020B0604020202020204" pitchFamily="34" charset="0"/>
-              <a:buChar char="•"/>
-              <a:defRPr sz="2800" kern="1200">
-                <a:solidFill>
-                  <a:schemeClr val="tx1"/>
-                </a:solidFill>
-                <a:latin typeface="+mn-lt"/>
-                <a:ea typeface="+mn-ea"/>
-                <a:cs typeface="+mn-cs"/>
-              </a:defRPr>
-            </a:lvl1pPr>
-            <a:lvl2pPr marL="685800" indent="-228600" algn="l" defTabSz="914400" rtl="0" eaLnBrk="1" latinLnBrk="1" hangingPunct="1">
-              <a:lnSpc>
-                <a:spcPct val="90000"/>
-              </a:lnSpc>
-              <a:spcBef>
-                <a:spcPts val="500"/>
-              </a:spcBef>
-              <a:buFont typeface="Arial" panose="020B0604020202020204" pitchFamily="34" charset="0"/>
-              <a:buChar char="•"/>
-              <a:defRPr sz="2400" kern="1200">
-                <a:solidFill>
-                  <a:schemeClr val="tx1"/>
-                </a:solidFill>
-                <a:latin typeface="+mn-lt"/>
-                <a:ea typeface="+mn-ea"/>
-                <a:cs typeface="+mn-cs"/>
-              </a:defRPr>
-            </a:lvl2pPr>
-            <a:lvl3pPr marL="1143000" indent="-228600" algn="l" defTabSz="914400" rtl="0" eaLnBrk="1" latinLnBrk="1" hangingPunct="1">
-              <a:lnSpc>
-                <a:spcPct val="90000"/>
-              </a:lnSpc>
-              <a:spcBef>
-                <a:spcPts val="500"/>
-              </a:spcBef>
-              <a:buFont typeface="Arial" panose="020B0604020202020204" pitchFamily="34" charset="0"/>
-              <a:buChar char="•"/>
-              <a:defRPr sz="2000" kern="1200">
-                <a:solidFill>
-                  <a:schemeClr val="tx1"/>
-                </a:solidFill>
-                <a:latin typeface="+mn-lt"/>
-                <a:ea typeface="+mn-ea"/>
-                <a:cs typeface="+mn-cs"/>
-              </a:defRPr>
-            </a:lvl3pPr>
-            <a:lvl4pPr marL="1600200" indent="-228600" algn="l" defTabSz="914400" rtl="0" eaLnBrk="1" latinLnBrk="1" hangingPunct="1">
-              <a:lnSpc>
-                <a:spcPct val="90000"/>
-              </a:lnSpc>
-              <a:spcBef>
-                <a:spcPts val="500"/>
-              </a:spcBef>
-              <a:buFont typeface="Arial" panose="020B0604020202020204" pitchFamily="34" charset="0"/>
-              <a:buChar char="•"/>
-              <a:defRPr sz="1800" kern="1200">
-                <a:solidFill>
-                  <a:schemeClr val="tx1"/>
-                </a:solidFill>
-                <a:latin typeface="+mn-lt"/>
-                <a:ea typeface="+mn-ea"/>
-                <a:cs typeface="+mn-cs"/>
-              </a:defRPr>
-            </a:lvl4pPr>
-            <a:lvl5pPr marL="2057400" indent="-228600" algn="l" defTabSz="914400" rtl="0" eaLnBrk="1" latinLnBrk="1" hangingPunct="1">
-              <a:lnSpc>
-                <a:spcPct val="90000"/>
-              </a:lnSpc>
-              <a:spcBef>
-                <a:spcPts val="500"/>
-              </a:spcBef>
-              <a:buFont typeface="Arial" panose="020B0604020202020204" pitchFamily="34" charset="0"/>
-              <a:buChar char="•"/>
-              <a:defRPr sz="1800" kern="1200">
-                <a:solidFill>
-                  <a:schemeClr val="tx1"/>
-                </a:solidFill>
-                <a:latin typeface="+mn-lt"/>
-                <a:ea typeface="+mn-ea"/>
-                <a:cs typeface="+mn-cs"/>
-              </a:defRPr>
-            </a:lvl5pPr>
-            <a:lvl6pPr marL="2514600" indent="-228600" algn="l" defTabSz="914400" rtl="0" eaLnBrk="1" latinLnBrk="1" hangingPunct="1">
-              <a:lnSpc>
-                <a:spcPct val="90000"/>
-              </a:lnSpc>
-              <a:spcBef>
-                <a:spcPts val="500"/>
-              </a:spcBef>
-              <a:buFont typeface="Arial" panose="020B0604020202020204" pitchFamily="34" charset="0"/>
-              <a:buChar char="•"/>
-              <a:defRPr sz="1800" kern="1200">
-                <a:solidFill>
-                  <a:schemeClr val="tx1"/>
-                </a:solidFill>
-                <a:latin typeface="+mn-lt"/>
-                <a:ea typeface="+mn-ea"/>
-                <a:cs typeface="+mn-cs"/>
-              </a:defRPr>
-            </a:lvl6pPr>
-            <a:lvl7pPr marL="2971800" indent="-228600" algn="l" defTabSz="914400" rtl="0" eaLnBrk="1" latinLnBrk="1" hangingPunct="1">
-              <a:lnSpc>
-                <a:spcPct val="90000"/>
-              </a:lnSpc>
-              <a:spcBef>
-                <a:spcPts val="500"/>
-              </a:spcBef>
-              <a:buFont typeface="Arial" panose="020B0604020202020204" pitchFamily="34" charset="0"/>
-              <a:buChar char="•"/>
-              <a:defRPr sz="1800" kern="1200">
-                <a:solidFill>
-                  <a:schemeClr val="tx1"/>
-                </a:solidFill>
-                <a:latin typeface="+mn-lt"/>
-                <a:ea typeface="+mn-ea"/>
-                <a:cs typeface="+mn-cs"/>
-              </a:defRPr>
-            </a:lvl7pPr>
-            <a:lvl8pPr marL="3429000" indent="-228600" algn="l" defTabSz="914400" rtl="0" eaLnBrk="1" latinLnBrk="1" hangingPunct="1">
-              <a:lnSpc>
-                <a:spcPct val="90000"/>
-              </a:lnSpc>
-              <a:spcBef>
-                <a:spcPts val="500"/>
-              </a:spcBef>
-              <a:buFont typeface="Arial" panose="020B0604020202020204" pitchFamily="34" charset="0"/>
-              <a:buChar char="•"/>
-              <a:defRPr sz="1800" kern="1200">
-                <a:solidFill>
-                  <a:schemeClr val="tx1"/>
-                </a:solidFill>
-                <a:latin typeface="+mn-lt"/>
-                <a:ea typeface="+mn-ea"/>
-                <a:cs typeface="+mn-cs"/>
-              </a:defRPr>
-            </a:lvl8pPr>
-            <a:lvl9pPr marL="3886200" indent="-228600" algn="l" defTabSz="914400" rtl="0" eaLnBrk="1" latinLnBrk="1" hangingPunct="1">
-              <a:lnSpc>
-                <a:spcPct val="90000"/>
-              </a:lnSpc>
-              <a:spcBef>
-                <a:spcPts val="500"/>
-              </a:spcBef>
-              <a:buFont typeface="Arial" panose="020B0604020202020204" pitchFamily="34" charset="0"/>
-              <a:buChar char="•"/>
-              <a:defRPr sz="1800" kern="1200">
-                <a:solidFill>
-                  <a:schemeClr val="tx1"/>
-                </a:solidFill>
-                <a:latin typeface="+mn-lt"/>
-                <a:ea typeface="+mn-ea"/>
-                <a:cs typeface="+mn-cs"/>
-              </a:defRPr>
-            </a:lvl9pPr>
-          </a:lstStyle>
-          <a:p>
-            <a:pPr>
-              <a:lnSpc>
-                <a:spcPct val="100000"/>
-              </a:lnSpc>
-              <a:buFont typeface="Wingdings" panose="05000000000000000000" pitchFamily="2" charset="2"/>
-              <a:buChar char="l"/>
-            </a:pPr>
-            <a:r>
-              <a:rPr lang="en-US" altLang="ko-KR" sz="1800" b="1" dirty="0" smtClean="0">
-                <a:solidFill>
-                  <a:srgbClr val="C00000"/>
-                </a:solidFill>
-              </a:rPr>
-              <a:t> String </a:t>
-            </a:r>
-            <a:r>
-              <a:rPr lang="ko-KR" altLang="en-US" sz="1800" b="1" dirty="0" smtClean="0">
-                <a:solidFill>
-                  <a:srgbClr val="C00000"/>
-                </a:solidFill>
-              </a:rPr>
-              <a:t>클래스</a:t>
-            </a:r>
-            <a:r>
-              <a:rPr lang="en-US" altLang="ko-KR" sz="1800" b="1" dirty="0" smtClean="0">
-                <a:solidFill>
-                  <a:srgbClr val="C00000"/>
-                </a:solidFill>
-              </a:rPr>
-              <a:t> </a:t>
-            </a:r>
-          </a:p>
-          <a:p>
-            <a:pPr marL="0" indent="0">
-              <a:lnSpc>
-                <a:spcPct val="100000"/>
-              </a:lnSpc>
-              <a:buNone/>
-            </a:pPr>
-            <a:r>
-              <a:rPr lang="ko-KR" altLang="en-US" sz="1800" b="1" dirty="0" smtClean="0">
-                <a:solidFill>
-                  <a:srgbClr val="C00000"/>
-                </a:solidFill>
-              </a:rPr>
-              <a:t>정보 가져오기</a:t>
-            </a:r>
-            <a:endParaRPr lang="en-US" altLang="ko-KR" sz="1800" b="1" dirty="0" smtClean="0">
-              <a:solidFill>
-                <a:srgbClr val="C00000"/>
-              </a:solidFill>
-            </a:endParaRPr>
-          </a:p>
-        </p:txBody>
-      </p:sp>
-      <p:pic>
-        <p:nvPicPr>
-          <p:cNvPr id="2" name="그림 1"/>
-          <p:cNvPicPr>
-            <a:picLocks noChangeAspect="1"/>
-          </p:cNvPicPr>
-          <p:nvPr/>
-        </p:nvPicPr>
-        <p:blipFill>
-          <a:blip r:embed="rId2">
-            <a:extLst>
-              <a:ext uri="{28A0092B-C50C-407E-A947-70E740481C1C}">
-                <a14:useLocalDpi xmlns:a14="http://schemas.microsoft.com/office/drawing/2010/main" val="0"/>
-              </a:ext>
-            </a:extLst>
-          </a:blip>
-          <a:stretch>
-            <a:fillRect/>
-          </a:stretch>
-        </p:blipFill>
-        <p:spPr>
-          <a:xfrm>
-            <a:off x="2648744" y="980728"/>
-            <a:ext cx="6904319" cy="5319221"/>
-          </a:xfrm>
-          <a:prstGeom prst="rect">
-            <a:avLst/>
-          </a:prstGeom>
-          <a:ln>
-            <a:solidFill>
-              <a:schemeClr val="bg1">
-                <a:lumMod val="85000"/>
-              </a:schemeClr>
-            </a:solidFill>
-          </a:ln>
-        </p:spPr>
-      </p:pic>
-    </p:spTree>
-    <p:extLst>
-      <p:ext uri="{BB962C8B-B14F-4D97-AF65-F5344CB8AC3E}">
-        <p14:creationId xmlns:p14="http://schemas.microsoft.com/office/powerpoint/2010/main" val="1683454000"/>
       </p:ext>
     </p:extLst>
   </p:cSld>
@@ -20608,8 +21073,8 @@
         </p:nvSpPr>
         <p:spPr>
           <a:xfrm>
-            <a:off x="776536" y="1772816"/>
-            <a:ext cx="2254487" cy="576064"/>
+            <a:off x="488504" y="1412776"/>
+            <a:ext cx="2016224" cy="792088"/>
           </a:xfrm>
           <a:prstGeom prst="rect">
             <a:avLst/>
@@ -20784,40 +21249,56 @@
           <a:p>
             <a:pPr>
               <a:lnSpc>
-                <a:spcPct val="150000"/>
+                <a:spcPct val="100000"/>
               </a:lnSpc>
               <a:buFont typeface="Wingdings" panose="05000000000000000000" pitchFamily="2" charset="2"/>
               <a:buChar char="l"/>
             </a:pPr>
             <a:r>
-              <a:rPr lang="en-US" altLang="ko-KR" sz="2000" b="1" dirty="0" smtClean="0">
+              <a:rPr lang="en-US" altLang="ko-KR" sz="1800" b="1" dirty="0" smtClean="0">
                 <a:solidFill>
                   <a:srgbClr val="C00000"/>
                 </a:solidFill>
               </a:rPr>
-              <a:t> Person </a:t>
-            </a:r>
-            <a:r>
-              <a:rPr lang="ko-KR" altLang="en-US" sz="2000" b="1" dirty="0" smtClean="0">
+              <a:t> String </a:t>
+            </a:r>
+            <a:r>
+              <a:rPr lang="ko-KR" altLang="en-US" sz="1800" b="1" dirty="0" smtClean="0">
                 <a:solidFill>
                   <a:srgbClr val="C00000"/>
                 </a:solidFill>
               </a:rPr>
               <a:t>클래스</a:t>
             </a:r>
-            <a:endParaRPr lang="en-US" altLang="ko-KR" sz="2000" b="1" dirty="0" smtClean="0">
+            <a:r>
+              <a:rPr lang="en-US" altLang="ko-KR" sz="1800" b="1" dirty="0" smtClean="0">
+                <a:solidFill>
+                  <a:srgbClr val="C00000"/>
+                </a:solidFill>
+              </a:rPr>
+              <a:t> </a:t>
+            </a:r>
+          </a:p>
+          <a:p>
+            <a:pPr marL="0" indent="0">
+              <a:lnSpc>
+                <a:spcPct val="100000"/>
+              </a:lnSpc>
+              <a:buNone/>
+            </a:pPr>
+            <a:r>
+              <a:rPr lang="ko-KR" altLang="en-US" sz="1800" b="1" dirty="0" smtClean="0">
+                <a:solidFill>
+                  <a:srgbClr val="C00000"/>
+                </a:solidFill>
+              </a:rPr>
+              <a:t>정보 가져오기</a:t>
+            </a:r>
+            <a:endParaRPr lang="en-US" altLang="ko-KR" sz="1800" b="1" dirty="0" smtClean="0">
               <a:solidFill>
                 <a:srgbClr val="C00000"/>
               </a:solidFill>
             </a:endParaRPr>
-          </a:p>
-          <a:p>
-            <a:pPr lvl="1">
-              <a:lnSpc>
-                <a:spcPct val="100000"/>
-              </a:lnSpc>
-            </a:pPr>
-            <a:endParaRPr lang="en-US" altLang="ko-KR" sz="1600" dirty="0" smtClean="0"/>
           </a:p>
         </p:txBody>
       </p:sp>
@@ -20843,17 +21324,16 @@
         </p:blipFill>
         <p:spPr>
           <a:xfrm>
-            <a:off x="3368824" y="994445"/>
-            <a:ext cx="3973712" cy="5308004"/>
+            <a:off x="2648744" y="980728"/>
+            <a:ext cx="6904319" cy="5319221"/>
           </a:xfrm>
           <a:prstGeom prst="rect">
             <a:avLst/>
           </a:prstGeom>
           <a:ln>
             <a:solidFill>
-              <a:schemeClr val="accent4">
-                <a:lumMod val="40000"/>
-                <a:lumOff val="60000"/>
+              <a:schemeClr val="bg1">
+                <a:lumMod val="85000"/>
               </a:schemeClr>
             </a:solidFill>
           </a:ln>
@@ -20862,7 +21342,7 @@
     </p:spTree>
     <p:extLst>
       <p:ext uri="{BB962C8B-B14F-4D97-AF65-F5344CB8AC3E}">
-        <p14:creationId xmlns:p14="http://schemas.microsoft.com/office/powerpoint/2010/main" val="2711928074"/>
+        <p14:creationId xmlns:p14="http://schemas.microsoft.com/office/powerpoint/2010/main" val="1683454000"/>
       </p:ext>
     </p:extLst>
   </p:cSld>
@@ -22042,6 +22522,365 @@
           </a:p>
         </p:txBody>
       </p:sp>
+      <p:sp>
+        <p:nvSpPr>
+          <p:cNvPr id="10" name="내용 개체 틀 2">
+            <a:extLst>
+              <a:ext uri="{FF2B5EF4-FFF2-40B4-BE49-F238E27FC236}">
+                <a16:creationId xmlns:a16="http://schemas.microsoft.com/office/drawing/2014/main" id="{98AF3A4E-7D90-4241-89FE-799D6F9D5A94}"/>
+              </a:ext>
+            </a:extLst>
+          </p:cNvPr>
+          <p:cNvSpPr txBox="1">
+            <a:spLocks/>
+          </p:cNvSpPr>
+          <p:nvPr/>
+        </p:nvSpPr>
+        <p:spPr>
+          <a:xfrm>
+            <a:off x="776536" y="1772816"/>
+            <a:ext cx="2254487" cy="576064"/>
+          </a:xfrm>
+          <a:prstGeom prst="rect">
+            <a:avLst/>
+          </a:prstGeom>
+        </p:spPr>
+        <p:txBody>
+          <a:bodyPr/>
+          <a:lstStyle>
+            <a:lvl1pPr marL="228600" indent="-228600" algn="l" defTabSz="914400" rtl="0" eaLnBrk="1" latinLnBrk="1" hangingPunct="1">
+              <a:lnSpc>
+                <a:spcPct val="90000"/>
+              </a:lnSpc>
+              <a:spcBef>
+                <a:spcPts val="1000"/>
+              </a:spcBef>
+              <a:buFont typeface="Arial" panose="020B0604020202020204" pitchFamily="34" charset="0"/>
+              <a:buChar char="•"/>
+              <a:defRPr sz="2800" kern="1200">
+                <a:solidFill>
+                  <a:schemeClr val="tx1"/>
+                </a:solidFill>
+                <a:latin typeface="+mn-lt"/>
+                <a:ea typeface="+mn-ea"/>
+                <a:cs typeface="+mn-cs"/>
+              </a:defRPr>
+            </a:lvl1pPr>
+            <a:lvl2pPr marL="685800" indent="-228600" algn="l" defTabSz="914400" rtl="0" eaLnBrk="1" latinLnBrk="1" hangingPunct="1">
+              <a:lnSpc>
+                <a:spcPct val="90000"/>
+              </a:lnSpc>
+              <a:spcBef>
+                <a:spcPts val="500"/>
+              </a:spcBef>
+              <a:buFont typeface="Arial" panose="020B0604020202020204" pitchFamily="34" charset="0"/>
+              <a:buChar char="•"/>
+              <a:defRPr sz="2400" kern="1200">
+                <a:solidFill>
+                  <a:schemeClr val="tx1"/>
+                </a:solidFill>
+                <a:latin typeface="+mn-lt"/>
+                <a:ea typeface="+mn-ea"/>
+                <a:cs typeface="+mn-cs"/>
+              </a:defRPr>
+            </a:lvl2pPr>
+            <a:lvl3pPr marL="1143000" indent="-228600" algn="l" defTabSz="914400" rtl="0" eaLnBrk="1" latinLnBrk="1" hangingPunct="1">
+              <a:lnSpc>
+                <a:spcPct val="90000"/>
+              </a:lnSpc>
+              <a:spcBef>
+                <a:spcPts val="500"/>
+              </a:spcBef>
+              <a:buFont typeface="Arial" panose="020B0604020202020204" pitchFamily="34" charset="0"/>
+              <a:buChar char="•"/>
+              <a:defRPr sz="2000" kern="1200">
+                <a:solidFill>
+                  <a:schemeClr val="tx1"/>
+                </a:solidFill>
+                <a:latin typeface="+mn-lt"/>
+                <a:ea typeface="+mn-ea"/>
+                <a:cs typeface="+mn-cs"/>
+              </a:defRPr>
+            </a:lvl3pPr>
+            <a:lvl4pPr marL="1600200" indent="-228600" algn="l" defTabSz="914400" rtl="0" eaLnBrk="1" latinLnBrk="1" hangingPunct="1">
+              <a:lnSpc>
+                <a:spcPct val="90000"/>
+              </a:lnSpc>
+              <a:spcBef>
+                <a:spcPts val="500"/>
+              </a:spcBef>
+              <a:buFont typeface="Arial" panose="020B0604020202020204" pitchFamily="34" charset="0"/>
+              <a:buChar char="•"/>
+              <a:defRPr sz="1800" kern="1200">
+                <a:solidFill>
+                  <a:schemeClr val="tx1"/>
+                </a:solidFill>
+                <a:latin typeface="+mn-lt"/>
+                <a:ea typeface="+mn-ea"/>
+                <a:cs typeface="+mn-cs"/>
+              </a:defRPr>
+            </a:lvl4pPr>
+            <a:lvl5pPr marL="2057400" indent="-228600" algn="l" defTabSz="914400" rtl="0" eaLnBrk="1" latinLnBrk="1" hangingPunct="1">
+              <a:lnSpc>
+                <a:spcPct val="90000"/>
+              </a:lnSpc>
+              <a:spcBef>
+                <a:spcPts val="500"/>
+              </a:spcBef>
+              <a:buFont typeface="Arial" panose="020B0604020202020204" pitchFamily="34" charset="0"/>
+              <a:buChar char="•"/>
+              <a:defRPr sz="1800" kern="1200">
+                <a:solidFill>
+                  <a:schemeClr val="tx1"/>
+                </a:solidFill>
+                <a:latin typeface="+mn-lt"/>
+                <a:ea typeface="+mn-ea"/>
+                <a:cs typeface="+mn-cs"/>
+              </a:defRPr>
+            </a:lvl5pPr>
+            <a:lvl6pPr marL="2514600" indent="-228600" algn="l" defTabSz="914400" rtl="0" eaLnBrk="1" latinLnBrk="1" hangingPunct="1">
+              <a:lnSpc>
+                <a:spcPct val="90000"/>
+              </a:lnSpc>
+              <a:spcBef>
+                <a:spcPts val="500"/>
+              </a:spcBef>
+              <a:buFont typeface="Arial" panose="020B0604020202020204" pitchFamily="34" charset="0"/>
+              <a:buChar char="•"/>
+              <a:defRPr sz="1800" kern="1200">
+                <a:solidFill>
+                  <a:schemeClr val="tx1"/>
+                </a:solidFill>
+                <a:latin typeface="+mn-lt"/>
+                <a:ea typeface="+mn-ea"/>
+                <a:cs typeface="+mn-cs"/>
+              </a:defRPr>
+            </a:lvl6pPr>
+            <a:lvl7pPr marL="2971800" indent="-228600" algn="l" defTabSz="914400" rtl="0" eaLnBrk="1" latinLnBrk="1" hangingPunct="1">
+              <a:lnSpc>
+                <a:spcPct val="90000"/>
+              </a:lnSpc>
+              <a:spcBef>
+                <a:spcPts val="500"/>
+              </a:spcBef>
+              <a:buFont typeface="Arial" panose="020B0604020202020204" pitchFamily="34" charset="0"/>
+              <a:buChar char="•"/>
+              <a:defRPr sz="1800" kern="1200">
+                <a:solidFill>
+                  <a:schemeClr val="tx1"/>
+                </a:solidFill>
+                <a:latin typeface="+mn-lt"/>
+                <a:ea typeface="+mn-ea"/>
+                <a:cs typeface="+mn-cs"/>
+              </a:defRPr>
+            </a:lvl7pPr>
+            <a:lvl8pPr marL="3429000" indent="-228600" algn="l" defTabSz="914400" rtl="0" eaLnBrk="1" latinLnBrk="1" hangingPunct="1">
+              <a:lnSpc>
+                <a:spcPct val="90000"/>
+              </a:lnSpc>
+              <a:spcBef>
+                <a:spcPts val="500"/>
+              </a:spcBef>
+              <a:buFont typeface="Arial" panose="020B0604020202020204" pitchFamily="34" charset="0"/>
+              <a:buChar char="•"/>
+              <a:defRPr sz="1800" kern="1200">
+                <a:solidFill>
+                  <a:schemeClr val="tx1"/>
+                </a:solidFill>
+                <a:latin typeface="+mn-lt"/>
+                <a:ea typeface="+mn-ea"/>
+                <a:cs typeface="+mn-cs"/>
+              </a:defRPr>
+            </a:lvl8pPr>
+            <a:lvl9pPr marL="3886200" indent="-228600" algn="l" defTabSz="914400" rtl="0" eaLnBrk="1" latinLnBrk="1" hangingPunct="1">
+              <a:lnSpc>
+                <a:spcPct val="90000"/>
+              </a:lnSpc>
+              <a:spcBef>
+                <a:spcPts val="500"/>
+              </a:spcBef>
+              <a:buFont typeface="Arial" panose="020B0604020202020204" pitchFamily="34" charset="0"/>
+              <a:buChar char="•"/>
+              <a:defRPr sz="1800" kern="1200">
+                <a:solidFill>
+                  <a:schemeClr val="tx1"/>
+                </a:solidFill>
+                <a:latin typeface="+mn-lt"/>
+                <a:ea typeface="+mn-ea"/>
+                <a:cs typeface="+mn-cs"/>
+              </a:defRPr>
+            </a:lvl9pPr>
+          </a:lstStyle>
+          <a:p>
+            <a:pPr>
+              <a:lnSpc>
+                <a:spcPct val="150000"/>
+              </a:lnSpc>
+              <a:buFont typeface="Wingdings" panose="05000000000000000000" pitchFamily="2" charset="2"/>
+              <a:buChar char="l"/>
+            </a:pPr>
+            <a:r>
+              <a:rPr lang="en-US" altLang="ko-KR" sz="2000" b="1" dirty="0" smtClean="0">
+                <a:solidFill>
+                  <a:srgbClr val="C00000"/>
+                </a:solidFill>
+              </a:rPr>
+              <a:t> Person </a:t>
+            </a:r>
+            <a:r>
+              <a:rPr lang="ko-KR" altLang="en-US" sz="2000" b="1" dirty="0" smtClean="0">
+                <a:solidFill>
+                  <a:srgbClr val="C00000"/>
+                </a:solidFill>
+              </a:rPr>
+              <a:t>클래스</a:t>
+            </a:r>
+            <a:endParaRPr lang="en-US" altLang="ko-KR" sz="2000" b="1" dirty="0" smtClean="0">
+              <a:solidFill>
+                <a:srgbClr val="C00000"/>
+              </a:solidFill>
+            </a:endParaRPr>
+          </a:p>
+          <a:p>
+            <a:pPr lvl="1">
+              <a:lnSpc>
+                <a:spcPct val="100000"/>
+              </a:lnSpc>
+            </a:pPr>
+            <a:endParaRPr lang="en-US" altLang="ko-KR" sz="1600" dirty="0" smtClean="0"/>
+          </a:p>
+        </p:txBody>
+      </p:sp>
+      <p:pic>
+        <p:nvPicPr>
+          <p:cNvPr id="2" name="그림 1"/>
+          <p:cNvPicPr>
+            <a:picLocks noChangeAspect="1"/>
+          </p:cNvPicPr>
+          <p:nvPr/>
+        </p:nvPicPr>
+        <p:blipFill>
+          <a:blip r:embed="rId2">
+            <a:extLst>
+              <a:ext uri="{28A0092B-C50C-407E-A947-70E740481C1C}">
+                <a14:useLocalDpi xmlns:a14="http://schemas.microsoft.com/office/drawing/2010/main" val="0"/>
+              </a:ext>
+            </a:extLst>
+          </a:blip>
+          <a:stretch>
+            <a:fillRect/>
+          </a:stretch>
+        </p:blipFill>
+        <p:spPr>
+          <a:xfrm>
+            <a:off x="3368824" y="994445"/>
+            <a:ext cx="3973712" cy="5308004"/>
+          </a:xfrm>
+          <a:prstGeom prst="rect">
+            <a:avLst/>
+          </a:prstGeom>
+          <a:ln>
+            <a:solidFill>
+              <a:schemeClr val="accent4">
+                <a:lumMod val="40000"/>
+                <a:lumOff val="60000"/>
+              </a:schemeClr>
+            </a:solidFill>
+          </a:ln>
+        </p:spPr>
+      </p:pic>
+    </p:spTree>
+    <p:extLst>
+      <p:ext uri="{BB962C8B-B14F-4D97-AF65-F5344CB8AC3E}">
+        <p14:creationId xmlns:p14="http://schemas.microsoft.com/office/powerpoint/2010/main" val="2711928074"/>
+      </p:ext>
+    </p:extLst>
+  </p:cSld>
+  <p:clrMapOvr>
+    <a:masterClrMapping/>
+  </p:clrMapOvr>
+  <p:timing>
+    <p:tnLst>
+      <p:par>
+        <p:cTn id="1" dur="indefinite" restart="never" nodeType="tmRoot"/>
+      </p:par>
+    </p:tnLst>
+  </p:timing>
+</p:sld>
+</file>
+
+<file path=ppt/slides/slide41.xml><?xml version="1.0" encoding="utf-8"?>
+<p:sld xmlns:a="http://schemas.openxmlformats.org/drawingml/2006/main" xmlns:r="http://schemas.openxmlformats.org/officeDocument/2006/relationships" xmlns:p="http://schemas.openxmlformats.org/presentationml/2006/main">
+  <p:cSld>
+    <p:spTree>
+      <p:nvGrpSpPr>
+        <p:cNvPr id="1" name=""/>
+        <p:cNvGrpSpPr/>
+        <p:nvPr/>
+      </p:nvGrpSpPr>
+      <p:grpSpPr>
+        <a:xfrm>
+          <a:off x="0" y="0"/>
+          <a:ext cx="0" cy="0"/>
+          <a:chOff x="0" y="0"/>
+          <a:chExt cx="0" cy="0"/>
+        </a:xfrm>
+      </p:grpSpPr>
+      <p:sp>
+        <p:nvSpPr>
+          <p:cNvPr id="6" name="제목 5"/>
+          <p:cNvSpPr>
+            <a:spLocks noGrp="1"/>
+          </p:cNvSpPr>
+          <p:nvPr>
+            <p:ph type="title"/>
+          </p:nvPr>
+        </p:nvSpPr>
+        <p:spPr/>
+        <p:txBody>
+          <a:bodyPr/>
+          <a:lstStyle/>
+          <a:p>
+            <a:r>
+              <a:rPr lang="en-US" altLang="ko-KR" dirty="0" smtClean="0"/>
+              <a:t> Class </a:t>
+            </a:r>
+            <a:r>
+              <a:rPr lang="ko-KR" altLang="en-US" dirty="0" smtClean="0"/>
+              <a:t>클래스</a:t>
+            </a:r>
+            <a:endParaRPr lang="ko-KR" altLang="en-US" dirty="0"/>
+          </a:p>
+        </p:txBody>
+      </p:sp>
+      <p:sp>
+        <p:nvSpPr>
+          <p:cNvPr id="5" name="슬라이드 번호 개체 틀 4"/>
+          <p:cNvSpPr>
+            <a:spLocks noGrp="1"/>
+          </p:cNvSpPr>
+          <p:nvPr>
+            <p:ph type="sldNum" sz="quarter" idx="12"/>
+          </p:nvPr>
+        </p:nvSpPr>
+        <p:spPr>
+          <a:xfrm>
+            <a:off x="8853433" y="7312347"/>
+            <a:ext cx="557267" cy="365125"/>
+          </a:xfrm>
+        </p:spPr>
+        <p:txBody>
+          <a:bodyPr/>
+          <a:lstStyle/>
+          <a:p>
+            <a:fld id="{1BDE3FE7-3AEA-4B05-AC5A-802D1816ACF0}" type="slidenum">
+              <a:rPr lang="ko-KR" altLang="en-US" smtClean="0"/>
+              <a:t>41</a:t>
+            </a:fld>
+            <a:endParaRPr lang="ko-KR" altLang="en-US"/>
+          </a:p>
+        </p:txBody>
+      </p:sp>
       <p:pic>
         <p:nvPicPr>
           <p:cNvPr id="2" name="그림 1"/>
@@ -22099,7 +22938,7 @@
 </p:sld>
 </file>
 
-<file path=ppt/slides/slide41.xml><?xml version="1.0" encoding="utf-8"?>
+<file path=ppt/slides/slide42.xml><?xml version="1.0" encoding="utf-8"?>
 <p:sld xmlns:a="http://schemas.openxmlformats.org/drawingml/2006/main" xmlns:r="http://schemas.openxmlformats.org/officeDocument/2006/relationships" xmlns:p="http://schemas.openxmlformats.org/presentationml/2006/main">
   <p:cSld>
     <p:spTree>
@@ -22165,7 +23004,7 @@
           <a:p>
             <a:fld id="{1BDE3FE7-3AEA-4B05-AC5A-802D1816ACF0}" type="slidenum">
               <a:rPr lang="ko-KR" altLang="en-US" smtClean="0"/>
-              <a:t>41</a:t>
+              <a:t>42</a:t>
             </a:fld>
             <a:endParaRPr lang="ko-KR" altLang="en-US"/>
           </a:p>
@@ -22228,7 +23067,7 @@
 </p:sld>
 </file>
 
-<file path=ppt/slides/slide42.xml><?xml version="1.0" encoding="utf-8"?>
+<file path=ppt/slides/slide43.xml><?xml version="1.0" encoding="utf-8"?>
 <p:sld xmlns:a="http://schemas.openxmlformats.org/drawingml/2006/main" xmlns:r="http://schemas.openxmlformats.org/officeDocument/2006/relationships" xmlns:p="http://schemas.openxmlformats.org/presentationml/2006/main">
   <p:cSld>
     <p:spTree>
@@ -22294,7 +23133,7 @@
           <a:p>
             <a:fld id="{1BDE3FE7-3AEA-4B05-AC5A-802D1816ACF0}" type="slidenum">
               <a:rPr lang="ko-KR" altLang="en-US" smtClean="0"/>
-              <a:t>42</a:t>
+              <a:t>43</a:t>
             </a:fld>
             <a:endParaRPr lang="ko-KR" altLang="en-US"/>
           </a:p>
@@ -22357,7 +23196,7 @@
 </p:sld>
 </file>
 
-<file path=ppt/slides/slide43.xml><?xml version="1.0" encoding="utf-8"?>
+<file path=ppt/slides/slide44.xml><?xml version="1.0" encoding="utf-8"?>
 <p:sld xmlns:a="http://schemas.openxmlformats.org/drawingml/2006/main" xmlns:r="http://schemas.openxmlformats.org/officeDocument/2006/relationships" xmlns:p="http://schemas.openxmlformats.org/presentationml/2006/main">
   <p:cSld>
     <p:spTree>
@@ -22423,7 +23262,7 @@
           <a:p>
             <a:fld id="{1BDE3FE7-3AEA-4B05-AC5A-802D1816ACF0}" type="slidenum">
               <a:rPr lang="ko-KR" altLang="en-US" smtClean="0"/>
-              <a:t>43</a:t>
+              <a:t>44</a:t>
             </a:fld>
             <a:endParaRPr lang="ko-KR" altLang="en-US"/>
           </a:p>
@@ -24102,7 +24941,7 @@
 </p:sld>
 </file>
 
-<file path=ppt/slides/slide44.xml><?xml version="1.0" encoding="utf-8"?>
+<file path=ppt/slides/slide45.xml><?xml version="1.0" encoding="utf-8"?>
 <p:sld xmlns:a="http://schemas.openxmlformats.org/drawingml/2006/main" xmlns:r="http://schemas.openxmlformats.org/officeDocument/2006/relationships" xmlns:p="http://schemas.openxmlformats.org/presentationml/2006/main">
   <p:cSld>
     <p:spTree>
@@ -24167,7 +25006,7 @@
           <a:p>
             <a:fld id="{1BDE3FE7-3AEA-4B05-AC5A-802D1816ACF0}" type="slidenum">
               <a:rPr lang="ko-KR" altLang="en-US" smtClean="0"/>
-              <a:t>44</a:t>
+              <a:t>45</a:t>
             </a:fld>
             <a:endParaRPr lang="ko-KR" altLang="en-US"/>
           </a:p>
@@ -24266,7 +25105,7 @@
 </p:sld>
 </file>
 
-<file path=ppt/slides/slide45.xml><?xml version="1.0" encoding="utf-8"?>
+<file path=ppt/slides/slide46.xml><?xml version="1.0" encoding="utf-8"?>
 <p:sld xmlns:a="http://schemas.openxmlformats.org/drawingml/2006/main" xmlns:r="http://schemas.openxmlformats.org/officeDocument/2006/relationships" xmlns:p="http://schemas.openxmlformats.org/presentationml/2006/main">
   <p:cSld>
     <p:spTree>
@@ -24331,7 +25170,7 @@
           <a:p>
             <a:fld id="{1BDE3FE7-3AEA-4B05-AC5A-802D1816ACF0}" type="slidenum">
               <a:rPr lang="ko-KR" altLang="en-US" smtClean="0"/>
-              <a:t>45</a:t>
+              <a:t>46</a:t>
             </a:fld>
             <a:endParaRPr lang="ko-KR" altLang="en-US"/>
           </a:p>
@@ -24431,7 +25270,7 @@
 </p:sld>
 </file>
 
-<file path=ppt/slides/slide46.xml><?xml version="1.0" encoding="utf-8"?>
+<file path=ppt/slides/slide47.xml><?xml version="1.0" encoding="utf-8"?>
 <p:sld xmlns:a="http://schemas.openxmlformats.org/drawingml/2006/main" xmlns:r="http://schemas.openxmlformats.org/officeDocument/2006/relationships" xmlns:p="http://schemas.openxmlformats.org/presentationml/2006/main">
   <p:cSld>
     <p:spTree>
@@ -24496,7 +25335,7 @@
           <a:p>
             <a:fld id="{1BDE3FE7-3AEA-4B05-AC5A-802D1816ACF0}" type="slidenum">
               <a:rPr lang="ko-KR" altLang="en-US" smtClean="0"/>
-              <a:t>46</a:t>
+              <a:t>47</a:t>
             </a:fld>
             <a:endParaRPr lang="ko-KR" altLang="en-US"/>
           </a:p>
@@ -24787,7 +25626,7 @@
 </p:sld>
 </file>
 
-<file path=ppt/slides/slide47.xml><?xml version="1.0" encoding="utf-8"?>
+<file path=ppt/slides/slide48.xml><?xml version="1.0" encoding="utf-8"?>
 <p:sld xmlns:a="http://schemas.openxmlformats.org/drawingml/2006/main" xmlns:r="http://schemas.openxmlformats.org/officeDocument/2006/relationships" xmlns:p="http://schemas.openxmlformats.org/presentationml/2006/main">
   <p:cSld>
     <p:spTree>
@@ -24852,7 +25691,7 @@
           <a:p>
             <a:fld id="{1BDE3FE7-3AEA-4B05-AC5A-802D1816ACF0}" type="slidenum">
               <a:rPr lang="ko-KR" altLang="en-US" smtClean="0"/>
-              <a:t>47</a:t>
+              <a:t>48</a:t>
             </a:fld>
             <a:endParaRPr lang="ko-KR" altLang="en-US"/>
           </a:p>
@@ -24915,7 +25754,7 @@
 </p:sld>
 </file>
 
-<file path=ppt/slides/slide48.xml><?xml version="1.0" encoding="utf-8"?>
+<file path=ppt/slides/slide49.xml><?xml version="1.0" encoding="utf-8"?>
 <p:sld xmlns:a="http://schemas.openxmlformats.org/drawingml/2006/main" xmlns:r="http://schemas.openxmlformats.org/officeDocument/2006/relationships" xmlns:p="http://schemas.openxmlformats.org/presentationml/2006/main">
   <p:cSld>
     <p:spTree>
@@ -24984,7 +25823,7 @@
           <a:p>
             <a:fld id="{1BDE3FE7-3AEA-4B05-AC5A-802D1816ACF0}" type="slidenum">
               <a:rPr lang="ko-KR" altLang="en-US" smtClean="0"/>
-              <a:t>48</a:t>
+              <a:t>49</a:t>
             </a:fld>
             <a:endParaRPr lang="ko-KR" altLang="en-US"/>
           </a:p>
@@ -25243,416 +26082,6 @@
     <p:extLst>
       <p:ext uri="{BB962C8B-B14F-4D97-AF65-F5344CB8AC3E}">
         <p14:creationId xmlns:p14="http://schemas.microsoft.com/office/powerpoint/2010/main" val="3734214394"/>
-      </p:ext>
-    </p:extLst>
-  </p:cSld>
-  <p:clrMapOvr>
-    <a:masterClrMapping/>
-  </p:clrMapOvr>
-  <p:timing>
-    <p:tnLst>
-      <p:par>
-        <p:cTn id="1" dur="indefinite" restart="never" nodeType="tmRoot"/>
-      </p:par>
-    </p:tnLst>
-  </p:timing>
-</p:sld>
-</file>
-
-<file path=ppt/slides/slide49.xml><?xml version="1.0" encoding="utf-8"?>
-<p:sld xmlns:a="http://schemas.openxmlformats.org/drawingml/2006/main" xmlns:r="http://schemas.openxmlformats.org/officeDocument/2006/relationships" xmlns:p="http://schemas.openxmlformats.org/presentationml/2006/main">
-  <p:cSld>
-    <p:spTree>
-      <p:nvGrpSpPr>
-        <p:cNvPr id="1" name=""/>
-        <p:cNvGrpSpPr/>
-        <p:nvPr/>
-      </p:nvGrpSpPr>
-      <p:grpSpPr>
-        <a:xfrm>
-          <a:off x="0" y="0"/>
-          <a:ext cx="0" cy="0"/>
-          <a:chOff x="0" y="0"/>
-          <a:chExt cx="0" cy="0"/>
-        </a:xfrm>
-      </p:grpSpPr>
-      <p:sp>
-        <p:nvSpPr>
-          <p:cNvPr id="6" name="제목 5"/>
-          <p:cNvSpPr>
-            <a:spLocks noGrp="1"/>
-          </p:cNvSpPr>
-          <p:nvPr>
-            <p:ph type="title"/>
-          </p:nvPr>
-        </p:nvSpPr>
-        <p:spPr/>
-        <p:txBody>
-          <a:bodyPr/>
-          <a:lstStyle/>
-          <a:p>
-            <a:r>
-              <a:rPr lang="en-US" altLang="ko-KR" dirty="0" smtClean="0"/>
-              <a:t> </a:t>
-            </a:r>
-            <a:r>
-              <a:rPr lang="ko-KR" altLang="en-US" dirty="0"/>
-              <a:t>내부 클래스</a:t>
-            </a:r>
-          </a:p>
-        </p:txBody>
-      </p:sp>
-      <p:sp>
-        <p:nvSpPr>
-          <p:cNvPr id="5" name="슬라이드 번호 개체 틀 4"/>
-          <p:cNvSpPr>
-            <a:spLocks noGrp="1"/>
-          </p:cNvSpPr>
-          <p:nvPr>
-            <p:ph type="sldNum" sz="quarter" idx="12"/>
-          </p:nvPr>
-        </p:nvSpPr>
-        <p:spPr>
-          <a:xfrm>
-            <a:off x="8853433" y="7312347"/>
-            <a:ext cx="557267" cy="365125"/>
-          </a:xfrm>
-        </p:spPr>
-        <p:txBody>
-          <a:bodyPr/>
-          <a:lstStyle/>
-          <a:p>
-            <a:fld id="{1BDE3FE7-3AEA-4B05-AC5A-802D1816ACF0}" type="slidenum">
-              <a:rPr lang="ko-KR" altLang="en-US" smtClean="0"/>
-              <a:t>49</a:t>
-            </a:fld>
-            <a:endParaRPr lang="ko-KR" altLang="en-US"/>
-          </a:p>
-        </p:txBody>
-      </p:sp>
-      <p:sp>
-        <p:nvSpPr>
-          <p:cNvPr id="10" name="내용 개체 틀 2">
-            <a:extLst>
-              <a:ext uri="{FF2B5EF4-FFF2-40B4-BE49-F238E27FC236}">
-                <a16:creationId xmlns:a16="http://schemas.microsoft.com/office/drawing/2014/main" id="{98AF3A4E-7D90-4241-89FE-799D6F9D5A94}"/>
-              </a:ext>
-            </a:extLst>
-          </p:cNvPr>
-          <p:cNvSpPr txBox="1">
-            <a:spLocks/>
-          </p:cNvSpPr>
-          <p:nvPr/>
-        </p:nvSpPr>
-        <p:spPr>
-          <a:xfrm>
-            <a:off x="992560" y="1195129"/>
-            <a:ext cx="3212831" cy="504056"/>
-          </a:xfrm>
-          <a:prstGeom prst="rect">
-            <a:avLst/>
-          </a:prstGeom>
-        </p:spPr>
-        <p:txBody>
-          <a:bodyPr/>
-          <a:lstStyle>
-            <a:lvl1pPr marL="228600" indent="-228600" algn="l" defTabSz="914400" rtl="0" eaLnBrk="1" latinLnBrk="1" hangingPunct="1">
-              <a:lnSpc>
-                <a:spcPct val="90000"/>
-              </a:lnSpc>
-              <a:spcBef>
-                <a:spcPts val="1000"/>
-              </a:spcBef>
-              <a:buFont typeface="Arial" panose="020B0604020202020204" pitchFamily="34" charset="0"/>
-              <a:buChar char="•"/>
-              <a:defRPr sz="2800" kern="1200">
-                <a:solidFill>
-                  <a:schemeClr val="tx1"/>
-                </a:solidFill>
-                <a:latin typeface="+mn-lt"/>
-                <a:ea typeface="+mn-ea"/>
-                <a:cs typeface="+mn-cs"/>
-              </a:defRPr>
-            </a:lvl1pPr>
-            <a:lvl2pPr marL="685800" indent="-228600" algn="l" defTabSz="914400" rtl="0" eaLnBrk="1" latinLnBrk="1" hangingPunct="1">
-              <a:lnSpc>
-                <a:spcPct val="90000"/>
-              </a:lnSpc>
-              <a:spcBef>
-                <a:spcPts val="500"/>
-              </a:spcBef>
-              <a:buFont typeface="Arial" panose="020B0604020202020204" pitchFamily="34" charset="0"/>
-              <a:buChar char="•"/>
-              <a:defRPr sz="2400" kern="1200">
-                <a:solidFill>
-                  <a:schemeClr val="tx1"/>
-                </a:solidFill>
-                <a:latin typeface="+mn-lt"/>
-                <a:ea typeface="+mn-ea"/>
-                <a:cs typeface="+mn-cs"/>
-              </a:defRPr>
-            </a:lvl2pPr>
-            <a:lvl3pPr marL="1143000" indent="-228600" algn="l" defTabSz="914400" rtl="0" eaLnBrk="1" latinLnBrk="1" hangingPunct="1">
-              <a:lnSpc>
-                <a:spcPct val="90000"/>
-              </a:lnSpc>
-              <a:spcBef>
-                <a:spcPts val="500"/>
-              </a:spcBef>
-              <a:buFont typeface="Arial" panose="020B0604020202020204" pitchFamily="34" charset="0"/>
-              <a:buChar char="•"/>
-              <a:defRPr sz="2000" kern="1200">
-                <a:solidFill>
-                  <a:schemeClr val="tx1"/>
-                </a:solidFill>
-                <a:latin typeface="+mn-lt"/>
-                <a:ea typeface="+mn-ea"/>
-                <a:cs typeface="+mn-cs"/>
-              </a:defRPr>
-            </a:lvl3pPr>
-            <a:lvl4pPr marL="1600200" indent="-228600" algn="l" defTabSz="914400" rtl="0" eaLnBrk="1" latinLnBrk="1" hangingPunct="1">
-              <a:lnSpc>
-                <a:spcPct val="90000"/>
-              </a:lnSpc>
-              <a:spcBef>
-                <a:spcPts val="500"/>
-              </a:spcBef>
-              <a:buFont typeface="Arial" panose="020B0604020202020204" pitchFamily="34" charset="0"/>
-              <a:buChar char="•"/>
-              <a:defRPr sz="1800" kern="1200">
-                <a:solidFill>
-                  <a:schemeClr val="tx1"/>
-                </a:solidFill>
-                <a:latin typeface="+mn-lt"/>
-                <a:ea typeface="+mn-ea"/>
-                <a:cs typeface="+mn-cs"/>
-              </a:defRPr>
-            </a:lvl4pPr>
-            <a:lvl5pPr marL="2057400" indent="-228600" algn="l" defTabSz="914400" rtl="0" eaLnBrk="1" latinLnBrk="1" hangingPunct="1">
-              <a:lnSpc>
-                <a:spcPct val="90000"/>
-              </a:lnSpc>
-              <a:spcBef>
-                <a:spcPts val="500"/>
-              </a:spcBef>
-              <a:buFont typeface="Arial" panose="020B0604020202020204" pitchFamily="34" charset="0"/>
-              <a:buChar char="•"/>
-              <a:defRPr sz="1800" kern="1200">
-                <a:solidFill>
-                  <a:schemeClr val="tx1"/>
-                </a:solidFill>
-                <a:latin typeface="+mn-lt"/>
-                <a:ea typeface="+mn-ea"/>
-                <a:cs typeface="+mn-cs"/>
-              </a:defRPr>
-            </a:lvl5pPr>
-            <a:lvl6pPr marL="2514600" indent="-228600" algn="l" defTabSz="914400" rtl="0" eaLnBrk="1" latinLnBrk="1" hangingPunct="1">
-              <a:lnSpc>
-                <a:spcPct val="90000"/>
-              </a:lnSpc>
-              <a:spcBef>
-                <a:spcPts val="500"/>
-              </a:spcBef>
-              <a:buFont typeface="Arial" panose="020B0604020202020204" pitchFamily="34" charset="0"/>
-              <a:buChar char="•"/>
-              <a:defRPr sz="1800" kern="1200">
-                <a:solidFill>
-                  <a:schemeClr val="tx1"/>
-                </a:solidFill>
-                <a:latin typeface="+mn-lt"/>
-                <a:ea typeface="+mn-ea"/>
-                <a:cs typeface="+mn-cs"/>
-              </a:defRPr>
-            </a:lvl6pPr>
-            <a:lvl7pPr marL="2971800" indent="-228600" algn="l" defTabSz="914400" rtl="0" eaLnBrk="1" latinLnBrk="1" hangingPunct="1">
-              <a:lnSpc>
-                <a:spcPct val="90000"/>
-              </a:lnSpc>
-              <a:spcBef>
-                <a:spcPts val="500"/>
-              </a:spcBef>
-              <a:buFont typeface="Arial" panose="020B0604020202020204" pitchFamily="34" charset="0"/>
-              <a:buChar char="•"/>
-              <a:defRPr sz="1800" kern="1200">
-                <a:solidFill>
-                  <a:schemeClr val="tx1"/>
-                </a:solidFill>
-                <a:latin typeface="+mn-lt"/>
-                <a:ea typeface="+mn-ea"/>
-                <a:cs typeface="+mn-cs"/>
-              </a:defRPr>
-            </a:lvl7pPr>
-            <a:lvl8pPr marL="3429000" indent="-228600" algn="l" defTabSz="914400" rtl="0" eaLnBrk="1" latinLnBrk="1" hangingPunct="1">
-              <a:lnSpc>
-                <a:spcPct val="90000"/>
-              </a:lnSpc>
-              <a:spcBef>
-                <a:spcPts val="500"/>
-              </a:spcBef>
-              <a:buFont typeface="Arial" panose="020B0604020202020204" pitchFamily="34" charset="0"/>
-              <a:buChar char="•"/>
-              <a:defRPr sz="1800" kern="1200">
-                <a:solidFill>
-                  <a:schemeClr val="tx1"/>
-                </a:solidFill>
-                <a:latin typeface="+mn-lt"/>
-                <a:ea typeface="+mn-ea"/>
-                <a:cs typeface="+mn-cs"/>
-              </a:defRPr>
-            </a:lvl8pPr>
-            <a:lvl9pPr marL="3886200" indent="-228600" algn="l" defTabSz="914400" rtl="0" eaLnBrk="1" latinLnBrk="1" hangingPunct="1">
-              <a:lnSpc>
-                <a:spcPct val="90000"/>
-              </a:lnSpc>
-              <a:spcBef>
-                <a:spcPts val="500"/>
-              </a:spcBef>
-              <a:buFont typeface="Arial" panose="020B0604020202020204" pitchFamily="34" charset="0"/>
-              <a:buChar char="•"/>
-              <a:defRPr sz="1800" kern="1200">
-                <a:solidFill>
-                  <a:schemeClr val="tx1"/>
-                </a:solidFill>
-                <a:latin typeface="+mn-lt"/>
-                <a:ea typeface="+mn-ea"/>
-                <a:cs typeface="+mn-cs"/>
-              </a:defRPr>
-            </a:lvl9pPr>
-          </a:lstStyle>
-          <a:p>
-            <a:pPr marL="0" indent="0">
-              <a:lnSpc>
-                <a:spcPct val="150000"/>
-              </a:lnSpc>
-              <a:buNone/>
-            </a:pPr>
-            <a:r>
-              <a:rPr lang="ko-KR" altLang="en-US" sz="1800" b="1" dirty="0" smtClean="0">
-                <a:solidFill>
-                  <a:srgbClr val="C00000"/>
-                </a:solidFill>
-              </a:rPr>
-              <a:t> 정적</a:t>
-            </a:r>
-            <a:r>
-              <a:rPr lang="en-US" altLang="ko-KR" sz="1800" b="1" dirty="0" smtClean="0">
-                <a:solidFill>
-                  <a:srgbClr val="C00000"/>
-                </a:solidFill>
-              </a:rPr>
-              <a:t>(static)</a:t>
-            </a:r>
-            <a:r>
-              <a:rPr lang="ko-KR" altLang="en-US" sz="1800" b="1" dirty="0" smtClean="0">
-                <a:solidFill>
-                  <a:srgbClr val="C00000"/>
-                </a:solidFill>
-              </a:rPr>
-              <a:t> 멤</a:t>
-            </a:r>
-            <a:r>
-              <a:rPr lang="ko-KR" altLang="en-US" sz="1800" b="1" dirty="0">
-                <a:solidFill>
-                  <a:srgbClr val="C00000"/>
-                </a:solidFill>
-              </a:rPr>
-              <a:t>버</a:t>
-            </a:r>
-            <a:r>
-              <a:rPr lang="ko-KR" altLang="en-US" sz="1800" b="1" dirty="0" smtClean="0">
-                <a:solidFill>
-                  <a:srgbClr val="C00000"/>
-                </a:solidFill>
-              </a:rPr>
-              <a:t> 클래스</a:t>
-            </a:r>
-            <a:endParaRPr lang="en-US" altLang="ko-KR" sz="1800" b="1" dirty="0" smtClean="0">
-              <a:solidFill>
-                <a:srgbClr val="C00000"/>
-              </a:solidFill>
-            </a:endParaRPr>
-          </a:p>
-        </p:txBody>
-      </p:sp>
-      <p:pic>
-        <p:nvPicPr>
-          <p:cNvPr id="3" name="그림 2"/>
-          <p:cNvPicPr>
-            <a:picLocks noChangeAspect="1"/>
-          </p:cNvPicPr>
-          <p:nvPr/>
-        </p:nvPicPr>
-        <p:blipFill>
-          <a:blip r:embed="rId2">
-            <a:extLst>
-              <a:ext uri="{28A0092B-C50C-407E-A947-70E740481C1C}">
-                <a14:useLocalDpi xmlns:a14="http://schemas.microsoft.com/office/drawing/2010/main" val="0"/>
-              </a:ext>
-            </a:extLst>
-          </a:blip>
-          <a:stretch>
-            <a:fillRect/>
-          </a:stretch>
-        </p:blipFill>
-        <p:spPr>
-          <a:xfrm>
-            <a:off x="1262607" y="1721700"/>
-            <a:ext cx="6340390" cy="2926334"/>
-          </a:xfrm>
-          <a:prstGeom prst="rect">
-            <a:avLst/>
-          </a:prstGeom>
-          <a:ln>
-            <a:solidFill>
-              <a:schemeClr val="bg1">
-                <a:lumMod val="85000"/>
-              </a:schemeClr>
-            </a:solidFill>
-          </a:ln>
-        </p:spPr>
-      </p:pic>
-      <p:pic>
-        <p:nvPicPr>
-          <p:cNvPr id="7" name="그림 6"/>
-          <p:cNvPicPr>
-            <a:picLocks noChangeAspect="1"/>
-          </p:cNvPicPr>
-          <p:nvPr/>
-        </p:nvPicPr>
-        <p:blipFill>
-          <a:blip r:embed="rId3">
-            <a:extLst>
-              <a:ext uri="{28A0092B-C50C-407E-A947-70E740481C1C}">
-                <a14:useLocalDpi xmlns:a14="http://schemas.microsoft.com/office/drawing/2010/main" val="0"/>
-              </a:ext>
-            </a:extLst>
-          </a:blip>
-          <a:stretch>
-            <a:fillRect/>
-          </a:stretch>
-        </p:blipFill>
-        <p:spPr>
-          <a:xfrm>
-            <a:off x="5214596" y="4221088"/>
-            <a:ext cx="3888432" cy="1465490"/>
-          </a:xfrm>
-          <a:prstGeom prst="rect">
-            <a:avLst/>
-          </a:prstGeom>
-          <a:ln>
-            <a:solidFill>
-              <a:schemeClr val="accent4">
-                <a:lumMod val="40000"/>
-                <a:lumOff val="60000"/>
-              </a:schemeClr>
-            </a:solidFill>
-          </a:ln>
-        </p:spPr>
-      </p:pic>
-    </p:spTree>
-    <p:extLst>
-      <p:ext uri="{BB962C8B-B14F-4D97-AF65-F5344CB8AC3E}">
-        <p14:creationId xmlns:p14="http://schemas.microsoft.com/office/powerpoint/2010/main" val="795461673"/>
       </p:ext>
     </p:extLst>
   </p:cSld>
@@ -26519,6 +26948,416 @@
         </p:nvSpPr>
         <p:spPr>
           <a:xfrm>
+            <a:off x="992560" y="1195129"/>
+            <a:ext cx="3212831" cy="504056"/>
+          </a:xfrm>
+          <a:prstGeom prst="rect">
+            <a:avLst/>
+          </a:prstGeom>
+        </p:spPr>
+        <p:txBody>
+          <a:bodyPr/>
+          <a:lstStyle>
+            <a:lvl1pPr marL="228600" indent="-228600" algn="l" defTabSz="914400" rtl="0" eaLnBrk="1" latinLnBrk="1" hangingPunct="1">
+              <a:lnSpc>
+                <a:spcPct val="90000"/>
+              </a:lnSpc>
+              <a:spcBef>
+                <a:spcPts val="1000"/>
+              </a:spcBef>
+              <a:buFont typeface="Arial" panose="020B0604020202020204" pitchFamily="34" charset="0"/>
+              <a:buChar char="•"/>
+              <a:defRPr sz="2800" kern="1200">
+                <a:solidFill>
+                  <a:schemeClr val="tx1"/>
+                </a:solidFill>
+                <a:latin typeface="+mn-lt"/>
+                <a:ea typeface="+mn-ea"/>
+                <a:cs typeface="+mn-cs"/>
+              </a:defRPr>
+            </a:lvl1pPr>
+            <a:lvl2pPr marL="685800" indent="-228600" algn="l" defTabSz="914400" rtl="0" eaLnBrk="1" latinLnBrk="1" hangingPunct="1">
+              <a:lnSpc>
+                <a:spcPct val="90000"/>
+              </a:lnSpc>
+              <a:spcBef>
+                <a:spcPts val="500"/>
+              </a:spcBef>
+              <a:buFont typeface="Arial" panose="020B0604020202020204" pitchFamily="34" charset="0"/>
+              <a:buChar char="•"/>
+              <a:defRPr sz="2400" kern="1200">
+                <a:solidFill>
+                  <a:schemeClr val="tx1"/>
+                </a:solidFill>
+                <a:latin typeface="+mn-lt"/>
+                <a:ea typeface="+mn-ea"/>
+                <a:cs typeface="+mn-cs"/>
+              </a:defRPr>
+            </a:lvl2pPr>
+            <a:lvl3pPr marL="1143000" indent="-228600" algn="l" defTabSz="914400" rtl="0" eaLnBrk="1" latinLnBrk="1" hangingPunct="1">
+              <a:lnSpc>
+                <a:spcPct val="90000"/>
+              </a:lnSpc>
+              <a:spcBef>
+                <a:spcPts val="500"/>
+              </a:spcBef>
+              <a:buFont typeface="Arial" panose="020B0604020202020204" pitchFamily="34" charset="0"/>
+              <a:buChar char="•"/>
+              <a:defRPr sz="2000" kern="1200">
+                <a:solidFill>
+                  <a:schemeClr val="tx1"/>
+                </a:solidFill>
+                <a:latin typeface="+mn-lt"/>
+                <a:ea typeface="+mn-ea"/>
+                <a:cs typeface="+mn-cs"/>
+              </a:defRPr>
+            </a:lvl3pPr>
+            <a:lvl4pPr marL="1600200" indent="-228600" algn="l" defTabSz="914400" rtl="0" eaLnBrk="1" latinLnBrk="1" hangingPunct="1">
+              <a:lnSpc>
+                <a:spcPct val="90000"/>
+              </a:lnSpc>
+              <a:spcBef>
+                <a:spcPts val="500"/>
+              </a:spcBef>
+              <a:buFont typeface="Arial" panose="020B0604020202020204" pitchFamily="34" charset="0"/>
+              <a:buChar char="•"/>
+              <a:defRPr sz="1800" kern="1200">
+                <a:solidFill>
+                  <a:schemeClr val="tx1"/>
+                </a:solidFill>
+                <a:latin typeface="+mn-lt"/>
+                <a:ea typeface="+mn-ea"/>
+                <a:cs typeface="+mn-cs"/>
+              </a:defRPr>
+            </a:lvl4pPr>
+            <a:lvl5pPr marL="2057400" indent="-228600" algn="l" defTabSz="914400" rtl="0" eaLnBrk="1" latinLnBrk="1" hangingPunct="1">
+              <a:lnSpc>
+                <a:spcPct val="90000"/>
+              </a:lnSpc>
+              <a:spcBef>
+                <a:spcPts val="500"/>
+              </a:spcBef>
+              <a:buFont typeface="Arial" panose="020B0604020202020204" pitchFamily="34" charset="0"/>
+              <a:buChar char="•"/>
+              <a:defRPr sz="1800" kern="1200">
+                <a:solidFill>
+                  <a:schemeClr val="tx1"/>
+                </a:solidFill>
+                <a:latin typeface="+mn-lt"/>
+                <a:ea typeface="+mn-ea"/>
+                <a:cs typeface="+mn-cs"/>
+              </a:defRPr>
+            </a:lvl5pPr>
+            <a:lvl6pPr marL="2514600" indent="-228600" algn="l" defTabSz="914400" rtl="0" eaLnBrk="1" latinLnBrk="1" hangingPunct="1">
+              <a:lnSpc>
+                <a:spcPct val="90000"/>
+              </a:lnSpc>
+              <a:spcBef>
+                <a:spcPts val="500"/>
+              </a:spcBef>
+              <a:buFont typeface="Arial" panose="020B0604020202020204" pitchFamily="34" charset="0"/>
+              <a:buChar char="•"/>
+              <a:defRPr sz="1800" kern="1200">
+                <a:solidFill>
+                  <a:schemeClr val="tx1"/>
+                </a:solidFill>
+                <a:latin typeface="+mn-lt"/>
+                <a:ea typeface="+mn-ea"/>
+                <a:cs typeface="+mn-cs"/>
+              </a:defRPr>
+            </a:lvl6pPr>
+            <a:lvl7pPr marL="2971800" indent="-228600" algn="l" defTabSz="914400" rtl="0" eaLnBrk="1" latinLnBrk="1" hangingPunct="1">
+              <a:lnSpc>
+                <a:spcPct val="90000"/>
+              </a:lnSpc>
+              <a:spcBef>
+                <a:spcPts val="500"/>
+              </a:spcBef>
+              <a:buFont typeface="Arial" panose="020B0604020202020204" pitchFamily="34" charset="0"/>
+              <a:buChar char="•"/>
+              <a:defRPr sz="1800" kern="1200">
+                <a:solidFill>
+                  <a:schemeClr val="tx1"/>
+                </a:solidFill>
+                <a:latin typeface="+mn-lt"/>
+                <a:ea typeface="+mn-ea"/>
+                <a:cs typeface="+mn-cs"/>
+              </a:defRPr>
+            </a:lvl7pPr>
+            <a:lvl8pPr marL="3429000" indent="-228600" algn="l" defTabSz="914400" rtl="0" eaLnBrk="1" latinLnBrk="1" hangingPunct="1">
+              <a:lnSpc>
+                <a:spcPct val="90000"/>
+              </a:lnSpc>
+              <a:spcBef>
+                <a:spcPts val="500"/>
+              </a:spcBef>
+              <a:buFont typeface="Arial" panose="020B0604020202020204" pitchFamily="34" charset="0"/>
+              <a:buChar char="•"/>
+              <a:defRPr sz="1800" kern="1200">
+                <a:solidFill>
+                  <a:schemeClr val="tx1"/>
+                </a:solidFill>
+                <a:latin typeface="+mn-lt"/>
+                <a:ea typeface="+mn-ea"/>
+                <a:cs typeface="+mn-cs"/>
+              </a:defRPr>
+            </a:lvl8pPr>
+            <a:lvl9pPr marL="3886200" indent="-228600" algn="l" defTabSz="914400" rtl="0" eaLnBrk="1" latinLnBrk="1" hangingPunct="1">
+              <a:lnSpc>
+                <a:spcPct val="90000"/>
+              </a:lnSpc>
+              <a:spcBef>
+                <a:spcPts val="500"/>
+              </a:spcBef>
+              <a:buFont typeface="Arial" panose="020B0604020202020204" pitchFamily="34" charset="0"/>
+              <a:buChar char="•"/>
+              <a:defRPr sz="1800" kern="1200">
+                <a:solidFill>
+                  <a:schemeClr val="tx1"/>
+                </a:solidFill>
+                <a:latin typeface="+mn-lt"/>
+                <a:ea typeface="+mn-ea"/>
+                <a:cs typeface="+mn-cs"/>
+              </a:defRPr>
+            </a:lvl9pPr>
+          </a:lstStyle>
+          <a:p>
+            <a:pPr marL="0" indent="0">
+              <a:lnSpc>
+                <a:spcPct val="150000"/>
+              </a:lnSpc>
+              <a:buNone/>
+            </a:pPr>
+            <a:r>
+              <a:rPr lang="ko-KR" altLang="en-US" sz="1800" b="1" dirty="0" smtClean="0">
+                <a:solidFill>
+                  <a:srgbClr val="C00000"/>
+                </a:solidFill>
+              </a:rPr>
+              <a:t> 정적</a:t>
+            </a:r>
+            <a:r>
+              <a:rPr lang="en-US" altLang="ko-KR" sz="1800" b="1" dirty="0" smtClean="0">
+                <a:solidFill>
+                  <a:srgbClr val="C00000"/>
+                </a:solidFill>
+              </a:rPr>
+              <a:t>(static)</a:t>
+            </a:r>
+            <a:r>
+              <a:rPr lang="ko-KR" altLang="en-US" sz="1800" b="1" dirty="0" smtClean="0">
+                <a:solidFill>
+                  <a:srgbClr val="C00000"/>
+                </a:solidFill>
+              </a:rPr>
+              <a:t> 멤</a:t>
+            </a:r>
+            <a:r>
+              <a:rPr lang="ko-KR" altLang="en-US" sz="1800" b="1" dirty="0">
+                <a:solidFill>
+                  <a:srgbClr val="C00000"/>
+                </a:solidFill>
+              </a:rPr>
+              <a:t>버</a:t>
+            </a:r>
+            <a:r>
+              <a:rPr lang="ko-KR" altLang="en-US" sz="1800" b="1" dirty="0" smtClean="0">
+                <a:solidFill>
+                  <a:srgbClr val="C00000"/>
+                </a:solidFill>
+              </a:rPr>
+              <a:t> 클래스</a:t>
+            </a:r>
+            <a:endParaRPr lang="en-US" altLang="ko-KR" sz="1800" b="1" dirty="0" smtClean="0">
+              <a:solidFill>
+                <a:srgbClr val="C00000"/>
+              </a:solidFill>
+            </a:endParaRPr>
+          </a:p>
+        </p:txBody>
+      </p:sp>
+      <p:pic>
+        <p:nvPicPr>
+          <p:cNvPr id="3" name="그림 2"/>
+          <p:cNvPicPr>
+            <a:picLocks noChangeAspect="1"/>
+          </p:cNvPicPr>
+          <p:nvPr/>
+        </p:nvPicPr>
+        <p:blipFill>
+          <a:blip r:embed="rId2">
+            <a:extLst>
+              <a:ext uri="{28A0092B-C50C-407E-A947-70E740481C1C}">
+                <a14:useLocalDpi xmlns:a14="http://schemas.microsoft.com/office/drawing/2010/main" val="0"/>
+              </a:ext>
+            </a:extLst>
+          </a:blip>
+          <a:stretch>
+            <a:fillRect/>
+          </a:stretch>
+        </p:blipFill>
+        <p:spPr>
+          <a:xfrm>
+            <a:off x="1262607" y="1721700"/>
+            <a:ext cx="6340390" cy="2926334"/>
+          </a:xfrm>
+          <a:prstGeom prst="rect">
+            <a:avLst/>
+          </a:prstGeom>
+          <a:ln>
+            <a:solidFill>
+              <a:schemeClr val="bg1">
+                <a:lumMod val="85000"/>
+              </a:schemeClr>
+            </a:solidFill>
+          </a:ln>
+        </p:spPr>
+      </p:pic>
+      <p:pic>
+        <p:nvPicPr>
+          <p:cNvPr id="7" name="그림 6"/>
+          <p:cNvPicPr>
+            <a:picLocks noChangeAspect="1"/>
+          </p:cNvPicPr>
+          <p:nvPr/>
+        </p:nvPicPr>
+        <p:blipFill>
+          <a:blip r:embed="rId3">
+            <a:extLst>
+              <a:ext uri="{28A0092B-C50C-407E-A947-70E740481C1C}">
+                <a14:useLocalDpi xmlns:a14="http://schemas.microsoft.com/office/drawing/2010/main" val="0"/>
+              </a:ext>
+            </a:extLst>
+          </a:blip>
+          <a:stretch>
+            <a:fillRect/>
+          </a:stretch>
+        </p:blipFill>
+        <p:spPr>
+          <a:xfrm>
+            <a:off x="5214596" y="4221088"/>
+            <a:ext cx="3888432" cy="1465490"/>
+          </a:xfrm>
+          <a:prstGeom prst="rect">
+            <a:avLst/>
+          </a:prstGeom>
+          <a:ln>
+            <a:solidFill>
+              <a:schemeClr val="accent4">
+                <a:lumMod val="40000"/>
+                <a:lumOff val="60000"/>
+              </a:schemeClr>
+            </a:solidFill>
+          </a:ln>
+        </p:spPr>
+      </p:pic>
+    </p:spTree>
+    <p:extLst>
+      <p:ext uri="{BB962C8B-B14F-4D97-AF65-F5344CB8AC3E}">
+        <p14:creationId xmlns:p14="http://schemas.microsoft.com/office/powerpoint/2010/main" val="795461673"/>
+      </p:ext>
+    </p:extLst>
+  </p:cSld>
+  <p:clrMapOvr>
+    <a:masterClrMapping/>
+  </p:clrMapOvr>
+  <p:timing>
+    <p:tnLst>
+      <p:par>
+        <p:cTn id="1" dur="indefinite" restart="never" nodeType="tmRoot"/>
+      </p:par>
+    </p:tnLst>
+  </p:timing>
+</p:sld>
+</file>
+
+<file path=ppt/slides/slide51.xml><?xml version="1.0" encoding="utf-8"?>
+<p:sld xmlns:a="http://schemas.openxmlformats.org/drawingml/2006/main" xmlns:r="http://schemas.openxmlformats.org/officeDocument/2006/relationships" xmlns:p="http://schemas.openxmlformats.org/presentationml/2006/main">
+  <p:cSld>
+    <p:spTree>
+      <p:nvGrpSpPr>
+        <p:cNvPr id="1" name=""/>
+        <p:cNvGrpSpPr/>
+        <p:nvPr/>
+      </p:nvGrpSpPr>
+      <p:grpSpPr>
+        <a:xfrm>
+          <a:off x="0" y="0"/>
+          <a:ext cx="0" cy="0"/>
+          <a:chOff x="0" y="0"/>
+          <a:chExt cx="0" cy="0"/>
+        </a:xfrm>
+      </p:grpSpPr>
+      <p:sp>
+        <p:nvSpPr>
+          <p:cNvPr id="6" name="제목 5"/>
+          <p:cNvSpPr>
+            <a:spLocks noGrp="1"/>
+          </p:cNvSpPr>
+          <p:nvPr>
+            <p:ph type="title"/>
+          </p:nvPr>
+        </p:nvSpPr>
+        <p:spPr/>
+        <p:txBody>
+          <a:bodyPr/>
+          <a:lstStyle/>
+          <a:p>
+            <a:r>
+              <a:rPr lang="en-US" altLang="ko-KR" dirty="0" smtClean="0"/>
+              <a:t> </a:t>
+            </a:r>
+            <a:r>
+              <a:rPr lang="ko-KR" altLang="en-US" dirty="0"/>
+              <a:t>내부 클래스</a:t>
+            </a:r>
+          </a:p>
+        </p:txBody>
+      </p:sp>
+      <p:sp>
+        <p:nvSpPr>
+          <p:cNvPr id="5" name="슬라이드 번호 개체 틀 4"/>
+          <p:cNvSpPr>
+            <a:spLocks noGrp="1"/>
+          </p:cNvSpPr>
+          <p:nvPr>
+            <p:ph type="sldNum" sz="quarter" idx="12"/>
+          </p:nvPr>
+        </p:nvSpPr>
+        <p:spPr>
+          <a:xfrm>
+            <a:off x="8853433" y="7312347"/>
+            <a:ext cx="557267" cy="365125"/>
+          </a:xfrm>
+        </p:spPr>
+        <p:txBody>
+          <a:bodyPr/>
+          <a:lstStyle/>
+          <a:p>
+            <a:fld id="{1BDE3FE7-3AEA-4B05-AC5A-802D1816ACF0}" type="slidenum">
+              <a:rPr lang="ko-KR" altLang="en-US" smtClean="0"/>
+              <a:t>51</a:t>
+            </a:fld>
+            <a:endParaRPr lang="ko-KR" altLang="en-US"/>
+          </a:p>
+        </p:txBody>
+      </p:sp>
+      <p:sp>
+        <p:nvSpPr>
+          <p:cNvPr id="10" name="내용 개체 틀 2">
+            <a:extLst>
+              <a:ext uri="{FF2B5EF4-FFF2-40B4-BE49-F238E27FC236}">
+                <a16:creationId xmlns:a16="http://schemas.microsoft.com/office/drawing/2014/main" id="{98AF3A4E-7D90-4241-89FE-799D6F9D5A94}"/>
+              </a:ext>
+            </a:extLst>
+          </p:cNvPr>
+          <p:cNvSpPr txBox="1">
+            <a:spLocks/>
+          </p:cNvSpPr>
+          <p:nvPr/>
+        </p:nvSpPr>
+        <p:spPr>
+          <a:xfrm>
             <a:off x="601393" y="1268760"/>
             <a:ext cx="2160240" cy="406693"/>
           </a:xfrm>
@@ -26901,7 +27740,7 @@
 </p:sld>
 </file>
 
-<file path=ppt/slides/slide51.xml><?xml version="1.0" encoding="utf-8"?>
+<file path=ppt/slides/slide52.xml><?xml version="1.0" encoding="utf-8"?>
 <p:sld xmlns:a="http://schemas.openxmlformats.org/drawingml/2006/main" xmlns:r="http://schemas.openxmlformats.org/officeDocument/2006/relationships" xmlns:p="http://schemas.openxmlformats.org/presentationml/2006/main">
   <p:cSld>
     <p:spTree>
@@ -26966,7 +27805,7 @@
           <a:p>
             <a:fld id="{1BDE3FE7-3AEA-4B05-AC5A-802D1816ACF0}" type="slidenum">
               <a:rPr lang="ko-KR" altLang="en-US" smtClean="0"/>
-              <a:t>51</a:t>
+              <a:t>52</a:t>
             </a:fld>
             <a:endParaRPr lang="ko-KR" altLang="en-US"/>
           </a:p>
@@ -27067,7 +27906,7 @@
 </p:sld>
 </file>
 
-<file path=ppt/slides/slide52.xml><?xml version="1.0" encoding="utf-8"?>
+<file path=ppt/slides/slide53.xml><?xml version="1.0" encoding="utf-8"?>
 <p:sld xmlns:a="http://schemas.openxmlformats.org/drawingml/2006/main" xmlns:r="http://schemas.openxmlformats.org/officeDocument/2006/relationships" xmlns:p="http://schemas.openxmlformats.org/presentationml/2006/main">
   <p:cSld>
     <p:spTree>
@@ -27133,7 +27972,7 @@
           <a:p>
             <a:fld id="{1BDE3FE7-3AEA-4B05-AC5A-802D1816ACF0}" type="slidenum">
               <a:rPr lang="ko-KR" altLang="en-US" smtClean="0"/>
-              <a:t>52</a:t>
+              <a:t>53</a:t>
             </a:fld>
             <a:endParaRPr lang="ko-KR" altLang="en-US"/>
           </a:p>
@@ -27550,7 +28389,7 @@
 </p:sld>
 </file>
 
-<file path=ppt/slides/slide53.xml><?xml version="1.0" encoding="utf-8"?>
+<file path=ppt/slides/slide54.xml><?xml version="1.0" encoding="utf-8"?>
 <p:sld xmlns:a="http://schemas.openxmlformats.org/drawingml/2006/main" xmlns:r="http://schemas.openxmlformats.org/officeDocument/2006/relationships" xmlns:p="http://schemas.openxmlformats.org/presentationml/2006/main">
   <p:cSld>
     <p:spTree>
@@ -27616,7 +28455,7 @@
           <a:p>
             <a:fld id="{1BDE3FE7-3AEA-4B05-AC5A-802D1816ACF0}" type="slidenum">
               <a:rPr lang="ko-KR" altLang="en-US" smtClean="0"/>
-              <a:t>53</a:t>
+              <a:t>54</a:t>
             </a:fld>
             <a:endParaRPr lang="ko-KR" altLang="en-US"/>
           </a:p>
@@ -27717,7 +28556,7 @@
 </p:sld>
 </file>
 
-<file path=ppt/slides/slide54.xml><?xml version="1.0" encoding="utf-8"?>
+<file path=ppt/slides/slide55.xml><?xml version="1.0" encoding="utf-8"?>
 <p:sld xmlns:a="http://schemas.openxmlformats.org/drawingml/2006/main" xmlns:r="http://schemas.openxmlformats.org/officeDocument/2006/relationships" xmlns:p="http://schemas.openxmlformats.org/presentationml/2006/main">
   <p:cSld>
     <p:spTree>
@@ -27786,7 +28625,7 @@
           <a:p>
             <a:fld id="{1BDE3FE7-3AEA-4B05-AC5A-802D1816ACF0}" type="slidenum">
               <a:rPr lang="ko-KR" altLang="en-US" smtClean="0"/>
-              <a:t>54</a:t>
+              <a:t>55</a:t>
             </a:fld>
             <a:endParaRPr lang="ko-KR" altLang="en-US"/>
           </a:p>
@@ -28351,7 +29190,7 @@
 </p:sld>
 </file>
 
-<file path=ppt/slides/slide55.xml><?xml version="1.0" encoding="utf-8"?>
+<file path=ppt/slides/slide56.xml><?xml version="1.0" encoding="utf-8"?>
 <p:sld xmlns:a="http://schemas.openxmlformats.org/drawingml/2006/main" xmlns:r="http://schemas.openxmlformats.org/officeDocument/2006/relationships" xmlns:p="http://schemas.openxmlformats.org/presentationml/2006/main">
   <p:cSld>
     <p:spTree>
@@ -28433,7 +29272,7 @@
           <a:p>
             <a:fld id="{1BDE3FE7-3AEA-4B05-AC5A-802D1816ACF0}" type="slidenum">
               <a:rPr lang="ko-KR" altLang="en-US" smtClean="0"/>
-              <a:t>55</a:t>
+              <a:t>56</a:t>
             </a:fld>
             <a:endParaRPr lang="ko-KR" altLang="en-US"/>
           </a:p>
@@ -29103,7 +29942,7 @@
 </p:sld>
 </file>
 
-<file path=ppt/slides/slide56.xml><?xml version="1.0" encoding="utf-8"?>
+<file path=ppt/slides/slide57.xml><?xml version="1.0" encoding="utf-8"?>
 <p:sld xmlns:a="http://schemas.openxmlformats.org/drawingml/2006/main" xmlns:r="http://schemas.openxmlformats.org/officeDocument/2006/relationships" xmlns:p="http://schemas.openxmlformats.org/presentationml/2006/main">
   <p:cSld>
     <p:spTree>
@@ -29185,7 +30024,7 @@
           <a:p>
             <a:fld id="{1BDE3FE7-3AEA-4B05-AC5A-802D1816ACF0}" type="slidenum">
               <a:rPr lang="ko-KR" altLang="en-US" smtClean="0"/>
-              <a:t>56</a:t>
+              <a:t>57</a:t>
             </a:fld>
             <a:endParaRPr lang="ko-KR" altLang="en-US"/>
           </a:p>
@@ -29811,7 +30650,7 @@
 </p:sld>
 </file>
 
-<file path=ppt/slides/slide57.xml><?xml version="1.0" encoding="utf-8"?>
+<file path=ppt/slides/slide58.xml><?xml version="1.0" encoding="utf-8"?>
 <p:sld xmlns:a="http://schemas.openxmlformats.org/drawingml/2006/main" xmlns:r="http://schemas.openxmlformats.org/officeDocument/2006/relationships" xmlns:p="http://schemas.openxmlformats.org/presentationml/2006/main">
   <p:cSld>
     <p:spTree>
@@ -29893,7 +30732,7 @@
           <a:p>
             <a:fld id="{1BDE3FE7-3AEA-4B05-AC5A-802D1816ACF0}" type="slidenum">
               <a:rPr lang="ko-KR" altLang="en-US" smtClean="0"/>
-              <a:t>57</a:t>
+              <a:t>58</a:t>
             </a:fld>
             <a:endParaRPr lang="ko-KR" altLang="en-US"/>
           </a:p>
@@ -30345,7 +31184,7 @@
 </p:sld>
 </file>
 
-<file path=ppt/slides/slide58.xml><?xml version="1.0" encoding="utf-8"?>
+<file path=ppt/slides/slide59.xml><?xml version="1.0" encoding="utf-8"?>
 <p:sld xmlns:a="http://schemas.openxmlformats.org/drawingml/2006/main" xmlns:r="http://schemas.openxmlformats.org/officeDocument/2006/relationships" xmlns:p="http://schemas.openxmlformats.org/presentationml/2006/main">
   <p:cSld>
     <p:spTree>
@@ -30427,7 +31266,7 @@
           <a:p>
             <a:fld id="{1BDE3FE7-3AEA-4B05-AC5A-802D1816ACF0}" type="slidenum">
               <a:rPr lang="ko-KR" altLang="en-US" smtClean="0"/>
-              <a:t>58</a:t>
+              <a:t>59</a:t>
             </a:fld>
             <a:endParaRPr lang="ko-KR" altLang="en-US"/>
           </a:p>
@@ -30755,7 +31594,425 @@
 </p:sld>
 </file>
 
-<file path=ppt/slides/slide59.xml><?xml version="1.0" encoding="utf-8"?>
+<file path=ppt/slides/slide6.xml><?xml version="1.0" encoding="utf-8"?>
+<p:sld xmlns:a="http://schemas.openxmlformats.org/drawingml/2006/main" xmlns:r="http://schemas.openxmlformats.org/officeDocument/2006/relationships" xmlns:p="http://schemas.openxmlformats.org/presentationml/2006/main">
+  <p:cSld>
+    <p:spTree>
+      <p:nvGrpSpPr>
+        <p:cNvPr id="1" name=""/>
+        <p:cNvGrpSpPr/>
+        <p:nvPr/>
+      </p:nvGrpSpPr>
+      <p:grpSpPr>
+        <a:xfrm>
+          <a:off x="0" y="0"/>
+          <a:ext cx="0" cy="0"/>
+          <a:chOff x="0" y="0"/>
+          <a:chExt cx="0" cy="0"/>
+        </a:xfrm>
+      </p:grpSpPr>
+      <p:sp>
+        <p:nvSpPr>
+          <p:cNvPr id="6" name="제목 5"/>
+          <p:cNvSpPr>
+            <a:spLocks noGrp="1"/>
+          </p:cNvSpPr>
+          <p:nvPr>
+            <p:ph type="title"/>
+          </p:nvPr>
+        </p:nvSpPr>
+        <p:spPr/>
+        <p:txBody>
+          <a:bodyPr/>
+          <a:lstStyle/>
+          <a:p>
+            <a:r>
+              <a:rPr lang="en-US" altLang="ko-KR" dirty="0" smtClean="0"/>
+              <a:t> Object </a:t>
+            </a:r>
+            <a:r>
+              <a:rPr lang="ko-KR" altLang="en-US" dirty="0" smtClean="0"/>
+              <a:t>클래스</a:t>
+            </a:r>
+            <a:endParaRPr lang="ko-KR" altLang="en-US" dirty="0"/>
+          </a:p>
+        </p:txBody>
+      </p:sp>
+      <p:sp>
+        <p:nvSpPr>
+          <p:cNvPr id="5" name="슬라이드 번호 개체 틀 4"/>
+          <p:cNvSpPr>
+            <a:spLocks noGrp="1"/>
+          </p:cNvSpPr>
+          <p:nvPr>
+            <p:ph type="sldNum" sz="quarter" idx="12"/>
+          </p:nvPr>
+        </p:nvSpPr>
+        <p:spPr>
+          <a:xfrm>
+            <a:off x="8853433" y="7312347"/>
+            <a:ext cx="557267" cy="365125"/>
+          </a:xfrm>
+        </p:spPr>
+        <p:txBody>
+          <a:bodyPr/>
+          <a:lstStyle/>
+          <a:p>
+            <a:fld id="{1BDE3FE7-3AEA-4B05-AC5A-802D1816ACF0}" type="slidenum">
+              <a:rPr lang="ko-KR" altLang="en-US" smtClean="0"/>
+              <a:t>6</a:t>
+            </a:fld>
+            <a:endParaRPr lang="ko-KR" altLang="en-US"/>
+          </a:p>
+        </p:txBody>
+      </p:sp>
+      <p:sp>
+        <p:nvSpPr>
+          <p:cNvPr id="10" name="내용 개체 틀 2">
+            <a:extLst>
+              <a:ext uri="{FF2B5EF4-FFF2-40B4-BE49-F238E27FC236}">
+                <a16:creationId xmlns:a16="http://schemas.microsoft.com/office/drawing/2014/main" id="{98AF3A4E-7D90-4241-89FE-799D6F9D5A94}"/>
+              </a:ext>
+            </a:extLst>
+          </p:cNvPr>
+          <p:cNvSpPr txBox="1">
+            <a:spLocks/>
+          </p:cNvSpPr>
+          <p:nvPr/>
+        </p:nvSpPr>
+        <p:spPr>
+          <a:xfrm>
+            <a:off x="516033" y="1052736"/>
+            <a:ext cx="9045479" cy="504056"/>
+          </a:xfrm>
+          <a:prstGeom prst="rect">
+            <a:avLst/>
+          </a:prstGeom>
+        </p:spPr>
+        <p:txBody>
+          <a:bodyPr/>
+          <a:lstStyle>
+            <a:lvl1pPr marL="228600" indent="-228600" algn="l" defTabSz="914400" rtl="0" eaLnBrk="1" latinLnBrk="1" hangingPunct="1">
+              <a:lnSpc>
+                <a:spcPct val="90000"/>
+              </a:lnSpc>
+              <a:spcBef>
+                <a:spcPts val="1000"/>
+              </a:spcBef>
+              <a:buFont typeface="Arial" panose="020B0604020202020204" pitchFamily="34" charset="0"/>
+              <a:buChar char="•"/>
+              <a:defRPr sz="2800" kern="1200">
+                <a:solidFill>
+                  <a:schemeClr val="tx1"/>
+                </a:solidFill>
+                <a:latin typeface="+mn-lt"/>
+                <a:ea typeface="+mn-ea"/>
+                <a:cs typeface="+mn-cs"/>
+              </a:defRPr>
+            </a:lvl1pPr>
+            <a:lvl2pPr marL="685800" indent="-228600" algn="l" defTabSz="914400" rtl="0" eaLnBrk="1" latinLnBrk="1" hangingPunct="1">
+              <a:lnSpc>
+                <a:spcPct val="90000"/>
+              </a:lnSpc>
+              <a:spcBef>
+                <a:spcPts val="500"/>
+              </a:spcBef>
+              <a:buFont typeface="Arial" panose="020B0604020202020204" pitchFamily="34" charset="0"/>
+              <a:buChar char="•"/>
+              <a:defRPr sz="2400" kern="1200">
+                <a:solidFill>
+                  <a:schemeClr val="tx1"/>
+                </a:solidFill>
+                <a:latin typeface="+mn-lt"/>
+                <a:ea typeface="+mn-ea"/>
+                <a:cs typeface="+mn-cs"/>
+              </a:defRPr>
+            </a:lvl2pPr>
+            <a:lvl3pPr marL="1143000" indent="-228600" algn="l" defTabSz="914400" rtl="0" eaLnBrk="1" latinLnBrk="1" hangingPunct="1">
+              <a:lnSpc>
+                <a:spcPct val="90000"/>
+              </a:lnSpc>
+              <a:spcBef>
+                <a:spcPts val="500"/>
+              </a:spcBef>
+              <a:buFont typeface="Arial" panose="020B0604020202020204" pitchFamily="34" charset="0"/>
+              <a:buChar char="•"/>
+              <a:defRPr sz="2000" kern="1200">
+                <a:solidFill>
+                  <a:schemeClr val="tx1"/>
+                </a:solidFill>
+                <a:latin typeface="+mn-lt"/>
+                <a:ea typeface="+mn-ea"/>
+                <a:cs typeface="+mn-cs"/>
+              </a:defRPr>
+            </a:lvl3pPr>
+            <a:lvl4pPr marL="1600200" indent="-228600" algn="l" defTabSz="914400" rtl="0" eaLnBrk="1" latinLnBrk="1" hangingPunct="1">
+              <a:lnSpc>
+                <a:spcPct val="90000"/>
+              </a:lnSpc>
+              <a:spcBef>
+                <a:spcPts val="500"/>
+              </a:spcBef>
+              <a:buFont typeface="Arial" panose="020B0604020202020204" pitchFamily="34" charset="0"/>
+              <a:buChar char="•"/>
+              <a:defRPr sz="1800" kern="1200">
+                <a:solidFill>
+                  <a:schemeClr val="tx1"/>
+                </a:solidFill>
+                <a:latin typeface="+mn-lt"/>
+                <a:ea typeface="+mn-ea"/>
+                <a:cs typeface="+mn-cs"/>
+              </a:defRPr>
+            </a:lvl4pPr>
+            <a:lvl5pPr marL="2057400" indent="-228600" algn="l" defTabSz="914400" rtl="0" eaLnBrk="1" latinLnBrk="1" hangingPunct="1">
+              <a:lnSpc>
+                <a:spcPct val="90000"/>
+              </a:lnSpc>
+              <a:spcBef>
+                <a:spcPts val="500"/>
+              </a:spcBef>
+              <a:buFont typeface="Arial" panose="020B0604020202020204" pitchFamily="34" charset="0"/>
+              <a:buChar char="•"/>
+              <a:defRPr sz="1800" kern="1200">
+                <a:solidFill>
+                  <a:schemeClr val="tx1"/>
+                </a:solidFill>
+                <a:latin typeface="+mn-lt"/>
+                <a:ea typeface="+mn-ea"/>
+                <a:cs typeface="+mn-cs"/>
+              </a:defRPr>
+            </a:lvl5pPr>
+            <a:lvl6pPr marL="2514600" indent="-228600" algn="l" defTabSz="914400" rtl="0" eaLnBrk="1" latinLnBrk="1" hangingPunct="1">
+              <a:lnSpc>
+                <a:spcPct val="90000"/>
+              </a:lnSpc>
+              <a:spcBef>
+                <a:spcPts val="500"/>
+              </a:spcBef>
+              <a:buFont typeface="Arial" panose="020B0604020202020204" pitchFamily="34" charset="0"/>
+              <a:buChar char="•"/>
+              <a:defRPr sz="1800" kern="1200">
+                <a:solidFill>
+                  <a:schemeClr val="tx1"/>
+                </a:solidFill>
+                <a:latin typeface="+mn-lt"/>
+                <a:ea typeface="+mn-ea"/>
+                <a:cs typeface="+mn-cs"/>
+              </a:defRPr>
+            </a:lvl6pPr>
+            <a:lvl7pPr marL="2971800" indent="-228600" algn="l" defTabSz="914400" rtl="0" eaLnBrk="1" latinLnBrk="1" hangingPunct="1">
+              <a:lnSpc>
+                <a:spcPct val="90000"/>
+              </a:lnSpc>
+              <a:spcBef>
+                <a:spcPts val="500"/>
+              </a:spcBef>
+              <a:buFont typeface="Arial" panose="020B0604020202020204" pitchFamily="34" charset="0"/>
+              <a:buChar char="•"/>
+              <a:defRPr sz="1800" kern="1200">
+                <a:solidFill>
+                  <a:schemeClr val="tx1"/>
+                </a:solidFill>
+                <a:latin typeface="+mn-lt"/>
+                <a:ea typeface="+mn-ea"/>
+                <a:cs typeface="+mn-cs"/>
+              </a:defRPr>
+            </a:lvl7pPr>
+            <a:lvl8pPr marL="3429000" indent="-228600" algn="l" defTabSz="914400" rtl="0" eaLnBrk="1" latinLnBrk="1" hangingPunct="1">
+              <a:lnSpc>
+                <a:spcPct val="90000"/>
+              </a:lnSpc>
+              <a:spcBef>
+                <a:spcPts val="500"/>
+              </a:spcBef>
+              <a:buFont typeface="Arial" panose="020B0604020202020204" pitchFamily="34" charset="0"/>
+              <a:buChar char="•"/>
+              <a:defRPr sz="1800" kern="1200">
+                <a:solidFill>
+                  <a:schemeClr val="tx1"/>
+                </a:solidFill>
+                <a:latin typeface="+mn-lt"/>
+                <a:ea typeface="+mn-ea"/>
+                <a:cs typeface="+mn-cs"/>
+              </a:defRPr>
+            </a:lvl8pPr>
+            <a:lvl9pPr marL="3886200" indent="-228600" algn="l" defTabSz="914400" rtl="0" eaLnBrk="1" latinLnBrk="1" hangingPunct="1">
+              <a:lnSpc>
+                <a:spcPct val="90000"/>
+              </a:lnSpc>
+              <a:spcBef>
+                <a:spcPts val="500"/>
+              </a:spcBef>
+              <a:buFont typeface="Arial" panose="020B0604020202020204" pitchFamily="34" charset="0"/>
+              <a:buChar char="•"/>
+              <a:defRPr sz="1800" kern="1200">
+                <a:solidFill>
+                  <a:schemeClr val="tx1"/>
+                </a:solidFill>
+                <a:latin typeface="+mn-lt"/>
+                <a:ea typeface="+mn-ea"/>
+                <a:cs typeface="+mn-cs"/>
+              </a:defRPr>
+            </a:lvl9pPr>
+          </a:lstStyle>
+          <a:p>
+            <a:pPr>
+              <a:lnSpc>
+                <a:spcPct val="150000"/>
+              </a:lnSpc>
+              <a:buFont typeface="Wingdings" panose="05000000000000000000" pitchFamily="2" charset="2"/>
+              <a:buChar char="§"/>
+            </a:pPr>
+            <a:r>
+              <a:rPr lang="en-US" altLang="ko-KR" sz="2200" b="1" dirty="0" smtClean="0">
+                <a:solidFill>
+                  <a:srgbClr val="C00000"/>
+                </a:solidFill>
+              </a:rPr>
+              <a:t>Object </a:t>
+            </a:r>
+            <a:r>
+              <a:rPr lang="ko-KR" altLang="en-US" sz="2200" b="1" dirty="0" smtClean="0">
+                <a:solidFill>
+                  <a:srgbClr val="C00000"/>
+                </a:solidFill>
+              </a:rPr>
+              <a:t>클래스의 주요 </a:t>
+            </a:r>
+            <a:r>
+              <a:rPr lang="ko-KR" altLang="en-US" sz="2200" b="1" dirty="0" err="1" smtClean="0">
+                <a:solidFill>
+                  <a:srgbClr val="C00000"/>
+                </a:solidFill>
+              </a:rPr>
+              <a:t>메서드</a:t>
+            </a:r>
+            <a:endParaRPr lang="en-US" altLang="ko-KR" sz="2200" b="1" dirty="0" smtClean="0">
+              <a:solidFill>
+                <a:srgbClr val="C00000"/>
+              </a:solidFill>
+            </a:endParaRPr>
+          </a:p>
+        </p:txBody>
+      </p:sp>
+      <p:pic>
+        <p:nvPicPr>
+          <p:cNvPr id="9" name="그림 8"/>
+          <p:cNvPicPr>
+            <a:picLocks noChangeAspect="1"/>
+          </p:cNvPicPr>
+          <p:nvPr/>
+        </p:nvPicPr>
+        <p:blipFill>
+          <a:blip r:embed="rId2">
+            <a:extLst>
+              <a:ext uri="{28A0092B-C50C-407E-A947-70E740481C1C}">
+                <a14:useLocalDpi xmlns:a14="http://schemas.microsoft.com/office/drawing/2010/main" val="0"/>
+              </a:ext>
+            </a:extLst>
+          </a:blip>
+          <a:stretch>
+            <a:fillRect/>
+          </a:stretch>
+        </p:blipFill>
+        <p:spPr>
+          <a:xfrm>
+            <a:off x="848544" y="1772816"/>
+            <a:ext cx="3024336" cy="1602839"/>
+          </a:xfrm>
+          <a:prstGeom prst="rect">
+            <a:avLst/>
+          </a:prstGeom>
+          <a:ln>
+            <a:solidFill>
+              <a:schemeClr val="bg1">
+                <a:lumMod val="85000"/>
+              </a:schemeClr>
+            </a:solidFill>
+          </a:ln>
+        </p:spPr>
+      </p:pic>
+      <p:pic>
+        <p:nvPicPr>
+          <p:cNvPr id="7" name="그림 6"/>
+          <p:cNvPicPr>
+            <a:picLocks noChangeAspect="1"/>
+          </p:cNvPicPr>
+          <p:nvPr/>
+        </p:nvPicPr>
+        <p:blipFill>
+          <a:blip r:embed="rId3">
+            <a:extLst>
+              <a:ext uri="{28A0092B-C50C-407E-A947-70E740481C1C}">
+                <a14:useLocalDpi xmlns:a14="http://schemas.microsoft.com/office/drawing/2010/main" val="0"/>
+              </a:ext>
+            </a:extLst>
+          </a:blip>
+          <a:stretch>
+            <a:fillRect/>
+          </a:stretch>
+        </p:blipFill>
+        <p:spPr>
+          <a:xfrm>
+            <a:off x="2936777" y="2204865"/>
+            <a:ext cx="5472608" cy="3105026"/>
+          </a:xfrm>
+          <a:prstGeom prst="rect">
+            <a:avLst/>
+          </a:prstGeom>
+        </p:spPr>
+      </p:pic>
+      <p:pic>
+        <p:nvPicPr>
+          <p:cNvPr id="2" name="그림 1"/>
+          <p:cNvPicPr>
+            <a:picLocks noChangeAspect="1"/>
+          </p:cNvPicPr>
+          <p:nvPr/>
+        </p:nvPicPr>
+        <p:blipFill>
+          <a:blip r:embed="rId4">
+            <a:extLst>
+              <a:ext uri="{28A0092B-C50C-407E-A947-70E740481C1C}">
+                <a14:useLocalDpi xmlns:a14="http://schemas.microsoft.com/office/drawing/2010/main" val="0"/>
+              </a:ext>
+            </a:extLst>
+          </a:blip>
+          <a:stretch>
+            <a:fillRect/>
+          </a:stretch>
+        </p:blipFill>
+        <p:spPr>
+          <a:xfrm>
+            <a:off x="5009775" y="4448756"/>
+            <a:ext cx="4640982" cy="1722269"/>
+          </a:xfrm>
+          <a:prstGeom prst="rect">
+            <a:avLst/>
+          </a:prstGeom>
+        </p:spPr>
+      </p:pic>
+    </p:spTree>
+    <p:extLst>
+      <p:ext uri="{BB962C8B-B14F-4D97-AF65-F5344CB8AC3E}">
+        <p14:creationId xmlns:p14="http://schemas.microsoft.com/office/powerpoint/2010/main" val="471593290"/>
+      </p:ext>
+    </p:extLst>
+  </p:cSld>
+  <p:clrMapOvr>
+    <a:masterClrMapping/>
+  </p:clrMapOvr>
+  <p:timing>
+    <p:tnLst>
+      <p:par>
+        <p:cTn id="1" dur="indefinite" restart="never" nodeType="tmRoot"/>
+      </p:par>
+    </p:tnLst>
+  </p:timing>
+</p:sld>
+</file>
+
+<file path=ppt/slides/slide60.xml><?xml version="1.0" encoding="utf-8"?>
 <p:sld xmlns:a="http://schemas.openxmlformats.org/drawingml/2006/main" xmlns:r="http://schemas.openxmlformats.org/officeDocument/2006/relationships" xmlns:p="http://schemas.openxmlformats.org/presentationml/2006/main">
   <p:cSld>
     <p:spTree>
@@ -30874,7 +32131,7 @@
           <a:p>
             <a:fld id="{1BDE3FE7-3AEA-4B05-AC5A-802D1816ACF0}" type="slidenum">
               <a:rPr lang="ko-KR" altLang="en-US" smtClean="0"/>
-              <a:t>59</a:t>
+              <a:t>60</a:t>
             </a:fld>
             <a:endParaRPr lang="ko-KR" altLang="en-US"/>
           </a:p>
@@ -31434,424 +32691,6 @@
     <p:bldLst>
       <p:bldP spid="18" grpId="0" animBg="1"/>
     </p:bldLst>
-  </p:timing>
-</p:sld>
-</file>
-
-<file path=ppt/slides/slide6.xml><?xml version="1.0" encoding="utf-8"?>
-<p:sld xmlns:a="http://schemas.openxmlformats.org/drawingml/2006/main" xmlns:r="http://schemas.openxmlformats.org/officeDocument/2006/relationships" xmlns:p="http://schemas.openxmlformats.org/presentationml/2006/main">
-  <p:cSld>
-    <p:spTree>
-      <p:nvGrpSpPr>
-        <p:cNvPr id="1" name=""/>
-        <p:cNvGrpSpPr/>
-        <p:nvPr/>
-      </p:nvGrpSpPr>
-      <p:grpSpPr>
-        <a:xfrm>
-          <a:off x="0" y="0"/>
-          <a:ext cx="0" cy="0"/>
-          <a:chOff x="0" y="0"/>
-          <a:chExt cx="0" cy="0"/>
-        </a:xfrm>
-      </p:grpSpPr>
-      <p:sp>
-        <p:nvSpPr>
-          <p:cNvPr id="6" name="제목 5"/>
-          <p:cNvSpPr>
-            <a:spLocks noGrp="1"/>
-          </p:cNvSpPr>
-          <p:nvPr>
-            <p:ph type="title"/>
-          </p:nvPr>
-        </p:nvSpPr>
-        <p:spPr/>
-        <p:txBody>
-          <a:bodyPr/>
-          <a:lstStyle/>
-          <a:p>
-            <a:r>
-              <a:rPr lang="en-US" altLang="ko-KR" dirty="0" smtClean="0"/>
-              <a:t> Object </a:t>
-            </a:r>
-            <a:r>
-              <a:rPr lang="ko-KR" altLang="en-US" dirty="0" smtClean="0"/>
-              <a:t>클래스</a:t>
-            </a:r>
-            <a:endParaRPr lang="ko-KR" altLang="en-US" dirty="0"/>
-          </a:p>
-        </p:txBody>
-      </p:sp>
-      <p:sp>
-        <p:nvSpPr>
-          <p:cNvPr id="5" name="슬라이드 번호 개체 틀 4"/>
-          <p:cNvSpPr>
-            <a:spLocks noGrp="1"/>
-          </p:cNvSpPr>
-          <p:nvPr>
-            <p:ph type="sldNum" sz="quarter" idx="12"/>
-          </p:nvPr>
-        </p:nvSpPr>
-        <p:spPr>
-          <a:xfrm>
-            <a:off x="8853433" y="7312347"/>
-            <a:ext cx="557267" cy="365125"/>
-          </a:xfrm>
-        </p:spPr>
-        <p:txBody>
-          <a:bodyPr/>
-          <a:lstStyle/>
-          <a:p>
-            <a:fld id="{1BDE3FE7-3AEA-4B05-AC5A-802D1816ACF0}" type="slidenum">
-              <a:rPr lang="ko-KR" altLang="en-US" smtClean="0"/>
-              <a:t>6</a:t>
-            </a:fld>
-            <a:endParaRPr lang="ko-KR" altLang="en-US"/>
-          </a:p>
-        </p:txBody>
-      </p:sp>
-      <p:sp>
-        <p:nvSpPr>
-          <p:cNvPr id="10" name="내용 개체 틀 2">
-            <a:extLst>
-              <a:ext uri="{FF2B5EF4-FFF2-40B4-BE49-F238E27FC236}">
-                <a16:creationId xmlns:a16="http://schemas.microsoft.com/office/drawing/2014/main" id="{98AF3A4E-7D90-4241-89FE-799D6F9D5A94}"/>
-              </a:ext>
-            </a:extLst>
-          </p:cNvPr>
-          <p:cNvSpPr txBox="1">
-            <a:spLocks/>
-          </p:cNvSpPr>
-          <p:nvPr/>
-        </p:nvSpPr>
-        <p:spPr>
-          <a:xfrm>
-            <a:off x="516033" y="1052736"/>
-            <a:ext cx="9045479" cy="504056"/>
-          </a:xfrm>
-          <a:prstGeom prst="rect">
-            <a:avLst/>
-          </a:prstGeom>
-        </p:spPr>
-        <p:txBody>
-          <a:bodyPr/>
-          <a:lstStyle>
-            <a:lvl1pPr marL="228600" indent="-228600" algn="l" defTabSz="914400" rtl="0" eaLnBrk="1" latinLnBrk="1" hangingPunct="1">
-              <a:lnSpc>
-                <a:spcPct val="90000"/>
-              </a:lnSpc>
-              <a:spcBef>
-                <a:spcPts val="1000"/>
-              </a:spcBef>
-              <a:buFont typeface="Arial" panose="020B0604020202020204" pitchFamily="34" charset="0"/>
-              <a:buChar char="•"/>
-              <a:defRPr sz="2800" kern="1200">
-                <a:solidFill>
-                  <a:schemeClr val="tx1"/>
-                </a:solidFill>
-                <a:latin typeface="+mn-lt"/>
-                <a:ea typeface="+mn-ea"/>
-                <a:cs typeface="+mn-cs"/>
-              </a:defRPr>
-            </a:lvl1pPr>
-            <a:lvl2pPr marL="685800" indent="-228600" algn="l" defTabSz="914400" rtl="0" eaLnBrk="1" latinLnBrk="1" hangingPunct="1">
-              <a:lnSpc>
-                <a:spcPct val="90000"/>
-              </a:lnSpc>
-              <a:spcBef>
-                <a:spcPts val="500"/>
-              </a:spcBef>
-              <a:buFont typeface="Arial" panose="020B0604020202020204" pitchFamily="34" charset="0"/>
-              <a:buChar char="•"/>
-              <a:defRPr sz="2400" kern="1200">
-                <a:solidFill>
-                  <a:schemeClr val="tx1"/>
-                </a:solidFill>
-                <a:latin typeface="+mn-lt"/>
-                <a:ea typeface="+mn-ea"/>
-                <a:cs typeface="+mn-cs"/>
-              </a:defRPr>
-            </a:lvl2pPr>
-            <a:lvl3pPr marL="1143000" indent="-228600" algn="l" defTabSz="914400" rtl="0" eaLnBrk="1" latinLnBrk="1" hangingPunct="1">
-              <a:lnSpc>
-                <a:spcPct val="90000"/>
-              </a:lnSpc>
-              <a:spcBef>
-                <a:spcPts val="500"/>
-              </a:spcBef>
-              <a:buFont typeface="Arial" panose="020B0604020202020204" pitchFamily="34" charset="0"/>
-              <a:buChar char="•"/>
-              <a:defRPr sz="2000" kern="1200">
-                <a:solidFill>
-                  <a:schemeClr val="tx1"/>
-                </a:solidFill>
-                <a:latin typeface="+mn-lt"/>
-                <a:ea typeface="+mn-ea"/>
-                <a:cs typeface="+mn-cs"/>
-              </a:defRPr>
-            </a:lvl3pPr>
-            <a:lvl4pPr marL="1600200" indent="-228600" algn="l" defTabSz="914400" rtl="0" eaLnBrk="1" latinLnBrk="1" hangingPunct="1">
-              <a:lnSpc>
-                <a:spcPct val="90000"/>
-              </a:lnSpc>
-              <a:spcBef>
-                <a:spcPts val="500"/>
-              </a:spcBef>
-              <a:buFont typeface="Arial" panose="020B0604020202020204" pitchFamily="34" charset="0"/>
-              <a:buChar char="•"/>
-              <a:defRPr sz="1800" kern="1200">
-                <a:solidFill>
-                  <a:schemeClr val="tx1"/>
-                </a:solidFill>
-                <a:latin typeface="+mn-lt"/>
-                <a:ea typeface="+mn-ea"/>
-                <a:cs typeface="+mn-cs"/>
-              </a:defRPr>
-            </a:lvl4pPr>
-            <a:lvl5pPr marL="2057400" indent="-228600" algn="l" defTabSz="914400" rtl="0" eaLnBrk="1" latinLnBrk="1" hangingPunct="1">
-              <a:lnSpc>
-                <a:spcPct val="90000"/>
-              </a:lnSpc>
-              <a:spcBef>
-                <a:spcPts val="500"/>
-              </a:spcBef>
-              <a:buFont typeface="Arial" panose="020B0604020202020204" pitchFamily="34" charset="0"/>
-              <a:buChar char="•"/>
-              <a:defRPr sz="1800" kern="1200">
-                <a:solidFill>
-                  <a:schemeClr val="tx1"/>
-                </a:solidFill>
-                <a:latin typeface="+mn-lt"/>
-                <a:ea typeface="+mn-ea"/>
-                <a:cs typeface="+mn-cs"/>
-              </a:defRPr>
-            </a:lvl5pPr>
-            <a:lvl6pPr marL="2514600" indent="-228600" algn="l" defTabSz="914400" rtl="0" eaLnBrk="1" latinLnBrk="1" hangingPunct="1">
-              <a:lnSpc>
-                <a:spcPct val="90000"/>
-              </a:lnSpc>
-              <a:spcBef>
-                <a:spcPts val="500"/>
-              </a:spcBef>
-              <a:buFont typeface="Arial" panose="020B0604020202020204" pitchFamily="34" charset="0"/>
-              <a:buChar char="•"/>
-              <a:defRPr sz="1800" kern="1200">
-                <a:solidFill>
-                  <a:schemeClr val="tx1"/>
-                </a:solidFill>
-                <a:latin typeface="+mn-lt"/>
-                <a:ea typeface="+mn-ea"/>
-                <a:cs typeface="+mn-cs"/>
-              </a:defRPr>
-            </a:lvl6pPr>
-            <a:lvl7pPr marL="2971800" indent="-228600" algn="l" defTabSz="914400" rtl="0" eaLnBrk="1" latinLnBrk="1" hangingPunct="1">
-              <a:lnSpc>
-                <a:spcPct val="90000"/>
-              </a:lnSpc>
-              <a:spcBef>
-                <a:spcPts val="500"/>
-              </a:spcBef>
-              <a:buFont typeface="Arial" panose="020B0604020202020204" pitchFamily="34" charset="0"/>
-              <a:buChar char="•"/>
-              <a:defRPr sz="1800" kern="1200">
-                <a:solidFill>
-                  <a:schemeClr val="tx1"/>
-                </a:solidFill>
-                <a:latin typeface="+mn-lt"/>
-                <a:ea typeface="+mn-ea"/>
-                <a:cs typeface="+mn-cs"/>
-              </a:defRPr>
-            </a:lvl7pPr>
-            <a:lvl8pPr marL="3429000" indent="-228600" algn="l" defTabSz="914400" rtl="0" eaLnBrk="1" latinLnBrk="1" hangingPunct="1">
-              <a:lnSpc>
-                <a:spcPct val="90000"/>
-              </a:lnSpc>
-              <a:spcBef>
-                <a:spcPts val="500"/>
-              </a:spcBef>
-              <a:buFont typeface="Arial" panose="020B0604020202020204" pitchFamily="34" charset="0"/>
-              <a:buChar char="•"/>
-              <a:defRPr sz="1800" kern="1200">
-                <a:solidFill>
-                  <a:schemeClr val="tx1"/>
-                </a:solidFill>
-                <a:latin typeface="+mn-lt"/>
-                <a:ea typeface="+mn-ea"/>
-                <a:cs typeface="+mn-cs"/>
-              </a:defRPr>
-            </a:lvl8pPr>
-            <a:lvl9pPr marL="3886200" indent="-228600" algn="l" defTabSz="914400" rtl="0" eaLnBrk="1" latinLnBrk="1" hangingPunct="1">
-              <a:lnSpc>
-                <a:spcPct val="90000"/>
-              </a:lnSpc>
-              <a:spcBef>
-                <a:spcPts val="500"/>
-              </a:spcBef>
-              <a:buFont typeface="Arial" panose="020B0604020202020204" pitchFamily="34" charset="0"/>
-              <a:buChar char="•"/>
-              <a:defRPr sz="1800" kern="1200">
-                <a:solidFill>
-                  <a:schemeClr val="tx1"/>
-                </a:solidFill>
-                <a:latin typeface="+mn-lt"/>
-                <a:ea typeface="+mn-ea"/>
-                <a:cs typeface="+mn-cs"/>
-              </a:defRPr>
-            </a:lvl9pPr>
-          </a:lstStyle>
-          <a:p>
-            <a:pPr>
-              <a:lnSpc>
-                <a:spcPct val="150000"/>
-              </a:lnSpc>
-              <a:buFont typeface="Wingdings" panose="05000000000000000000" pitchFamily="2" charset="2"/>
-              <a:buChar char="§"/>
-            </a:pPr>
-            <a:r>
-              <a:rPr lang="en-US" altLang="ko-KR" sz="2200" b="1" dirty="0" smtClean="0">
-                <a:solidFill>
-                  <a:srgbClr val="C00000"/>
-                </a:solidFill>
-              </a:rPr>
-              <a:t>Object </a:t>
-            </a:r>
-            <a:r>
-              <a:rPr lang="ko-KR" altLang="en-US" sz="2200" b="1" dirty="0" smtClean="0">
-                <a:solidFill>
-                  <a:srgbClr val="C00000"/>
-                </a:solidFill>
-              </a:rPr>
-              <a:t>클래스의 주요 </a:t>
-            </a:r>
-            <a:r>
-              <a:rPr lang="ko-KR" altLang="en-US" sz="2200" b="1" dirty="0" err="1" smtClean="0">
-                <a:solidFill>
-                  <a:srgbClr val="C00000"/>
-                </a:solidFill>
-              </a:rPr>
-              <a:t>메서드</a:t>
-            </a:r>
-            <a:endParaRPr lang="en-US" altLang="ko-KR" sz="2200" b="1" dirty="0" smtClean="0">
-              <a:solidFill>
-                <a:srgbClr val="C00000"/>
-              </a:solidFill>
-            </a:endParaRPr>
-          </a:p>
-        </p:txBody>
-      </p:sp>
-      <p:pic>
-        <p:nvPicPr>
-          <p:cNvPr id="9" name="그림 8"/>
-          <p:cNvPicPr>
-            <a:picLocks noChangeAspect="1"/>
-          </p:cNvPicPr>
-          <p:nvPr/>
-        </p:nvPicPr>
-        <p:blipFill>
-          <a:blip r:embed="rId2">
-            <a:extLst>
-              <a:ext uri="{28A0092B-C50C-407E-A947-70E740481C1C}">
-                <a14:useLocalDpi xmlns:a14="http://schemas.microsoft.com/office/drawing/2010/main" val="0"/>
-              </a:ext>
-            </a:extLst>
-          </a:blip>
-          <a:stretch>
-            <a:fillRect/>
-          </a:stretch>
-        </p:blipFill>
-        <p:spPr>
-          <a:xfrm>
-            <a:off x="848544" y="1772816"/>
-            <a:ext cx="3024336" cy="1602839"/>
-          </a:xfrm>
-          <a:prstGeom prst="rect">
-            <a:avLst/>
-          </a:prstGeom>
-          <a:ln>
-            <a:solidFill>
-              <a:schemeClr val="bg1">
-                <a:lumMod val="85000"/>
-              </a:schemeClr>
-            </a:solidFill>
-          </a:ln>
-        </p:spPr>
-      </p:pic>
-      <p:pic>
-        <p:nvPicPr>
-          <p:cNvPr id="7" name="그림 6"/>
-          <p:cNvPicPr>
-            <a:picLocks noChangeAspect="1"/>
-          </p:cNvPicPr>
-          <p:nvPr/>
-        </p:nvPicPr>
-        <p:blipFill>
-          <a:blip r:embed="rId3">
-            <a:extLst>
-              <a:ext uri="{28A0092B-C50C-407E-A947-70E740481C1C}">
-                <a14:useLocalDpi xmlns:a14="http://schemas.microsoft.com/office/drawing/2010/main" val="0"/>
-              </a:ext>
-            </a:extLst>
-          </a:blip>
-          <a:stretch>
-            <a:fillRect/>
-          </a:stretch>
-        </p:blipFill>
-        <p:spPr>
-          <a:xfrm>
-            <a:off x="2936777" y="2204865"/>
-            <a:ext cx="5472608" cy="3105026"/>
-          </a:xfrm>
-          <a:prstGeom prst="rect">
-            <a:avLst/>
-          </a:prstGeom>
-        </p:spPr>
-      </p:pic>
-      <p:pic>
-        <p:nvPicPr>
-          <p:cNvPr id="2" name="그림 1"/>
-          <p:cNvPicPr>
-            <a:picLocks noChangeAspect="1"/>
-          </p:cNvPicPr>
-          <p:nvPr/>
-        </p:nvPicPr>
-        <p:blipFill>
-          <a:blip r:embed="rId4">
-            <a:extLst>
-              <a:ext uri="{28A0092B-C50C-407E-A947-70E740481C1C}">
-                <a14:useLocalDpi xmlns:a14="http://schemas.microsoft.com/office/drawing/2010/main" val="0"/>
-              </a:ext>
-            </a:extLst>
-          </a:blip>
-          <a:stretch>
-            <a:fillRect/>
-          </a:stretch>
-        </p:blipFill>
-        <p:spPr>
-          <a:xfrm>
-            <a:off x="5009775" y="4448756"/>
-            <a:ext cx="4640982" cy="1722269"/>
-          </a:xfrm>
-          <a:prstGeom prst="rect">
-            <a:avLst/>
-          </a:prstGeom>
-        </p:spPr>
-      </p:pic>
-    </p:spTree>
-    <p:extLst>
-      <p:ext uri="{BB962C8B-B14F-4D97-AF65-F5344CB8AC3E}">
-        <p14:creationId xmlns:p14="http://schemas.microsoft.com/office/powerpoint/2010/main" val="471593290"/>
-      </p:ext>
-    </p:extLst>
-  </p:cSld>
-  <p:clrMapOvr>
-    <a:masterClrMapping/>
-  </p:clrMapOvr>
-  <p:timing>
-    <p:tnLst>
-      <p:par>
-        <p:cTn id="1" dur="indefinite" restart="never" nodeType="tmRoot"/>
-      </p:par>
-    </p:tnLst>
   </p:timing>
 </p:sld>
 </file>
